--- a/正式课/第 8 周（CSS3）/第 1 天/css3下半部分.pptx
+++ b/正式课/第 8 周（CSS3）/第 1 天/css3下半部分.pptx
@@ -1,21 +1,21 @@
 
 <file path=ppt/presentation.xml><?xml version="1.0" encoding="utf-8"?>
-<p:presentation xmlns:a="http://schemas.openxmlformats.org/drawingml/2006/main" xmlns:r="http://schemas.openxmlformats.org/officeDocument/2006/relationships" xmlns:p="http://schemas.openxmlformats.org/presentationml/2006/main" saveSubsetFonts="1" autoCompressPictures="0">
+<p:presentation xmlns:a="http://schemas.openxmlformats.org/drawingml/2006/main" xmlns:r="http://schemas.openxmlformats.org/officeDocument/2006/relationships" xmlns:p="http://schemas.openxmlformats.org/presentationml/2006/main" autoCompressPictures="0">
   <p:sldMasterIdLst>
     <p:sldMasterId id="2147483648" r:id="rId1"/>
   </p:sldMasterIdLst>
   <p:notesMasterIdLst>
-    <p:notesMasterId r:id="rId10"/>
+    <p:notesMasterId r:id="rId11"/>
   </p:notesMasterIdLst>
   <p:sldIdLst>
-    <p:sldId id="259" r:id="rId2"/>
-    <p:sldId id="258" r:id="rId3"/>
-    <p:sldId id="260" r:id="rId4"/>
-    <p:sldId id="261" r:id="rId5"/>
-    <p:sldId id="264" r:id="rId6"/>
-    <p:sldId id="265" r:id="rId7"/>
-    <p:sldId id="266" r:id="rId8"/>
-    <p:sldId id="262" r:id="rId9"/>
+    <p:sldId id="259" r:id="rId3"/>
+    <p:sldId id="258" r:id="rId4"/>
+    <p:sldId id="260" r:id="rId5"/>
+    <p:sldId id="261" r:id="rId6"/>
+    <p:sldId id="264" r:id="rId7"/>
+    <p:sldId id="265" r:id="rId8"/>
+    <p:sldId id="266" r:id="rId9"/>
+    <p:sldId id="262" r:id="rId10"/>
   </p:sldIdLst>
   <p:sldSz cx="9144000" cy="6858000" type="screen4x3"/>
   <p:notesSz cx="6858000" cy="9144000"/>
@@ -199,8 +199,6 @@
           <a:p>
             <a:fld id="{1BA958DF-2B6F-E74D-80F6-CDC33EE30BEE}" type="datetimeFigureOut">
               <a:rPr kumimoji="1" lang="zh-CN" altLang="en-US" smtClean="0"/>
-              <a:pPr/>
-              <a:t>2016/11/2</a:t>
             </a:fld>
             <a:endParaRPr kumimoji="1" lang="zh-CN" altLang="en-US"/>
           </a:p>
@@ -267,6 +265,7 @@
               <a:rPr kumimoji="1" lang="zh-CN" altLang="en-US" smtClean="0"/>
               <a:t>单击此处编辑母版文本样式</a:t>
             </a:r>
+            <a:endParaRPr kumimoji="1" lang="zh-CN" altLang="en-US" smtClean="0"/>
           </a:p>
           <a:p>
             <a:pPr lvl="1"/>
@@ -274,6 +273,7 @@
               <a:rPr kumimoji="1" lang="zh-CN" altLang="en-US" smtClean="0"/>
               <a:t>二级</a:t>
             </a:r>
+            <a:endParaRPr kumimoji="1" lang="zh-CN" altLang="en-US" smtClean="0"/>
           </a:p>
           <a:p>
             <a:pPr lvl="2"/>
@@ -281,6 +281,7 @@
               <a:rPr kumimoji="1" lang="zh-CN" altLang="en-US" smtClean="0"/>
               <a:t>三级</a:t>
             </a:r>
+            <a:endParaRPr kumimoji="1" lang="zh-CN" altLang="en-US" smtClean="0"/>
           </a:p>
           <a:p>
             <a:pPr lvl="3"/>
@@ -288,6 +289,7 @@
               <a:rPr kumimoji="1" lang="zh-CN" altLang="en-US" smtClean="0"/>
               <a:t>四级</a:t>
             </a:r>
+            <a:endParaRPr kumimoji="1" lang="zh-CN" altLang="en-US" smtClean="0"/>
           </a:p>
           <a:p>
             <a:pPr lvl="4"/>
@@ -359,19 +361,12 @@
           <a:p>
             <a:fld id="{4B587038-AAAD-0C43-B1B7-F302C9BFF3E9}" type="slidenum">
               <a:rPr kumimoji="1" lang="zh-CN" altLang="en-US" smtClean="0"/>
-              <a:pPr/>
-              <a:t>‹#›</a:t>
             </a:fld>
             <a:endParaRPr kumimoji="1" lang="zh-CN" altLang="en-US"/>
           </a:p>
         </p:txBody>
       </p:sp>
     </p:spTree>
-    <p:extLst>
-      <p:ext uri="{BB962C8B-B14F-4D97-AF65-F5344CB8AC3E}">
-        <p14:creationId xmlns:p14="http://schemas.microsoft.com/office/powerpoint/2010/main" xmlns="" val="1628909100"/>
-      </p:ext>
-    </p:extLst>
   </p:cSld>
   <p:clrMap bg1="lt1" tx1="dk1" bg2="lt2" tx2="dk2" accent1="accent1" accent2="accent2" accent3="accent3" accent4="accent4" accent5="accent5" accent6="accent6" hlink="hlink" folHlink="folHlink"/>
   <p:notesStyle>
@@ -650,8 +645,6 @@
           <a:p>
             <a:fld id="{837D91E7-E9FB-124C-A248-FAD78853CED4}" type="datetimeFigureOut">
               <a:rPr kumimoji="1" lang="zh-CN" altLang="en-US" smtClean="0"/>
-              <a:pPr/>
-              <a:t>2016/11/2</a:t>
             </a:fld>
             <a:endParaRPr kumimoji="1" lang="zh-CN" altLang="en-US"/>
           </a:p>
@@ -693,25 +686,18 @@
           <a:p>
             <a:fld id="{CA6E317A-7DF3-6745-96FC-DE11D02A6044}" type="slidenum">
               <a:rPr kumimoji="1" lang="zh-CN" altLang="en-US" smtClean="0"/>
-              <a:pPr/>
-              <a:t>‹#›</a:t>
             </a:fld>
             <a:endParaRPr kumimoji="1" lang="zh-CN" altLang="en-US"/>
           </a:p>
         </p:txBody>
       </p:sp>
     </p:spTree>
-    <p:extLst>
-      <p:ext uri="{BB962C8B-B14F-4D97-AF65-F5344CB8AC3E}">
-        <p14:creationId xmlns:p14="http://schemas.microsoft.com/office/powerpoint/2010/main" xmlns="" val="1931573446"/>
-      </p:ext>
-    </p:extLst>
   </p:cSld>
   <p:clrMapOvr>
     <a:masterClrMapping/>
   </p:clrMapOvr>
   <mc:AlternateContent xmlns:mc="http://schemas.openxmlformats.org/markup-compatibility/2006">
-    <mc:Choice xmlns:p14="http://schemas.microsoft.com/office/powerpoint/2010/main" xmlns="" Requires="p14">
+    <mc:Choice xmlns:p14="http://schemas.microsoft.com/office/powerpoint/2010/main" Requires="p14">
       <p:transition spd="med" p14:dur="700">
         <p:fade/>
       </p:transition>
@@ -785,6 +771,7 @@
               <a:rPr kumimoji="1" lang="zh-CN" altLang="en-US" smtClean="0"/>
               <a:t>单击此处编辑母版文本样式</a:t>
             </a:r>
+            <a:endParaRPr kumimoji="1" lang="zh-CN" altLang="en-US" smtClean="0"/>
           </a:p>
           <a:p>
             <a:pPr lvl="1"/>
@@ -792,6 +779,7 @@
               <a:rPr kumimoji="1" lang="zh-CN" altLang="en-US" smtClean="0"/>
               <a:t>二级</a:t>
             </a:r>
+            <a:endParaRPr kumimoji="1" lang="zh-CN" altLang="en-US" smtClean="0"/>
           </a:p>
           <a:p>
             <a:pPr lvl="2"/>
@@ -799,6 +787,7 @@
               <a:rPr kumimoji="1" lang="zh-CN" altLang="en-US" smtClean="0"/>
               <a:t>三级</a:t>
             </a:r>
+            <a:endParaRPr kumimoji="1" lang="zh-CN" altLang="en-US" smtClean="0"/>
           </a:p>
           <a:p>
             <a:pPr lvl="3"/>
@@ -806,6 +795,7 @@
               <a:rPr kumimoji="1" lang="zh-CN" altLang="en-US" smtClean="0"/>
               <a:t>四级</a:t>
             </a:r>
+            <a:endParaRPr kumimoji="1" lang="zh-CN" altLang="en-US" smtClean="0"/>
           </a:p>
           <a:p>
             <a:pPr lvl="4"/>
@@ -834,8 +824,6 @@
           <a:p>
             <a:fld id="{837D91E7-E9FB-124C-A248-FAD78853CED4}" type="datetimeFigureOut">
               <a:rPr kumimoji="1" lang="zh-CN" altLang="en-US" smtClean="0"/>
-              <a:pPr/>
-              <a:t>2016/11/2</a:t>
             </a:fld>
             <a:endParaRPr kumimoji="1" lang="zh-CN" altLang="en-US"/>
           </a:p>
@@ -877,25 +865,18 @@
           <a:p>
             <a:fld id="{CA6E317A-7DF3-6745-96FC-DE11D02A6044}" type="slidenum">
               <a:rPr kumimoji="1" lang="zh-CN" altLang="en-US" smtClean="0"/>
-              <a:pPr/>
-              <a:t>‹#›</a:t>
             </a:fld>
             <a:endParaRPr kumimoji="1" lang="zh-CN" altLang="en-US"/>
           </a:p>
         </p:txBody>
       </p:sp>
     </p:spTree>
-    <p:extLst>
-      <p:ext uri="{BB962C8B-B14F-4D97-AF65-F5344CB8AC3E}">
-        <p14:creationId xmlns:p14="http://schemas.microsoft.com/office/powerpoint/2010/main" xmlns="" val="2480383143"/>
-      </p:ext>
-    </p:extLst>
   </p:cSld>
   <p:clrMapOvr>
     <a:masterClrMapping/>
   </p:clrMapOvr>
   <mc:AlternateContent xmlns:mc="http://schemas.openxmlformats.org/markup-compatibility/2006">
-    <mc:Choice xmlns:p14="http://schemas.microsoft.com/office/powerpoint/2010/main" xmlns="" Requires="p14">
+    <mc:Choice xmlns:p14="http://schemas.microsoft.com/office/powerpoint/2010/main" Requires="p14">
       <p:transition spd="med" p14:dur="700">
         <p:fade/>
       </p:transition>
@@ -979,6 +960,7 @@
               <a:rPr kumimoji="1" lang="zh-CN" altLang="en-US" smtClean="0"/>
               <a:t>单击此处编辑母版文本样式</a:t>
             </a:r>
+            <a:endParaRPr kumimoji="1" lang="zh-CN" altLang="en-US" smtClean="0"/>
           </a:p>
           <a:p>
             <a:pPr lvl="1"/>
@@ -986,6 +968,7 @@
               <a:rPr kumimoji="1" lang="zh-CN" altLang="en-US" smtClean="0"/>
               <a:t>二级</a:t>
             </a:r>
+            <a:endParaRPr kumimoji="1" lang="zh-CN" altLang="en-US" smtClean="0"/>
           </a:p>
           <a:p>
             <a:pPr lvl="2"/>
@@ -993,6 +976,7 @@
               <a:rPr kumimoji="1" lang="zh-CN" altLang="en-US" smtClean="0"/>
               <a:t>三级</a:t>
             </a:r>
+            <a:endParaRPr kumimoji="1" lang="zh-CN" altLang="en-US" smtClean="0"/>
           </a:p>
           <a:p>
             <a:pPr lvl="3"/>
@@ -1000,6 +984,7 @@
               <a:rPr kumimoji="1" lang="zh-CN" altLang="en-US" smtClean="0"/>
               <a:t>四级</a:t>
             </a:r>
+            <a:endParaRPr kumimoji="1" lang="zh-CN" altLang="en-US" smtClean="0"/>
           </a:p>
           <a:p>
             <a:pPr lvl="4"/>
@@ -1028,8 +1013,6 @@
           <a:p>
             <a:fld id="{837D91E7-E9FB-124C-A248-FAD78853CED4}" type="datetimeFigureOut">
               <a:rPr kumimoji="1" lang="zh-CN" altLang="en-US" smtClean="0"/>
-              <a:pPr/>
-              <a:t>2016/11/2</a:t>
             </a:fld>
             <a:endParaRPr kumimoji="1" lang="zh-CN" altLang="en-US"/>
           </a:p>
@@ -1071,25 +1054,18 @@
           <a:p>
             <a:fld id="{CA6E317A-7DF3-6745-96FC-DE11D02A6044}" type="slidenum">
               <a:rPr kumimoji="1" lang="zh-CN" altLang="en-US" smtClean="0"/>
-              <a:pPr/>
-              <a:t>‹#›</a:t>
             </a:fld>
             <a:endParaRPr kumimoji="1" lang="zh-CN" altLang="en-US"/>
           </a:p>
         </p:txBody>
       </p:sp>
     </p:spTree>
-    <p:extLst>
-      <p:ext uri="{BB962C8B-B14F-4D97-AF65-F5344CB8AC3E}">
-        <p14:creationId xmlns:p14="http://schemas.microsoft.com/office/powerpoint/2010/main" xmlns="" val="2049100602"/>
-      </p:ext>
-    </p:extLst>
   </p:cSld>
   <p:clrMapOvr>
     <a:masterClrMapping/>
   </p:clrMapOvr>
   <mc:AlternateContent xmlns:mc="http://schemas.openxmlformats.org/markup-compatibility/2006">
-    <mc:Choice xmlns:p14="http://schemas.microsoft.com/office/powerpoint/2010/main" xmlns="" Requires="p14">
+    <mc:Choice xmlns:p14="http://schemas.microsoft.com/office/powerpoint/2010/main" Requires="p14">
       <p:transition spd="med" p14:dur="700">
         <p:fade/>
       </p:transition>
@@ -1163,6 +1139,7 @@
               <a:rPr kumimoji="1" lang="zh-CN" altLang="en-US" smtClean="0"/>
               <a:t>单击此处编辑母版文本样式</a:t>
             </a:r>
+            <a:endParaRPr kumimoji="1" lang="zh-CN" altLang="en-US" smtClean="0"/>
           </a:p>
           <a:p>
             <a:pPr lvl="1"/>
@@ -1170,6 +1147,7 @@
               <a:rPr kumimoji="1" lang="zh-CN" altLang="en-US" smtClean="0"/>
               <a:t>二级</a:t>
             </a:r>
+            <a:endParaRPr kumimoji="1" lang="zh-CN" altLang="en-US" smtClean="0"/>
           </a:p>
           <a:p>
             <a:pPr lvl="2"/>
@@ -1177,6 +1155,7 @@
               <a:rPr kumimoji="1" lang="zh-CN" altLang="en-US" smtClean="0"/>
               <a:t>三级</a:t>
             </a:r>
+            <a:endParaRPr kumimoji="1" lang="zh-CN" altLang="en-US" smtClean="0"/>
           </a:p>
           <a:p>
             <a:pPr lvl="3"/>
@@ -1184,6 +1163,7 @@
               <a:rPr kumimoji="1" lang="zh-CN" altLang="en-US" smtClean="0"/>
               <a:t>四级</a:t>
             </a:r>
+            <a:endParaRPr kumimoji="1" lang="zh-CN" altLang="en-US" smtClean="0"/>
           </a:p>
           <a:p>
             <a:pPr lvl="4"/>
@@ -1212,8 +1192,6 @@
           <a:p>
             <a:fld id="{837D91E7-E9FB-124C-A248-FAD78853CED4}" type="datetimeFigureOut">
               <a:rPr kumimoji="1" lang="zh-CN" altLang="en-US" smtClean="0"/>
-              <a:pPr/>
-              <a:t>2016/11/2</a:t>
             </a:fld>
             <a:endParaRPr kumimoji="1" lang="zh-CN" altLang="en-US"/>
           </a:p>
@@ -1255,25 +1233,18 @@
           <a:p>
             <a:fld id="{CA6E317A-7DF3-6745-96FC-DE11D02A6044}" type="slidenum">
               <a:rPr kumimoji="1" lang="zh-CN" altLang="en-US" smtClean="0"/>
-              <a:pPr/>
-              <a:t>‹#›</a:t>
             </a:fld>
             <a:endParaRPr kumimoji="1" lang="zh-CN" altLang="en-US"/>
           </a:p>
         </p:txBody>
       </p:sp>
     </p:spTree>
-    <p:extLst>
-      <p:ext uri="{BB962C8B-B14F-4D97-AF65-F5344CB8AC3E}">
-        <p14:creationId xmlns:p14="http://schemas.microsoft.com/office/powerpoint/2010/main" xmlns="" val="3649271697"/>
-      </p:ext>
-    </p:extLst>
   </p:cSld>
   <p:clrMapOvr>
     <a:masterClrMapping/>
   </p:clrMapOvr>
   <mc:AlternateContent xmlns:mc="http://schemas.openxmlformats.org/markup-compatibility/2006">
-    <mc:Choice xmlns:p14="http://schemas.microsoft.com/office/powerpoint/2010/main" xmlns="" Requires="p14">
+    <mc:Choice xmlns:p14="http://schemas.microsoft.com/office/powerpoint/2010/main" Requires="p14">
       <p:transition spd="med" p14:dur="700">
         <p:fade/>
       </p:transition>
@@ -1452,6 +1423,7 @@
               <a:rPr kumimoji="1" lang="zh-CN" altLang="en-US" smtClean="0"/>
               <a:t>单击此处编辑母版文本样式</a:t>
             </a:r>
+            <a:endParaRPr kumimoji="1" lang="zh-CN" altLang="en-US" smtClean="0"/>
           </a:p>
         </p:txBody>
       </p:sp>
@@ -1472,8 +1444,6 @@
           <a:p>
             <a:fld id="{837D91E7-E9FB-124C-A248-FAD78853CED4}" type="datetimeFigureOut">
               <a:rPr kumimoji="1" lang="zh-CN" altLang="en-US" smtClean="0"/>
-              <a:pPr/>
-              <a:t>2016/11/2</a:t>
             </a:fld>
             <a:endParaRPr kumimoji="1" lang="zh-CN" altLang="en-US"/>
           </a:p>
@@ -1515,25 +1485,18 @@
           <a:p>
             <a:fld id="{CA6E317A-7DF3-6745-96FC-DE11D02A6044}" type="slidenum">
               <a:rPr kumimoji="1" lang="zh-CN" altLang="en-US" smtClean="0"/>
-              <a:pPr/>
-              <a:t>‹#›</a:t>
             </a:fld>
             <a:endParaRPr kumimoji="1" lang="zh-CN" altLang="en-US"/>
           </a:p>
         </p:txBody>
       </p:sp>
     </p:spTree>
-    <p:extLst>
-      <p:ext uri="{BB962C8B-B14F-4D97-AF65-F5344CB8AC3E}">
-        <p14:creationId xmlns:p14="http://schemas.microsoft.com/office/powerpoint/2010/main" xmlns="" val="2936477356"/>
-      </p:ext>
-    </p:extLst>
   </p:cSld>
   <p:clrMapOvr>
     <a:masterClrMapping/>
   </p:clrMapOvr>
   <mc:AlternateContent xmlns:mc="http://schemas.openxmlformats.org/markup-compatibility/2006">
-    <mc:Choice xmlns:p14="http://schemas.microsoft.com/office/powerpoint/2010/main" xmlns="" Requires="p14">
+    <mc:Choice xmlns:p14="http://schemas.microsoft.com/office/powerpoint/2010/main" Requires="p14">
       <p:transition spd="med" p14:dur="700">
         <p:fade/>
       </p:transition>
@@ -1640,6 +1603,7 @@
               <a:rPr kumimoji="1" lang="zh-CN" altLang="en-US" smtClean="0"/>
               <a:t>单击此处编辑母版文本样式</a:t>
             </a:r>
+            <a:endParaRPr kumimoji="1" lang="zh-CN" altLang="en-US" smtClean="0"/>
           </a:p>
           <a:p>
             <a:pPr lvl="1"/>
@@ -1647,6 +1611,7 @@
               <a:rPr kumimoji="1" lang="zh-CN" altLang="en-US" smtClean="0"/>
               <a:t>二级</a:t>
             </a:r>
+            <a:endParaRPr kumimoji="1" lang="zh-CN" altLang="en-US" smtClean="0"/>
           </a:p>
           <a:p>
             <a:pPr lvl="2"/>
@@ -1654,6 +1619,7 @@
               <a:rPr kumimoji="1" lang="zh-CN" altLang="en-US" smtClean="0"/>
               <a:t>三级</a:t>
             </a:r>
+            <a:endParaRPr kumimoji="1" lang="zh-CN" altLang="en-US" smtClean="0"/>
           </a:p>
           <a:p>
             <a:pPr lvl="3"/>
@@ -1661,6 +1627,7 @@
               <a:rPr kumimoji="1" lang="zh-CN" altLang="en-US" smtClean="0"/>
               <a:t>四级</a:t>
             </a:r>
+            <a:endParaRPr kumimoji="1" lang="zh-CN" altLang="en-US" smtClean="0"/>
           </a:p>
           <a:p>
             <a:pPr lvl="4"/>
@@ -1725,6 +1692,7 @@
               <a:rPr kumimoji="1" lang="zh-CN" altLang="en-US" smtClean="0"/>
               <a:t>单击此处编辑母版文本样式</a:t>
             </a:r>
+            <a:endParaRPr kumimoji="1" lang="zh-CN" altLang="en-US" smtClean="0"/>
           </a:p>
           <a:p>
             <a:pPr lvl="1"/>
@@ -1732,6 +1700,7 @@
               <a:rPr kumimoji="1" lang="zh-CN" altLang="en-US" smtClean="0"/>
               <a:t>二级</a:t>
             </a:r>
+            <a:endParaRPr kumimoji="1" lang="zh-CN" altLang="en-US" smtClean="0"/>
           </a:p>
           <a:p>
             <a:pPr lvl="2"/>
@@ -1739,6 +1708,7 @@
               <a:rPr kumimoji="1" lang="zh-CN" altLang="en-US" smtClean="0"/>
               <a:t>三级</a:t>
             </a:r>
+            <a:endParaRPr kumimoji="1" lang="zh-CN" altLang="en-US" smtClean="0"/>
           </a:p>
           <a:p>
             <a:pPr lvl="3"/>
@@ -1746,6 +1716,7 @@
               <a:rPr kumimoji="1" lang="zh-CN" altLang="en-US" smtClean="0"/>
               <a:t>四级</a:t>
             </a:r>
+            <a:endParaRPr kumimoji="1" lang="zh-CN" altLang="en-US" smtClean="0"/>
           </a:p>
           <a:p>
             <a:pPr lvl="4"/>
@@ -1774,8 +1745,6 @@
           <a:p>
             <a:fld id="{837D91E7-E9FB-124C-A248-FAD78853CED4}" type="datetimeFigureOut">
               <a:rPr kumimoji="1" lang="zh-CN" altLang="en-US" smtClean="0"/>
-              <a:pPr/>
-              <a:t>2016/11/2</a:t>
             </a:fld>
             <a:endParaRPr kumimoji="1" lang="zh-CN" altLang="en-US"/>
           </a:p>
@@ -1817,25 +1786,18 @@
           <a:p>
             <a:fld id="{CA6E317A-7DF3-6745-96FC-DE11D02A6044}" type="slidenum">
               <a:rPr kumimoji="1" lang="zh-CN" altLang="en-US" smtClean="0"/>
-              <a:pPr/>
-              <a:t>‹#›</a:t>
             </a:fld>
             <a:endParaRPr kumimoji="1" lang="zh-CN" altLang="en-US"/>
           </a:p>
         </p:txBody>
       </p:sp>
     </p:spTree>
-    <p:extLst>
-      <p:ext uri="{BB962C8B-B14F-4D97-AF65-F5344CB8AC3E}">
-        <p14:creationId xmlns:p14="http://schemas.microsoft.com/office/powerpoint/2010/main" xmlns="" val="1993328247"/>
-      </p:ext>
-    </p:extLst>
   </p:cSld>
   <p:clrMapOvr>
     <a:masterClrMapping/>
   </p:clrMapOvr>
   <mc:AlternateContent xmlns:mc="http://schemas.openxmlformats.org/markup-compatibility/2006">
-    <mc:Choice xmlns:p14="http://schemas.microsoft.com/office/powerpoint/2010/main" xmlns="" Requires="p14">
+    <mc:Choice xmlns:p14="http://schemas.microsoft.com/office/powerpoint/2010/main" Requires="p14">
       <p:transition spd="med" p14:dur="700">
         <p:fade/>
       </p:transition>
@@ -1955,6 +1917,7 @@
               <a:rPr kumimoji="1" lang="zh-CN" altLang="en-US" smtClean="0"/>
               <a:t>单击此处编辑母版文本样式</a:t>
             </a:r>
+            <a:endParaRPr kumimoji="1" lang="zh-CN" altLang="en-US" smtClean="0"/>
           </a:p>
         </p:txBody>
       </p:sp>
@@ -2011,6 +1974,7 @@
               <a:rPr kumimoji="1" lang="zh-CN" altLang="en-US" smtClean="0"/>
               <a:t>单击此处编辑母版文本样式</a:t>
             </a:r>
+            <a:endParaRPr kumimoji="1" lang="zh-CN" altLang="en-US" smtClean="0"/>
           </a:p>
           <a:p>
             <a:pPr lvl="1"/>
@@ -2018,6 +1982,7 @@
               <a:rPr kumimoji="1" lang="zh-CN" altLang="en-US" smtClean="0"/>
               <a:t>二级</a:t>
             </a:r>
+            <a:endParaRPr kumimoji="1" lang="zh-CN" altLang="en-US" smtClean="0"/>
           </a:p>
           <a:p>
             <a:pPr lvl="2"/>
@@ -2025,6 +1990,7 @@
               <a:rPr kumimoji="1" lang="zh-CN" altLang="en-US" smtClean="0"/>
               <a:t>三级</a:t>
             </a:r>
+            <a:endParaRPr kumimoji="1" lang="zh-CN" altLang="en-US" smtClean="0"/>
           </a:p>
           <a:p>
             <a:pPr lvl="3"/>
@@ -2032,6 +1998,7 @@
               <a:rPr kumimoji="1" lang="zh-CN" altLang="en-US" smtClean="0"/>
               <a:t>四级</a:t>
             </a:r>
+            <a:endParaRPr kumimoji="1" lang="zh-CN" altLang="en-US" smtClean="0"/>
           </a:p>
           <a:p>
             <a:pPr lvl="4"/>
@@ -2105,6 +2072,7 @@
               <a:rPr kumimoji="1" lang="zh-CN" altLang="en-US" smtClean="0"/>
               <a:t>单击此处编辑母版文本样式</a:t>
             </a:r>
+            <a:endParaRPr kumimoji="1" lang="zh-CN" altLang="en-US" smtClean="0"/>
           </a:p>
         </p:txBody>
       </p:sp>
@@ -2161,6 +2129,7 @@
               <a:rPr kumimoji="1" lang="zh-CN" altLang="en-US" smtClean="0"/>
               <a:t>单击此处编辑母版文本样式</a:t>
             </a:r>
+            <a:endParaRPr kumimoji="1" lang="zh-CN" altLang="en-US" smtClean="0"/>
           </a:p>
           <a:p>
             <a:pPr lvl="1"/>
@@ -2168,6 +2137,7 @@
               <a:rPr kumimoji="1" lang="zh-CN" altLang="en-US" smtClean="0"/>
               <a:t>二级</a:t>
             </a:r>
+            <a:endParaRPr kumimoji="1" lang="zh-CN" altLang="en-US" smtClean="0"/>
           </a:p>
           <a:p>
             <a:pPr lvl="2"/>
@@ -2175,6 +2145,7 @@
               <a:rPr kumimoji="1" lang="zh-CN" altLang="en-US" smtClean="0"/>
               <a:t>三级</a:t>
             </a:r>
+            <a:endParaRPr kumimoji="1" lang="zh-CN" altLang="en-US" smtClean="0"/>
           </a:p>
           <a:p>
             <a:pPr lvl="3"/>
@@ -2182,6 +2153,7 @@
               <a:rPr kumimoji="1" lang="zh-CN" altLang="en-US" smtClean="0"/>
               <a:t>四级</a:t>
             </a:r>
+            <a:endParaRPr kumimoji="1" lang="zh-CN" altLang="en-US" smtClean="0"/>
           </a:p>
           <a:p>
             <a:pPr lvl="4"/>
@@ -2210,8 +2182,6 @@
           <a:p>
             <a:fld id="{837D91E7-E9FB-124C-A248-FAD78853CED4}" type="datetimeFigureOut">
               <a:rPr kumimoji="1" lang="zh-CN" altLang="en-US" smtClean="0"/>
-              <a:pPr/>
-              <a:t>2016/11/2</a:t>
             </a:fld>
             <a:endParaRPr kumimoji="1" lang="zh-CN" altLang="en-US"/>
           </a:p>
@@ -2253,25 +2223,18 @@
           <a:p>
             <a:fld id="{CA6E317A-7DF3-6745-96FC-DE11D02A6044}" type="slidenum">
               <a:rPr kumimoji="1" lang="zh-CN" altLang="en-US" smtClean="0"/>
-              <a:pPr/>
-              <a:t>‹#›</a:t>
             </a:fld>
             <a:endParaRPr kumimoji="1" lang="zh-CN" altLang="en-US"/>
           </a:p>
         </p:txBody>
       </p:sp>
     </p:spTree>
-    <p:extLst>
-      <p:ext uri="{BB962C8B-B14F-4D97-AF65-F5344CB8AC3E}">
-        <p14:creationId xmlns:p14="http://schemas.microsoft.com/office/powerpoint/2010/main" xmlns="" val="3476570462"/>
-      </p:ext>
-    </p:extLst>
   </p:cSld>
   <p:clrMapOvr>
     <a:masterClrMapping/>
   </p:clrMapOvr>
   <mc:AlternateContent xmlns:mc="http://schemas.openxmlformats.org/markup-compatibility/2006">
-    <mc:Choice xmlns:p14="http://schemas.microsoft.com/office/powerpoint/2010/main" xmlns="" Requires="p14">
+    <mc:Choice xmlns:p14="http://schemas.microsoft.com/office/powerpoint/2010/main" Requires="p14">
       <p:transition spd="med" p14:dur="700">
         <p:fade/>
       </p:transition>
@@ -2342,8 +2305,6 @@
           <a:p>
             <a:fld id="{837D91E7-E9FB-124C-A248-FAD78853CED4}" type="datetimeFigureOut">
               <a:rPr kumimoji="1" lang="zh-CN" altLang="en-US" smtClean="0"/>
-              <a:pPr/>
-              <a:t>2016/11/2</a:t>
             </a:fld>
             <a:endParaRPr kumimoji="1" lang="zh-CN" altLang="en-US"/>
           </a:p>
@@ -2385,25 +2346,18 @@
           <a:p>
             <a:fld id="{CA6E317A-7DF3-6745-96FC-DE11D02A6044}" type="slidenum">
               <a:rPr kumimoji="1" lang="zh-CN" altLang="en-US" smtClean="0"/>
-              <a:pPr/>
-              <a:t>‹#›</a:t>
             </a:fld>
             <a:endParaRPr kumimoji="1" lang="zh-CN" altLang="en-US"/>
           </a:p>
         </p:txBody>
       </p:sp>
     </p:spTree>
-    <p:extLst>
-      <p:ext uri="{BB962C8B-B14F-4D97-AF65-F5344CB8AC3E}">
-        <p14:creationId xmlns:p14="http://schemas.microsoft.com/office/powerpoint/2010/main" xmlns="" val="4269493854"/>
-      </p:ext>
-    </p:extLst>
   </p:cSld>
   <p:clrMapOvr>
     <a:masterClrMapping/>
   </p:clrMapOvr>
   <mc:AlternateContent xmlns:mc="http://schemas.openxmlformats.org/markup-compatibility/2006">
-    <mc:Choice xmlns:p14="http://schemas.microsoft.com/office/powerpoint/2010/main" xmlns="" Requires="p14">
+    <mc:Choice xmlns:p14="http://schemas.microsoft.com/office/powerpoint/2010/main" Requires="p14">
       <p:transition spd="med" p14:dur="700">
         <p:fade/>
       </p:transition>
@@ -2451,8 +2405,6 @@
           <a:p>
             <a:fld id="{837D91E7-E9FB-124C-A248-FAD78853CED4}" type="datetimeFigureOut">
               <a:rPr kumimoji="1" lang="zh-CN" altLang="en-US" smtClean="0"/>
-              <a:pPr/>
-              <a:t>2016/11/2</a:t>
             </a:fld>
             <a:endParaRPr kumimoji="1" lang="zh-CN" altLang="en-US"/>
           </a:p>
@@ -2494,25 +2446,18 @@
           <a:p>
             <a:fld id="{CA6E317A-7DF3-6745-96FC-DE11D02A6044}" type="slidenum">
               <a:rPr kumimoji="1" lang="zh-CN" altLang="en-US" smtClean="0"/>
-              <a:pPr/>
-              <a:t>‹#›</a:t>
             </a:fld>
             <a:endParaRPr kumimoji="1" lang="zh-CN" altLang="en-US"/>
           </a:p>
         </p:txBody>
       </p:sp>
     </p:spTree>
-    <p:extLst>
-      <p:ext uri="{BB962C8B-B14F-4D97-AF65-F5344CB8AC3E}">
-        <p14:creationId xmlns:p14="http://schemas.microsoft.com/office/powerpoint/2010/main" xmlns="" val="775111121"/>
-      </p:ext>
-    </p:extLst>
   </p:cSld>
   <p:clrMapOvr>
     <a:masterClrMapping/>
   </p:clrMapOvr>
   <mc:AlternateContent xmlns:mc="http://schemas.openxmlformats.org/markup-compatibility/2006">
-    <mc:Choice xmlns:p14="http://schemas.microsoft.com/office/powerpoint/2010/main" xmlns="" Requires="p14">
+    <mc:Choice xmlns:p14="http://schemas.microsoft.com/office/powerpoint/2010/main" Requires="p14">
       <p:transition spd="med" p14:dur="700">
         <p:fade/>
       </p:transition>
@@ -2628,6 +2573,7 @@
               <a:rPr kumimoji="1" lang="zh-CN" altLang="en-US" smtClean="0"/>
               <a:t>单击此处编辑母版文本样式</a:t>
             </a:r>
+            <a:endParaRPr kumimoji="1" lang="zh-CN" altLang="en-US" smtClean="0"/>
           </a:p>
           <a:p>
             <a:pPr lvl="1"/>
@@ -2635,6 +2581,7 @@
               <a:rPr kumimoji="1" lang="zh-CN" altLang="en-US" smtClean="0"/>
               <a:t>二级</a:t>
             </a:r>
+            <a:endParaRPr kumimoji="1" lang="zh-CN" altLang="en-US" smtClean="0"/>
           </a:p>
           <a:p>
             <a:pPr lvl="2"/>
@@ -2642,6 +2589,7 @@
               <a:rPr kumimoji="1" lang="zh-CN" altLang="en-US" smtClean="0"/>
               <a:t>三级</a:t>
             </a:r>
+            <a:endParaRPr kumimoji="1" lang="zh-CN" altLang="en-US" smtClean="0"/>
           </a:p>
           <a:p>
             <a:pPr lvl="3"/>
@@ -2649,6 +2597,7 @@
               <a:rPr kumimoji="1" lang="zh-CN" altLang="en-US" smtClean="0"/>
               <a:t>四级</a:t>
             </a:r>
+            <a:endParaRPr kumimoji="1" lang="zh-CN" altLang="en-US" smtClean="0"/>
           </a:p>
           <a:p>
             <a:pPr lvl="4"/>
@@ -2722,6 +2671,7 @@
               <a:rPr kumimoji="1" lang="zh-CN" altLang="en-US" smtClean="0"/>
               <a:t>单击此处编辑母版文本样式</a:t>
             </a:r>
+            <a:endParaRPr kumimoji="1" lang="zh-CN" altLang="en-US" smtClean="0"/>
           </a:p>
         </p:txBody>
       </p:sp>
@@ -2742,8 +2692,6 @@
           <a:p>
             <a:fld id="{837D91E7-E9FB-124C-A248-FAD78853CED4}" type="datetimeFigureOut">
               <a:rPr kumimoji="1" lang="zh-CN" altLang="en-US" smtClean="0"/>
-              <a:pPr/>
-              <a:t>2016/11/2</a:t>
             </a:fld>
             <a:endParaRPr kumimoji="1" lang="zh-CN" altLang="en-US"/>
           </a:p>
@@ -2785,25 +2733,18 @@
           <a:p>
             <a:fld id="{CA6E317A-7DF3-6745-96FC-DE11D02A6044}" type="slidenum">
               <a:rPr kumimoji="1" lang="zh-CN" altLang="en-US" smtClean="0"/>
-              <a:pPr/>
-              <a:t>‹#›</a:t>
             </a:fld>
             <a:endParaRPr kumimoji="1" lang="zh-CN" altLang="en-US"/>
           </a:p>
         </p:txBody>
       </p:sp>
     </p:spTree>
-    <p:extLst>
-      <p:ext uri="{BB962C8B-B14F-4D97-AF65-F5344CB8AC3E}">
-        <p14:creationId xmlns:p14="http://schemas.microsoft.com/office/powerpoint/2010/main" xmlns="" val="3992239273"/>
-      </p:ext>
-    </p:extLst>
   </p:cSld>
   <p:clrMapOvr>
     <a:masterClrMapping/>
   </p:clrMapOvr>
   <mc:AlternateContent xmlns:mc="http://schemas.openxmlformats.org/markup-compatibility/2006">
-    <mc:Choice xmlns:p14="http://schemas.microsoft.com/office/powerpoint/2010/main" xmlns="" Requires="p14">
+    <mc:Choice xmlns:p14="http://schemas.microsoft.com/office/powerpoint/2010/main" Requires="p14">
       <p:transition spd="med" p14:dur="700">
         <p:fade/>
       </p:transition>
@@ -2989,6 +2930,7 @@
               <a:rPr kumimoji="1" lang="zh-CN" altLang="en-US" smtClean="0"/>
               <a:t>单击此处编辑母版文本样式</a:t>
             </a:r>
+            <a:endParaRPr kumimoji="1" lang="zh-CN" altLang="en-US" smtClean="0"/>
           </a:p>
         </p:txBody>
       </p:sp>
@@ -3009,8 +2951,6 @@
           <a:p>
             <a:fld id="{837D91E7-E9FB-124C-A248-FAD78853CED4}" type="datetimeFigureOut">
               <a:rPr kumimoji="1" lang="zh-CN" altLang="en-US" smtClean="0"/>
-              <a:pPr/>
-              <a:t>2016/11/2</a:t>
             </a:fld>
             <a:endParaRPr kumimoji="1" lang="zh-CN" altLang="en-US"/>
           </a:p>
@@ -3052,25 +2992,18 @@
           <a:p>
             <a:fld id="{CA6E317A-7DF3-6745-96FC-DE11D02A6044}" type="slidenum">
               <a:rPr kumimoji="1" lang="zh-CN" altLang="en-US" smtClean="0"/>
-              <a:pPr/>
-              <a:t>‹#›</a:t>
             </a:fld>
             <a:endParaRPr kumimoji="1" lang="zh-CN" altLang="en-US"/>
           </a:p>
         </p:txBody>
       </p:sp>
     </p:spTree>
-    <p:extLst>
-      <p:ext uri="{BB962C8B-B14F-4D97-AF65-F5344CB8AC3E}">
-        <p14:creationId xmlns:p14="http://schemas.microsoft.com/office/powerpoint/2010/main" xmlns="" val="2932404777"/>
-      </p:ext>
-    </p:extLst>
   </p:cSld>
   <p:clrMapOvr>
     <a:masterClrMapping/>
   </p:clrMapOvr>
   <mc:AlternateContent xmlns:mc="http://schemas.openxmlformats.org/markup-compatibility/2006">
-    <mc:Choice xmlns:p14="http://schemas.microsoft.com/office/powerpoint/2010/main" xmlns="" Requires="p14">
+    <mc:Choice xmlns:p14="http://schemas.microsoft.com/office/powerpoint/2010/main" Requires="p14">
       <p:transition spd="med" p14:dur="700">
         <p:fade/>
       </p:transition>
@@ -3169,6 +3102,7 @@
               <a:rPr kumimoji="1" lang="zh-CN" altLang="en-US" smtClean="0"/>
               <a:t>单击此处编辑母版文本样式</a:t>
             </a:r>
+            <a:endParaRPr kumimoji="1" lang="zh-CN" altLang="en-US" smtClean="0"/>
           </a:p>
           <a:p>
             <a:pPr lvl="1"/>
@@ -3176,6 +3110,7 @@
               <a:rPr kumimoji="1" lang="zh-CN" altLang="en-US" smtClean="0"/>
               <a:t>二级</a:t>
             </a:r>
+            <a:endParaRPr kumimoji="1" lang="zh-CN" altLang="en-US" smtClean="0"/>
           </a:p>
           <a:p>
             <a:pPr lvl="2"/>
@@ -3183,6 +3118,7 @@
               <a:rPr kumimoji="1" lang="zh-CN" altLang="en-US" smtClean="0"/>
               <a:t>三级</a:t>
             </a:r>
+            <a:endParaRPr kumimoji="1" lang="zh-CN" altLang="en-US" smtClean="0"/>
           </a:p>
           <a:p>
             <a:pPr lvl="3"/>
@@ -3190,6 +3126,7 @@
               <a:rPr kumimoji="1" lang="zh-CN" altLang="en-US" smtClean="0"/>
               <a:t>四级</a:t>
             </a:r>
+            <a:endParaRPr kumimoji="1" lang="zh-CN" altLang="en-US" smtClean="0"/>
           </a:p>
           <a:p>
             <a:pPr lvl="4"/>
@@ -3236,8 +3173,6 @@
           <a:p>
             <a:fld id="{837D91E7-E9FB-124C-A248-FAD78853CED4}" type="datetimeFigureOut">
               <a:rPr kumimoji="1" lang="zh-CN" altLang="en-US" smtClean="0"/>
-              <a:pPr/>
-              <a:t>2016/11/2</a:t>
             </a:fld>
             <a:endParaRPr kumimoji="1" lang="zh-CN" altLang="en-US"/>
           </a:p>
@@ -3315,19 +3250,12 @@
           <a:p>
             <a:fld id="{CA6E317A-7DF3-6745-96FC-DE11D02A6044}" type="slidenum">
               <a:rPr kumimoji="1" lang="zh-CN" altLang="en-US" smtClean="0"/>
-              <a:pPr/>
-              <a:t>‹#›</a:t>
             </a:fld>
             <a:endParaRPr kumimoji="1" lang="zh-CN" altLang="en-US"/>
           </a:p>
         </p:txBody>
       </p:sp>
     </p:spTree>
-    <p:extLst>
-      <p:ext uri="{BB962C8B-B14F-4D97-AF65-F5344CB8AC3E}">
-        <p14:creationId xmlns:p14="http://schemas.microsoft.com/office/powerpoint/2010/main" xmlns="" val="1976428673"/>
-      </p:ext>
-    </p:extLst>
   </p:cSld>
   <p:clrMap bg1="lt1" tx1="dk1" bg2="lt2" tx2="dk2" accent1="accent1" accent2="accent2" accent3="accent3" accent4="accent4" accent5="accent5" accent6="accent6" hlink="hlink" folHlink="folHlink"/>
   <p:sldLayoutIdLst>
@@ -3344,7 +3272,7 @@
     <p:sldLayoutId id="2147483659" r:id="rId11"/>
   </p:sldLayoutIdLst>
   <mc:AlternateContent xmlns:mc="http://schemas.openxmlformats.org/markup-compatibility/2006">
-    <mc:Choice xmlns:p14="http://schemas.microsoft.com/office/powerpoint/2010/main" xmlns="" Requires="p14">
+    <mc:Choice xmlns:p14="http://schemas.microsoft.com/office/powerpoint/2010/main" Requires="p14">
       <p:transition spd="med" p14:dur="700">
         <p:fade/>
       </p:transition>
@@ -3377,7 +3305,7 @@
         <a:spcBef>
           <a:spcPct val="20000"/>
         </a:spcBef>
-        <a:buFont typeface="Arial"/>
+        <a:buFont typeface="Arial" panose="020B0604020202020204"/>
         <a:buChar char="•"/>
         <a:defRPr sz="3200" kern="1200">
           <a:solidFill>
@@ -3392,7 +3320,7 @@
         <a:spcBef>
           <a:spcPct val="20000"/>
         </a:spcBef>
-        <a:buFont typeface="Arial"/>
+        <a:buFont typeface="Arial" panose="020B0604020202020204"/>
         <a:buChar char="–"/>
         <a:defRPr sz="2800" kern="1200">
           <a:solidFill>
@@ -3407,7 +3335,7 @@
         <a:spcBef>
           <a:spcPct val="20000"/>
         </a:spcBef>
-        <a:buFont typeface="Arial"/>
+        <a:buFont typeface="Arial" panose="020B0604020202020204"/>
         <a:buChar char="•"/>
         <a:defRPr sz="2400" kern="1200">
           <a:solidFill>
@@ -3422,7 +3350,7 @@
         <a:spcBef>
           <a:spcPct val="20000"/>
         </a:spcBef>
-        <a:buFont typeface="Arial"/>
+        <a:buFont typeface="Arial" panose="020B0604020202020204"/>
         <a:buChar char="–"/>
         <a:defRPr sz="2000" kern="1200">
           <a:solidFill>
@@ -3437,7 +3365,7 @@
         <a:spcBef>
           <a:spcPct val="20000"/>
         </a:spcBef>
-        <a:buFont typeface="Arial"/>
+        <a:buFont typeface="Arial" panose="020B0604020202020204"/>
         <a:buChar char="»"/>
         <a:defRPr sz="2000" kern="1200">
           <a:solidFill>
@@ -3452,7 +3380,7 @@
         <a:spcBef>
           <a:spcPct val="20000"/>
         </a:spcBef>
-        <a:buFont typeface="Arial"/>
+        <a:buFont typeface="Arial" panose="020B0604020202020204"/>
         <a:buChar char="•"/>
         <a:defRPr sz="2000" kern="1200">
           <a:solidFill>
@@ -3467,7 +3395,7 @@
         <a:spcBef>
           <a:spcPct val="20000"/>
         </a:spcBef>
-        <a:buFont typeface="Arial"/>
+        <a:buFont typeface="Arial" panose="020B0604020202020204"/>
         <a:buChar char="•"/>
         <a:defRPr sz="2000" kern="1200">
           <a:solidFill>
@@ -3482,7 +3410,7 @@
         <a:spcBef>
           <a:spcPct val="20000"/>
         </a:spcBef>
-        <a:buFont typeface="Arial"/>
+        <a:buFont typeface="Arial" panose="020B0604020202020204"/>
         <a:buChar char="•"/>
         <a:defRPr sz="2000" kern="1200">
           <a:solidFill>
@@ -3497,7 +3425,7 @@
         <a:spcBef>
           <a:spcPct val="20000"/>
         </a:spcBef>
-        <a:buFont typeface="Arial"/>
+        <a:buFont typeface="Arial" panose="020B0604020202020204"/>
         <a:buChar char="•"/>
         <a:defRPr sz="2000" kern="1200">
           <a:solidFill>
@@ -3715,43 +3643,13 @@
           </a:p>
         </p:txBody>
       </p:sp>
-      <p:pic>
-        <p:nvPicPr>
-          <p:cNvPr id="4" name="图片 3" descr="logo-new.png"/>
-          <p:cNvPicPr>
-            <a:picLocks noChangeAspect="1"/>
-          </p:cNvPicPr>
-          <p:nvPr/>
-        </p:nvPicPr>
-        <p:blipFill>
-          <a:blip r:embed="rId2">
-            <a:extLst>
-              <a:ext uri="{28A0092B-C50C-407E-A947-70E740481C1C}">
-                <a14:useLocalDpi xmlns:a14="http://schemas.microsoft.com/office/drawing/2010/main" xmlns="" val="0"/>
-              </a:ext>
-            </a:extLst>
-          </a:blip>
-          <a:stretch>
-            <a:fillRect/>
-          </a:stretch>
-        </p:blipFill>
-        <p:spPr>
-          <a:xfrm>
-            <a:off x="6964725" y="5781425"/>
-            <a:ext cx="1743000" cy="900000"/>
-          </a:xfrm>
-          <a:prstGeom prst="rect">
-            <a:avLst/>
-          </a:prstGeom>
-        </p:spPr>
-      </p:pic>
     </p:spTree>
   </p:cSld>
   <p:clrMapOvr>
     <a:masterClrMapping/>
   </p:clrMapOvr>
   <mc:AlternateContent xmlns:mc="http://schemas.openxmlformats.org/markup-compatibility/2006">
-    <mc:Choice xmlns:p14="http://schemas.microsoft.com/office/powerpoint/2010/main" xmlns="" Requires="p14">
+    <mc:Choice xmlns:p14="http://schemas.microsoft.com/office/powerpoint/2010/main" Requires="p14">
       <p:transition spd="med" p14:dur="700">
         <p:fade/>
       </p:transition>
@@ -3816,9 +3714,9 @@
                 <a:solidFill>
                   <a:srgbClr val="F50A64"/>
                 </a:solidFill>
-                <a:latin typeface="微软雅黑" pitchFamily="34" charset="-122"/>
-                <a:ea typeface="微软雅黑" pitchFamily="34" charset="-122"/>
-                <a:sym typeface="微软雅黑" pitchFamily="34" charset="-122"/>
+                <a:latin typeface="微软雅黑" panose="020B0503020204020204" pitchFamily="34" charset="-122"/>
+                <a:ea typeface="微软雅黑" panose="020B0503020204020204" pitchFamily="34" charset="-122"/>
+                <a:sym typeface="微软雅黑" panose="020B0503020204020204" pitchFamily="34" charset="-122"/>
               </a:rPr>
               <a:t>Transition</a:t>
             </a:r>
@@ -3827,9 +3725,9 @@
                 <a:solidFill>
                   <a:srgbClr val="F50A64"/>
                 </a:solidFill>
-                <a:latin typeface="微软雅黑" pitchFamily="34" charset="-122"/>
-                <a:ea typeface="微软雅黑" pitchFamily="34" charset="-122"/>
-                <a:sym typeface="微软雅黑" pitchFamily="34" charset="-122"/>
+                <a:latin typeface="微软雅黑" panose="020B0503020204020204" pitchFamily="34" charset="-122"/>
+                <a:ea typeface="微软雅黑" panose="020B0503020204020204" pitchFamily="34" charset="-122"/>
+                <a:sym typeface="微软雅黑" panose="020B0503020204020204" pitchFamily="34" charset="-122"/>
               </a:rPr>
               <a:t>过渡</a:t>
             </a:r>
@@ -3863,7 +3761,7 @@
               <a:buClr>
                 <a:srgbClr val="FF0000"/>
               </a:buClr>
-              <a:buFont typeface="Arial" pitchFamily="34" charset="0"/>
+              <a:buFont typeface="Arial" panose="020B0604020202020204" pitchFamily="34" charset="0"/>
               <a:buChar char="•"/>
             </a:pPr>
             <a:r>
@@ -3871,9 +3769,9 @@
                 <a:solidFill>
                   <a:srgbClr val="3F3F3F"/>
                 </a:solidFill>
-                <a:latin typeface="微软雅黑" pitchFamily="34" charset="-122"/>
-                <a:ea typeface="微软雅黑" pitchFamily="34" charset="-122"/>
-                <a:sym typeface="微软雅黑" pitchFamily="34" charset="-122"/>
+                <a:latin typeface="微软雅黑" panose="020B0503020204020204" pitchFamily="34" charset="-122"/>
+                <a:ea typeface="微软雅黑" panose="020B0503020204020204" pitchFamily="34" charset="-122"/>
+                <a:sym typeface="微软雅黑" panose="020B0503020204020204" pitchFamily="34" charset="-122"/>
               </a:rPr>
               <a:t>transition-property  </a:t>
             </a:r>
@@ -3882,9 +3780,9 @@
                 <a:solidFill>
                   <a:srgbClr val="3F3F3F"/>
                 </a:solidFill>
-                <a:latin typeface="微软雅黑" pitchFamily="34" charset="-122"/>
-                <a:ea typeface="微软雅黑" pitchFamily="34" charset="-122"/>
-                <a:sym typeface="微软雅黑" pitchFamily="34" charset="-122"/>
+                <a:latin typeface="微软雅黑" panose="020B0503020204020204" pitchFamily="34" charset="-122"/>
+                <a:ea typeface="微软雅黑" panose="020B0503020204020204" pitchFamily="34" charset="-122"/>
+                <a:sym typeface="微软雅黑" panose="020B0503020204020204" pitchFamily="34" charset="-122"/>
               </a:rPr>
               <a:t>过渡属性  </a:t>
             </a:r>
@@ -3893,19 +3791,27 @@
                 <a:solidFill>
                   <a:srgbClr val="3F3F3F"/>
                 </a:solidFill>
-                <a:latin typeface="微软雅黑" pitchFamily="34" charset="-122"/>
-                <a:ea typeface="微软雅黑" pitchFamily="34" charset="-122"/>
-                <a:sym typeface="微软雅黑" pitchFamily="34" charset="-122"/>
+                <a:latin typeface="微软雅黑" panose="020B0503020204020204" pitchFamily="34" charset="-122"/>
+                <a:ea typeface="微软雅黑" panose="020B0503020204020204" pitchFamily="34" charset="-122"/>
+                <a:sym typeface="微软雅黑" panose="020B0503020204020204" pitchFamily="34" charset="-122"/>
               </a:rPr>
               <a:t>all|[attr]</a:t>
             </a:r>
+            <a:endParaRPr lang="en-US" altLang="zh-CN" sz="2200" dirty="0" smtClean="0">
+              <a:solidFill>
+                <a:srgbClr val="3F3F3F"/>
+              </a:solidFill>
+              <a:latin typeface="微软雅黑" panose="020B0503020204020204" pitchFamily="34" charset="-122"/>
+              <a:ea typeface="微软雅黑" panose="020B0503020204020204" pitchFamily="34" charset="-122"/>
+              <a:sym typeface="微软雅黑" panose="020B0503020204020204" pitchFamily="34" charset="-122"/>
+            </a:endParaRPr>
           </a:p>
           <a:p>
             <a:pPr marL="342900" lvl="1" indent="-342900">
               <a:buClr>
                 <a:srgbClr val="FF0000"/>
               </a:buClr>
-              <a:buFont typeface="Arial" pitchFamily="34" charset="0"/>
+              <a:buFont typeface="Arial" panose="020B0604020202020204" pitchFamily="34" charset="0"/>
               <a:buChar char="•"/>
             </a:pPr>
             <a:r>
@@ -3913,9 +3819,9 @@
                 <a:solidFill>
                   <a:srgbClr val="3F3F3F"/>
                 </a:solidFill>
-                <a:latin typeface="微软雅黑" pitchFamily="34" charset="-122"/>
-                <a:ea typeface="微软雅黑" pitchFamily="34" charset="-122"/>
-                <a:sym typeface="微软雅黑" pitchFamily="34" charset="-122"/>
+                <a:latin typeface="微软雅黑" panose="020B0503020204020204" pitchFamily="34" charset="-122"/>
+                <a:ea typeface="微软雅黑" panose="020B0503020204020204" pitchFamily="34" charset="-122"/>
+                <a:sym typeface="微软雅黑" panose="020B0503020204020204" pitchFamily="34" charset="-122"/>
               </a:rPr>
               <a:t>transition-duration </a:t>
             </a:r>
@@ -3924,9 +3830,9 @@
                 <a:solidFill>
                   <a:srgbClr val="3F3F3F"/>
                 </a:solidFill>
-                <a:latin typeface="微软雅黑" pitchFamily="34" charset="-122"/>
-                <a:ea typeface="微软雅黑" pitchFamily="34" charset="-122"/>
-                <a:sym typeface="微软雅黑" pitchFamily="34" charset="-122"/>
+                <a:latin typeface="微软雅黑" panose="020B0503020204020204" pitchFamily="34" charset="-122"/>
+                <a:ea typeface="微软雅黑" panose="020B0503020204020204" pitchFamily="34" charset="-122"/>
+                <a:sym typeface="微软雅黑" panose="020B0503020204020204" pitchFamily="34" charset="-122"/>
               </a:rPr>
               <a:t>过渡时间</a:t>
             </a:r>
@@ -3934,9 +3840,9 @@
               <a:solidFill>
                 <a:srgbClr val="3F3F3F"/>
               </a:solidFill>
-              <a:latin typeface="微软雅黑" pitchFamily="34" charset="-122"/>
-              <a:ea typeface="微软雅黑" pitchFamily="34" charset="-122"/>
-              <a:sym typeface="微软雅黑" pitchFamily="34" charset="-122"/>
+              <a:latin typeface="微软雅黑" panose="020B0503020204020204" pitchFamily="34" charset="-122"/>
+              <a:ea typeface="微软雅黑" panose="020B0503020204020204" pitchFamily="34" charset="-122"/>
+              <a:sym typeface="微软雅黑" panose="020B0503020204020204" pitchFamily="34" charset="-122"/>
             </a:endParaRPr>
           </a:p>
           <a:p>
@@ -3944,7 +3850,7 @@
               <a:buClr>
                 <a:srgbClr val="FF0000"/>
               </a:buClr>
-              <a:buFont typeface="Arial" pitchFamily="34" charset="0"/>
+              <a:buFont typeface="Arial" panose="020B0604020202020204" pitchFamily="34" charset="0"/>
               <a:buChar char="•"/>
             </a:pPr>
             <a:r>
@@ -3952,9 +3858,9 @@
                 <a:solidFill>
                   <a:srgbClr val="3F3F3F"/>
                 </a:solidFill>
-                <a:latin typeface="微软雅黑" pitchFamily="34" charset="-122"/>
-                <a:ea typeface="微软雅黑" pitchFamily="34" charset="-122"/>
-                <a:sym typeface="微软雅黑" pitchFamily="34" charset="-122"/>
+                <a:latin typeface="微软雅黑" panose="020B0503020204020204" pitchFamily="34" charset="-122"/>
+                <a:ea typeface="微软雅黑" panose="020B0503020204020204" pitchFamily="34" charset="-122"/>
+                <a:sym typeface="微软雅黑" panose="020B0503020204020204" pitchFamily="34" charset="-122"/>
               </a:rPr>
               <a:t>transition-delay </a:t>
             </a:r>
@@ -3963,9 +3869,9 @@
                 <a:solidFill>
                   <a:srgbClr val="3F3F3F"/>
                 </a:solidFill>
-                <a:latin typeface="微软雅黑" pitchFamily="34" charset="-122"/>
-                <a:ea typeface="微软雅黑" pitchFamily="34" charset="-122"/>
-                <a:sym typeface="微软雅黑" pitchFamily="34" charset="-122"/>
+                <a:latin typeface="微软雅黑" panose="020B0503020204020204" pitchFamily="34" charset="-122"/>
+                <a:ea typeface="微软雅黑" panose="020B0503020204020204" pitchFamily="34" charset="-122"/>
+                <a:sym typeface="微软雅黑" panose="020B0503020204020204" pitchFamily="34" charset="-122"/>
               </a:rPr>
               <a:t>延迟时间</a:t>
             </a:r>
@@ -3973,9 +3879,9 @@
               <a:solidFill>
                 <a:srgbClr val="3F3F3F"/>
               </a:solidFill>
-              <a:latin typeface="微软雅黑" pitchFamily="34" charset="-122"/>
-              <a:ea typeface="微软雅黑" pitchFamily="34" charset="-122"/>
-              <a:sym typeface="微软雅黑" pitchFamily="34" charset="-122"/>
+              <a:latin typeface="微软雅黑" panose="020B0503020204020204" pitchFamily="34" charset="-122"/>
+              <a:ea typeface="微软雅黑" panose="020B0503020204020204" pitchFamily="34" charset="-122"/>
+              <a:sym typeface="微软雅黑" panose="020B0503020204020204" pitchFamily="34" charset="-122"/>
             </a:endParaRPr>
           </a:p>
           <a:p>
@@ -3983,7 +3889,7 @@
               <a:buClr>
                 <a:srgbClr val="FF0000"/>
               </a:buClr>
-              <a:buFont typeface="Arial" pitchFamily="34" charset="0"/>
+              <a:buFont typeface="Arial" panose="020B0604020202020204" pitchFamily="34" charset="0"/>
               <a:buChar char="•"/>
             </a:pPr>
             <a:r>
@@ -3991,9 +3897,9 @@
                 <a:solidFill>
                   <a:srgbClr val="3F3F3F"/>
                 </a:solidFill>
-                <a:latin typeface="微软雅黑" pitchFamily="34" charset="-122"/>
-                <a:ea typeface="微软雅黑" pitchFamily="34" charset="-122"/>
-                <a:sym typeface="微软雅黑" pitchFamily="34" charset="-122"/>
+                <a:latin typeface="微软雅黑" panose="020B0503020204020204" pitchFamily="34" charset="-122"/>
+                <a:ea typeface="微软雅黑" panose="020B0503020204020204" pitchFamily="34" charset="-122"/>
+                <a:sym typeface="微软雅黑" panose="020B0503020204020204" pitchFamily="34" charset="-122"/>
               </a:rPr>
               <a:t>transition-timing-function </a:t>
             </a:r>
@@ -4002,9 +3908,9 @@
                 <a:solidFill>
                   <a:srgbClr val="3F3F3F"/>
                 </a:solidFill>
-                <a:latin typeface="微软雅黑" pitchFamily="34" charset="-122"/>
-                <a:ea typeface="微软雅黑" pitchFamily="34" charset="-122"/>
-                <a:sym typeface="微软雅黑" pitchFamily="34" charset="-122"/>
+                <a:latin typeface="微软雅黑" panose="020B0503020204020204" pitchFamily="34" charset="-122"/>
+                <a:ea typeface="微软雅黑" panose="020B0503020204020204" pitchFamily="34" charset="-122"/>
+                <a:sym typeface="微软雅黑" panose="020B0503020204020204" pitchFamily="34" charset="-122"/>
               </a:rPr>
               <a:t>运动类型</a:t>
             </a:r>
@@ -4013,9 +3919,9 @@
                 <a:solidFill>
                   <a:srgbClr val="3F3F3F"/>
                 </a:solidFill>
-                <a:latin typeface="微软雅黑" pitchFamily="34" charset="-122"/>
-                <a:ea typeface="微软雅黑" pitchFamily="34" charset="-122"/>
-                <a:sym typeface="微软雅黑" pitchFamily="34" charset="-122"/>
+                <a:latin typeface="微软雅黑" panose="020B0503020204020204" pitchFamily="34" charset="-122"/>
+                <a:ea typeface="微软雅黑" panose="020B0503020204020204" pitchFamily="34" charset="-122"/>
+                <a:sym typeface="微软雅黑" panose="020B0503020204020204" pitchFamily="34" charset="-122"/>
               </a:rPr>
               <a:t> </a:t>
             </a:r>
@@ -4023,9 +3929,9 @@
               <a:solidFill>
                 <a:srgbClr val="3F3F3F"/>
               </a:solidFill>
-              <a:latin typeface="微软雅黑" pitchFamily="34" charset="-122"/>
-              <a:ea typeface="微软雅黑" pitchFamily="34" charset="-122"/>
-              <a:sym typeface="微软雅黑" pitchFamily="34" charset="-122"/>
+              <a:latin typeface="微软雅黑" panose="020B0503020204020204" pitchFamily="34" charset="-122"/>
+              <a:ea typeface="微软雅黑" panose="020B0503020204020204" pitchFamily="34" charset="-122"/>
+              <a:sym typeface="微软雅黑" panose="020B0503020204020204" pitchFamily="34" charset="-122"/>
             </a:endParaRPr>
           </a:p>
           <a:p>
@@ -4033,7 +3939,7 @@
               <a:buClr>
                 <a:srgbClr val="FF0000"/>
               </a:buClr>
-              <a:buFont typeface="Arial" pitchFamily="34" charset="0"/>
+              <a:buFont typeface="Arial" panose="020B0604020202020204" pitchFamily="34" charset="0"/>
               <a:buChar char="•"/>
             </a:pPr>
             <a:r>
@@ -4041,9 +3947,9 @@
                 <a:solidFill>
                   <a:srgbClr val="3F3F3F"/>
                 </a:solidFill>
-                <a:latin typeface="微软雅黑" pitchFamily="34" charset="-122"/>
-                <a:ea typeface="微软雅黑" pitchFamily="34" charset="-122"/>
-                <a:sym typeface="微软雅黑" pitchFamily="34" charset="-122"/>
+                <a:latin typeface="微软雅黑" panose="020B0503020204020204" pitchFamily="34" charset="-122"/>
+                <a:ea typeface="微软雅黑" panose="020B0503020204020204" pitchFamily="34" charset="-122"/>
+                <a:sym typeface="微软雅黑" panose="020B0503020204020204" pitchFamily="34" charset="-122"/>
               </a:rPr>
               <a:t>ease</a:t>
             </a:r>
@@ -4052,9 +3958,9 @@
                 <a:solidFill>
                   <a:srgbClr val="3F3F3F"/>
                 </a:solidFill>
-                <a:latin typeface="微软雅黑" pitchFamily="34" charset="-122"/>
-                <a:ea typeface="微软雅黑" pitchFamily="34" charset="-122"/>
-                <a:sym typeface="微软雅黑" pitchFamily="34" charset="-122"/>
+                <a:latin typeface="微软雅黑" panose="020B0503020204020204" pitchFamily="34" charset="-122"/>
+                <a:ea typeface="微软雅黑" panose="020B0503020204020204" pitchFamily="34" charset="-122"/>
+                <a:sym typeface="微软雅黑" panose="020B0503020204020204" pitchFamily="34" charset="-122"/>
               </a:rPr>
               <a:t>：（逐渐变慢）默认值</a:t>
             </a:r>
@@ -4062,9 +3968,9 @@
               <a:solidFill>
                 <a:srgbClr val="3F3F3F"/>
               </a:solidFill>
-              <a:latin typeface="微软雅黑" pitchFamily="34" charset="-122"/>
-              <a:ea typeface="微软雅黑" pitchFamily="34" charset="-122"/>
-              <a:sym typeface="微软雅黑" pitchFamily="34" charset="-122"/>
+              <a:latin typeface="微软雅黑" panose="020B0503020204020204" pitchFamily="34" charset="-122"/>
+              <a:ea typeface="微软雅黑" panose="020B0503020204020204" pitchFamily="34" charset="-122"/>
+              <a:sym typeface="微软雅黑" panose="020B0503020204020204" pitchFamily="34" charset="-122"/>
             </a:endParaRPr>
           </a:p>
           <a:p>
@@ -4072,7 +3978,7 @@
               <a:buClr>
                 <a:srgbClr val="FF0000"/>
               </a:buClr>
-              <a:buFont typeface="Arial" pitchFamily="34" charset="0"/>
+              <a:buFont typeface="Arial" panose="020B0604020202020204" pitchFamily="34" charset="0"/>
               <a:buChar char="•"/>
             </a:pPr>
             <a:r>
@@ -4080,9 +3986,9 @@
                 <a:solidFill>
                   <a:srgbClr val="3F3F3F"/>
                 </a:solidFill>
-                <a:latin typeface="微软雅黑" pitchFamily="34" charset="-122"/>
-                <a:ea typeface="微软雅黑" pitchFamily="34" charset="-122"/>
-                <a:sym typeface="微软雅黑" pitchFamily="34" charset="-122"/>
+                <a:latin typeface="微软雅黑" panose="020B0503020204020204" pitchFamily="34" charset="-122"/>
+                <a:ea typeface="微软雅黑" panose="020B0503020204020204" pitchFamily="34" charset="-122"/>
+                <a:sym typeface="微软雅黑" panose="020B0503020204020204" pitchFamily="34" charset="-122"/>
               </a:rPr>
               <a:t>linear</a:t>
             </a:r>
@@ -4091,9 +3997,9 @@
                 <a:solidFill>
                   <a:srgbClr val="3F3F3F"/>
                 </a:solidFill>
-                <a:latin typeface="微软雅黑" pitchFamily="34" charset="-122"/>
-                <a:ea typeface="微软雅黑" pitchFamily="34" charset="-122"/>
-                <a:sym typeface="微软雅黑" pitchFamily="34" charset="-122"/>
+                <a:latin typeface="微软雅黑" panose="020B0503020204020204" pitchFamily="34" charset="-122"/>
+                <a:ea typeface="微软雅黑" panose="020B0503020204020204" pitchFamily="34" charset="-122"/>
+                <a:sym typeface="微软雅黑" panose="020B0503020204020204" pitchFamily="34" charset="-122"/>
               </a:rPr>
               <a:t>：（匀速）</a:t>
             </a:r>
@@ -4101,9 +4007,9 @@
               <a:solidFill>
                 <a:srgbClr val="3F3F3F"/>
               </a:solidFill>
-              <a:latin typeface="微软雅黑" pitchFamily="34" charset="-122"/>
-              <a:ea typeface="微软雅黑" pitchFamily="34" charset="-122"/>
-              <a:sym typeface="微软雅黑" pitchFamily="34" charset="-122"/>
+              <a:latin typeface="微软雅黑" panose="020B0503020204020204" pitchFamily="34" charset="-122"/>
+              <a:ea typeface="微软雅黑" panose="020B0503020204020204" pitchFamily="34" charset="-122"/>
+              <a:sym typeface="微软雅黑" panose="020B0503020204020204" pitchFamily="34" charset="-122"/>
             </a:endParaRPr>
           </a:p>
           <a:p>
@@ -4111,7 +4017,7 @@
               <a:buClr>
                 <a:srgbClr val="FF0000"/>
               </a:buClr>
-              <a:buFont typeface="Arial" pitchFamily="34" charset="0"/>
+              <a:buFont typeface="Arial" panose="020B0604020202020204" pitchFamily="34" charset="0"/>
               <a:buChar char="•"/>
             </a:pPr>
             <a:r>
@@ -4119,9 +4025,9 @@
                 <a:solidFill>
                   <a:srgbClr val="3F3F3F"/>
                 </a:solidFill>
-                <a:latin typeface="微软雅黑" pitchFamily="34" charset="-122"/>
-                <a:ea typeface="微软雅黑" pitchFamily="34" charset="-122"/>
-                <a:sym typeface="微软雅黑" pitchFamily="34" charset="-122"/>
+                <a:latin typeface="微软雅黑" panose="020B0503020204020204" pitchFamily="34" charset="-122"/>
+                <a:ea typeface="微软雅黑" panose="020B0503020204020204" pitchFamily="34" charset="-122"/>
+                <a:sym typeface="微软雅黑" panose="020B0503020204020204" pitchFamily="34" charset="-122"/>
               </a:rPr>
               <a:t>ease-in</a:t>
             </a:r>
@@ -4130,9 +4036,9 @@
                 <a:solidFill>
                   <a:srgbClr val="3F3F3F"/>
                 </a:solidFill>
-                <a:latin typeface="微软雅黑" pitchFamily="34" charset="-122"/>
-                <a:ea typeface="微软雅黑" pitchFamily="34" charset="-122"/>
-                <a:sym typeface="微软雅黑" pitchFamily="34" charset="-122"/>
+                <a:latin typeface="微软雅黑" panose="020B0503020204020204" pitchFamily="34" charset="-122"/>
+                <a:ea typeface="微软雅黑" panose="020B0503020204020204" pitchFamily="34" charset="-122"/>
+                <a:sym typeface="微软雅黑" panose="020B0503020204020204" pitchFamily="34" charset="-122"/>
               </a:rPr>
               <a:t>：</a:t>
             </a:r>
@@ -4141,9 +4047,9 @@
                 <a:solidFill>
                   <a:srgbClr val="3F3F3F"/>
                 </a:solidFill>
-                <a:latin typeface="微软雅黑" pitchFamily="34" charset="-122"/>
-                <a:ea typeface="微软雅黑" pitchFamily="34" charset="-122"/>
-                <a:sym typeface="微软雅黑" pitchFamily="34" charset="-122"/>
+                <a:latin typeface="微软雅黑" panose="020B0503020204020204" pitchFamily="34" charset="-122"/>
+                <a:ea typeface="微软雅黑" panose="020B0503020204020204" pitchFamily="34" charset="-122"/>
+                <a:sym typeface="微软雅黑" panose="020B0503020204020204" pitchFamily="34" charset="-122"/>
               </a:rPr>
               <a:t>(</a:t>
             </a:r>
@@ -4152,9 +4058,9 @@
                 <a:solidFill>
                   <a:srgbClr val="3F3F3F"/>
                 </a:solidFill>
-                <a:latin typeface="微软雅黑" pitchFamily="34" charset="-122"/>
-                <a:ea typeface="微软雅黑" pitchFamily="34" charset="-122"/>
-                <a:sym typeface="微软雅黑" pitchFamily="34" charset="-122"/>
+                <a:latin typeface="微软雅黑" panose="020B0503020204020204" pitchFamily="34" charset="-122"/>
+                <a:ea typeface="微软雅黑" panose="020B0503020204020204" pitchFamily="34" charset="-122"/>
+                <a:sym typeface="微软雅黑" panose="020B0503020204020204" pitchFamily="34" charset="-122"/>
               </a:rPr>
               <a:t>加速</a:t>
             </a:r>
@@ -4163,9 +4069,9 @@
                 <a:solidFill>
                   <a:srgbClr val="3F3F3F"/>
                 </a:solidFill>
-                <a:latin typeface="微软雅黑" pitchFamily="34" charset="-122"/>
-                <a:ea typeface="微软雅黑" pitchFamily="34" charset="-122"/>
-                <a:sym typeface="微软雅黑" pitchFamily="34" charset="-122"/>
+                <a:latin typeface="微软雅黑" panose="020B0503020204020204" pitchFamily="34" charset="-122"/>
+                <a:ea typeface="微软雅黑" panose="020B0503020204020204" pitchFamily="34" charset="-122"/>
+                <a:sym typeface="微软雅黑" panose="020B0503020204020204" pitchFamily="34" charset="-122"/>
               </a:rPr>
               <a:t>)</a:t>
             </a:r>
@@ -4173,9 +4079,9 @@
               <a:solidFill>
                 <a:srgbClr val="3F3F3F"/>
               </a:solidFill>
-              <a:latin typeface="微软雅黑" pitchFamily="34" charset="-122"/>
-              <a:ea typeface="微软雅黑" pitchFamily="34" charset="-122"/>
-              <a:sym typeface="微软雅黑" pitchFamily="34" charset="-122"/>
+              <a:latin typeface="微软雅黑" panose="020B0503020204020204" pitchFamily="34" charset="-122"/>
+              <a:ea typeface="微软雅黑" panose="020B0503020204020204" pitchFamily="34" charset="-122"/>
+              <a:sym typeface="微软雅黑" panose="020B0503020204020204" pitchFamily="34" charset="-122"/>
             </a:endParaRPr>
           </a:p>
           <a:p>
@@ -4183,7 +4089,7 @@
               <a:buClr>
                 <a:srgbClr val="FF0000"/>
               </a:buClr>
-              <a:buFont typeface="Arial" pitchFamily="34" charset="0"/>
+              <a:buFont typeface="Arial" panose="020B0604020202020204" pitchFamily="34" charset="0"/>
               <a:buChar char="•"/>
             </a:pPr>
             <a:r>
@@ -4191,9 +4097,9 @@
                 <a:solidFill>
                   <a:srgbClr val="3F3F3F"/>
                 </a:solidFill>
-                <a:latin typeface="微软雅黑" pitchFamily="34" charset="-122"/>
-                <a:ea typeface="微软雅黑" pitchFamily="34" charset="-122"/>
-                <a:sym typeface="微软雅黑" pitchFamily="34" charset="-122"/>
+                <a:latin typeface="微软雅黑" panose="020B0503020204020204" pitchFamily="34" charset="-122"/>
+                <a:ea typeface="微软雅黑" panose="020B0503020204020204" pitchFamily="34" charset="-122"/>
+                <a:sym typeface="微软雅黑" panose="020B0503020204020204" pitchFamily="34" charset="-122"/>
               </a:rPr>
               <a:t>ease-out</a:t>
             </a:r>
@@ -4202,9 +4108,9 @@
                 <a:solidFill>
                   <a:srgbClr val="3F3F3F"/>
                 </a:solidFill>
-                <a:latin typeface="微软雅黑" pitchFamily="34" charset="-122"/>
-                <a:ea typeface="微软雅黑" pitchFamily="34" charset="-122"/>
-                <a:sym typeface="微软雅黑" pitchFamily="34" charset="-122"/>
+                <a:latin typeface="微软雅黑" panose="020B0503020204020204" pitchFamily="34" charset="-122"/>
+                <a:ea typeface="微软雅黑" panose="020B0503020204020204" pitchFamily="34" charset="-122"/>
+                <a:sym typeface="微软雅黑" panose="020B0503020204020204" pitchFamily="34" charset="-122"/>
               </a:rPr>
               <a:t>：（减速）</a:t>
             </a:r>
@@ -4212,9 +4118,9 @@
               <a:solidFill>
                 <a:srgbClr val="3F3F3F"/>
               </a:solidFill>
-              <a:latin typeface="微软雅黑" pitchFamily="34" charset="-122"/>
-              <a:ea typeface="微软雅黑" pitchFamily="34" charset="-122"/>
-              <a:sym typeface="微软雅黑" pitchFamily="34" charset="-122"/>
+              <a:latin typeface="微软雅黑" panose="020B0503020204020204" pitchFamily="34" charset="-122"/>
+              <a:ea typeface="微软雅黑" panose="020B0503020204020204" pitchFamily="34" charset="-122"/>
+              <a:sym typeface="微软雅黑" panose="020B0503020204020204" pitchFamily="34" charset="-122"/>
             </a:endParaRPr>
           </a:p>
           <a:p>
@@ -4222,7 +4128,7 @@
               <a:buClr>
                 <a:srgbClr val="FF0000"/>
               </a:buClr>
-              <a:buFont typeface="Arial" pitchFamily="34" charset="0"/>
+              <a:buFont typeface="Arial" panose="020B0604020202020204" pitchFamily="34" charset="0"/>
               <a:buChar char="•"/>
             </a:pPr>
             <a:r>
@@ -4230,9 +4136,9 @@
                 <a:solidFill>
                   <a:srgbClr val="3F3F3F"/>
                 </a:solidFill>
-                <a:latin typeface="微软雅黑" pitchFamily="34" charset="-122"/>
-                <a:ea typeface="微软雅黑" pitchFamily="34" charset="-122"/>
-                <a:sym typeface="微软雅黑" pitchFamily="34" charset="-122"/>
+                <a:latin typeface="微软雅黑" panose="020B0503020204020204" pitchFamily="34" charset="-122"/>
+                <a:ea typeface="微软雅黑" panose="020B0503020204020204" pitchFamily="34" charset="-122"/>
+                <a:sym typeface="微软雅黑" panose="020B0503020204020204" pitchFamily="34" charset="-122"/>
               </a:rPr>
               <a:t>ease-in-out</a:t>
             </a:r>
@@ -4241,9 +4147,9 @@
                 <a:solidFill>
                   <a:srgbClr val="3F3F3F"/>
                 </a:solidFill>
-                <a:latin typeface="微软雅黑" pitchFamily="34" charset="-122"/>
-                <a:ea typeface="微软雅黑" pitchFamily="34" charset="-122"/>
-                <a:sym typeface="微软雅黑" pitchFamily="34" charset="-122"/>
+                <a:latin typeface="微软雅黑" panose="020B0503020204020204" pitchFamily="34" charset="-122"/>
+                <a:ea typeface="微软雅黑" panose="020B0503020204020204" pitchFamily="34" charset="-122"/>
+                <a:sym typeface="微软雅黑" panose="020B0503020204020204" pitchFamily="34" charset="-122"/>
               </a:rPr>
               <a:t>：（先加速后减速）</a:t>
             </a:r>
@@ -4251,9 +4157,9 @@
               <a:solidFill>
                 <a:srgbClr val="3F3F3F"/>
               </a:solidFill>
-              <a:latin typeface="微软雅黑" pitchFamily="34" charset="-122"/>
-              <a:ea typeface="微软雅黑" pitchFamily="34" charset="-122"/>
-              <a:sym typeface="微软雅黑" pitchFamily="34" charset="-122"/>
+              <a:latin typeface="微软雅黑" panose="020B0503020204020204" pitchFamily="34" charset="-122"/>
+              <a:ea typeface="微软雅黑" panose="020B0503020204020204" pitchFamily="34" charset="-122"/>
+              <a:sym typeface="微软雅黑" panose="020B0503020204020204" pitchFamily="34" charset="-122"/>
             </a:endParaRPr>
           </a:p>
           <a:p>
@@ -4261,7 +4167,7 @@
               <a:buClr>
                 <a:srgbClr val="FF0000"/>
               </a:buClr>
-              <a:buFont typeface="Arial" pitchFamily="34" charset="0"/>
+              <a:buFont typeface="Arial" panose="020B0604020202020204" pitchFamily="34" charset="0"/>
               <a:buChar char="•"/>
             </a:pPr>
             <a:r>
@@ -4269,9 +4175,9 @@
                 <a:solidFill>
                   <a:srgbClr val="3F3F3F"/>
                 </a:solidFill>
-                <a:latin typeface="微软雅黑" pitchFamily="34" charset="-122"/>
-                <a:ea typeface="微软雅黑" pitchFamily="34" charset="-122"/>
-                <a:sym typeface="微软雅黑" pitchFamily="34" charset="-122"/>
+                <a:latin typeface="微软雅黑" panose="020B0503020204020204" pitchFamily="34" charset="-122"/>
+                <a:ea typeface="微软雅黑" panose="020B0503020204020204" pitchFamily="34" charset="-122"/>
+                <a:sym typeface="微软雅黑" panose="020B0503020204020204" pitchFamily="34" charset="-122"/>
               </a:rPr>
               <a:t>cubic-</a:t>
             </a:r>
@@ -4280,9 +4186,9 @@
                 <a:solidFill>
                   <a:srgbClr val="3F3F3F"/>
                 </a:solidFill>
-                <a:latin typeface="微软雅黑" pitchFamily="34" charset="-122"/>
-                <a:ea typeface="微软雅黑" pitchFamily="34" charset="-122"/>
-                <a:sym typeface="微软雅黑" pitchFamily="34" charset="-122"/>
+                <a:latin typeface="微软雅黑" panose="020B0503020204020204" pitchFamily="34" charset="-122"/>
+                <a:ea typeface="微软雅黑" panose="020B0503020204020204" pitchFamily="34" charset="-122"/>
+                <a:sym typeface="微软雅黑" panose="020B0503020204020204" pitchFamily="34" charset="-122"/>
               </a:rPr>
               <a:t>bezier</a:t>
             </a:r>
@@ -4291,9 +4197,9 @@
                 <a:solidFill>
                   <a:srgbClr val="3F3F3F"/>
                 </a:solidFill>
-                <a:latin typeface="微软雅黑" pitchFamily="34" charset="-122"/>
-                <a:ea typeface="微软雅黑" pitchFamily="34" charset="-122"/>
-                <a:sym typeface="微软雅黑" pitchFamily="34" charset="-122"/>
+                <a:latin typeface="微软雅黑" panose="020B0503020204020204" pitchFamily="34" charset="-122"/>
+                <a:ea typeface="微软雅黑" panose="020B0503020204020204" pitchFamily="34" charset="-122"/>
+                <a:sym typeface="微软雅黑" panose="020B0503020204020204" pitchFamily="34" charset="-122"/>
               </a:rPr>
               <a:t> </a:t>
             </a:r>
@@ -4302,9 +4208,9 @@
                 <a:solidFill>
                   <a:srgbClr val="3F3F3F"/>
                 </a:solidFill>
-                <a:latin typeface="微软雅黑" pitchFamily="34" charset="-122"/>
-                <a:ea typeface="微软雅黑" pitchFamily="34" charset="-122"/>
-                <a:sym typeface="微软雅黑" pitchFamily="34" charset="-122"/>
+                <a:latin typeface="微软雅黑" panose="020B0503020204020204" pitchFamily="34" charset="-122"/>
+                <a:ea typeface="微软雅黑" panose="020B0503020204020204" pitchFamily="34" charset="-122"/>
+                <a:sym typeface="微软雅黑" panose="020B0503020204020204" pitchFamily="34" charset="-122"/>
               </a:rPr>
               <a:t>贝塞尔曲线（</a:t>
             </a:r>
@@ -4313,9 +4219,9 @@
                 <a:solidFill>
                   <a:srgbClr val="3F3F3F"/>
                 </a:solidFill>
-                <a:latin typeface="微软雅黑" pitchFamily="34" charset="-122"/>
-                <a:ea typeface="微软雅黑" pitchFamily="34" charset="-122"/>
-                <a:sym typeface="微软雅黑" pitchFamily="34" charset="-122"/>
+                <a:latin typeface="微软雅黑" panose="020B0503020204020204" pitchFamily="34" charset="-122"/>
+                <a:ea typeface="微软雅黑" panose="020B0503020204020204" pitchFamily="34" charset="-122"/>
+                <a:sym typeface="微软雅黑" panose="020B0503020204020204" pitchFamily="34" charset="-122"/>
               </a:rPr>
               <a:t> x1, y1, x2, y2 </a:t>
             </a:r>
@@ -4324,9 +4230,9 @@
                 <a:solidFill>
                   <a:srgbClr val="3F3F3F"/>
                 </a:solidFill>
-                <a:latin typeface="微软雅黑" pitchFamily="34" charset="-122"/>
-                <a:ea typeface="微软雅黑" pitchFamily="34" charset="-122"/>
-                <a:sym typeface="微软雅黑" pitchFamily="34" charset="-122"/>
+                <a:latin typeface="微软雅黑" panose="020B0503020204020204" pitchFamily="34" charset="-122"/>
+                <a:ea typeface="微软雅黑" panose="020B0503020204020204" pitchFamily="34" charset="-122"/>
+                <a:sym typeface="微软雅黑" panose="020B0503020204020204" pitchFamily="34" charset="-122"/>
               </a:rPr>
               <a:t>）</a:t>
             </a:r>
@@ -4334,9 +4240,9 @@
               <a:solidFill>
                 <a:srgbClr val="3F3F3F"/>
               </a:solidFill>
-              <a:latin typeface="微软雅黑" pitchFamily="34" charset="-122"/>
-              <a:ea typeface="微软雅黑" pitchFamily="34" charset="-122"/>
-              <a:sym typeface="微软雅黑" pitchFamily="34" charset="-122"/>
+              <a:latin typeface="微软雅黑" panose="020B0503020204020204" pitchFamily="34" charset="-122"/>
+              <a:ea typeface="微软雅黑" panose="020B0503020204020204" pitchFamily="34" charset="-122"/>
+              <a:sym typeface="微软雅黑" panose="020B0503020204020204" pitchFamily="34" charset="-122"/>
             </a:endParaRPr>
           </a:p>
           <a:p>
@@ -4344,12 +4250,12 @@
               <a:buClr>
                 <a:srgbClr val="FF0000"/>
               </a:buClr>
-              <a:buFont typeface="Arial" pitchFamily="34" charset="0"/>
+              <a:buFont typeface="Arial" panose="020B0604020202020204" pitchFamily="34" charset="0"/>
               <a:buChar char="•"/>
             </a:pPr>
             <a:r>
               <a:rPr lang="en-US" altLang="zh-CN" sz="2200" dirty="0" smtClean="0">
-                <a:hlinkClick r:id="rId2"/>
+                <a:hlinkClick r:id="rId1"/>
               </a:rPr>
               <a:t> </a:t>
             </a:r>
@@ -4369,60 +4275,30 @@
               <a:solidFill>
                 <a:srgbClr val="3F3F3F"/>
               </a:solidFill>
-              <a:latin typeface="微软雅黑" pitchFamily="34" charset="-122"/>
-              <a:ea typeface="微软雅黑" pitchFamily="34" charset="-122"/>
-              <a:sym typeface="微软雅黑" pitchFamily="34" charset="-122"/>
+              <a:latin typeface="微软雅黑" panose="020B0503020204020204" pitchFamily="34" charset="-122"/>
+              <a:ea typeface="微软雅黑" panose="020B0503020204020204" pitchFamily="34" charset="-122"/>
+              <a:sym typeface="微软雅黑" panose="020B0503020204020204" pitchFamily="34" charset="-122"/>
             </a:endParaRPr>
           </a:p>
           <a:p>
             <a:pPr>
-              <a:buFont typeface="Arial" pitchFamily="34" charset="0"/>
+              <a:buFont typeface="Arial" panose="020B0604020202020204" pitchFamily="34" charset="0"/>
               <a:buChar char="•"/>
             </a:pPr>
             <a:endParaRPr lang="en-US" altLang="zh-CN" sz="2000" dirty="0" smtClean="0">
-              <a:latin typeface="微软雅黑" pitchFamily="34" charset="-122"/>
-              <a:ea typeface="微软雅黑" pitchFamily="34" charset="-122"/>
+              <a:latin typeface="微软雅黑" panose="020B0503020204020204" pitchFamily="34" charset="-122"/>
+              <a:ea typeface="微软雅黑" panose="020B0503020204020204" pitchFamily="34" charset="-122"/>
             </a:endParaRPr>
           </a:p>
         </p:txBody>
       </p:sp>
-      <p:pic>
-        <p:nvPicPr>
-          <p:cNvPr id="4" name="图片 3" descr="logo-new.png"/>
-          <p:cNvPicPr>
-            <a:picLocks noChangeAspect="1"/>
-          </p:cNvPicPr>
-          <p:nvPr/>
-        </p:nvPicPr>
-        <p:blipFill>
-          <a:blip r:embed="rId3">
-            <a:extLst>
-              <a:ext uri="{28A0092B-C50C-407E-A947-70E740481C1C}">
-                <a14:useLocalDpi xmlns:a14="http://schemas.microsoft.com/office/drawing/2010/main" xmlns="" val="0"/>
-              </a:ext>
-            </a:extLst>
-          </a:blip>
-          <a:stretch>
-            <a:fillRect/>
-          </a:stretch>
-        </p:blipFill>
-        <p:spPr>
-          <a:xfrm>
-            <a:off x="6964725" y="5781425"/>
-            <a:ext cx="1743000" cy="900000"/>
-          </a:xfrm>
-          <a:prstGeom prst="rect">
-            <a:avLst/>
-          </a:prstGeom>
-        </p:spPr>
-      </p:pic>
     </p:spTree>
   </p:cSld>
   <p:clrMapOvr>
     <a:masterClrMapping/>
   </p:clrMapOvr>
   <mc:AlternateContent xmlns:mc="http://schemas.openxmlformats.org/markup-compatibility/2006">
-    <mc:Choice xmlns:p14="http://schemas.microsoft.com/office/powerpoint/2010/main" xmlns="" Requires="p14">
+    <mc:Choice xmlns:p14="http://schemas.microsoft.com/office/powerpoint/2010/main" Requires="p14">
       <p:transition spd="med" p14:dur="700">
         <p:fade/>
       </p:transition>
@@ -4482,9 +4358,9 @@
                 <a:solidFill>
                   <a:srgbClr val="F50A64"/>
                 </a:solidFill>
-                <a:latin typeface="微软雅黑" pitchFamily="34" charset="-122"/>
-                <a:ea typeface="微软雅黑" pitchFamily="34" charset="-122"/>
-                <a:sym typeface="微软雅黑" pitchFamily="34" charset="-122"/>
+                <a:latin typeface="微软雅黑" panose="020B0503020204020204" pitchFamily="34" charset="-122"/>
+                <a:ea typeface="微软雅黑" panose="020B0503020204020204" pitchFamily="34" charset="-122"/>
+                <a:sym typeface="微软雅黑" panose="020B0503020204020204" pitchFamily="34" charset="-122"/>
               </a:rPr>
               <a:t>Transition</a:t>
             </a:r>
@@ -4493,9 +4369,9 @@
                 <a:solidFill>
                   <a:srgbClr val="F50A64"/>
                 </a:solidFill>
-                <a:latin typeface="微软雅黑" pitchFamily="34" charset="-122"/>
-                <a:ea typeface="微软雅黑" pitchFamily="34" charset="-122"/>
-                <a:sym typeface="微软雅黑" pitchFamily="34" charset="-122"/>
+                <a:latin typeface="微软雅黑" panose="020B0503020204020204" pitchFamily="34" charset="-122"/>
+                <a:ea typeface="微软雅黑" panose="020B0503020204020204" pitchFamily="34" charset="-122"/>
+                <a:sym typeface="微软雅黑" panose="020B0503020204020204" pitchFamily="34" charset="-122"/>
               </a:rPr>
               <a:t>过渡</a:t>
             </a:r>
@@ -4535,9 +4411,9 @@
                 <a:solidFill>
                   <a:srgbClr val="3F3F3F"/>
                 </a:solidFill>
-                <a:latin typeface="微软雅黑" pitchFamily="34" charset="-122"/>
-                <a:ea typeface="微软雅黑" pitchFamily="34" charset="-122"/>
-                <a:sym typeface="微软雅黑" pitchFamily="34" charset="-122"/>
+                <a:latin typeface="微软雅黑" panose="020B0503020204020204" pitchFamily="34" charset="-122"/>
+                <a:ea typeface="微软雅黑" panose="020B0503020204020204" pitchFamily="34" charset="-122"/>
+                <a:sym typeface="微软雅黑" panose="020B0503020204020204" pitchFamily="34" charset="-122"/>
               </a:rPr>
               <a:t>webkit</a:t>
             </a:r>
@@ -4546,9 +4422,9 @@
                 <a:solidFill>
                   <a:srgbClr val="3F3F3F"/>
                 </a:solidFill>
-                <a:latin typeface="微软雅黑" pitchFamily="34" charset="-122"/>
-                <a:ea typeface="微软雅黑" pitchFamily="34" charset="-122"/>
-                <a:sym typeface="微软雅黑" pitchFamily="34" charset="-122"/>
+                <a:latin typeface="微软雅黑" panose="020B0503020204020204" pitchFamily="34" charset="-122"/>
+                <a:ea typeface="微软雅黑" panose="020B0503020204020204" pitchFamily="34" charset="-122"/>
+                <a:sym typeface="微软雅黑" panose="020B0503020204020204" pitchFamily="34" charset="-122"/>
               </a:rPr>
               <a:t>内核下：</a:t>
             </a:r>
@@ -4557,9 +4433,9 @@
                 <a:solidFill>
                   <a:srgbClr val="3F3F3F"/>
                 </a:solidFill>
-                <a:latin typeface="微软雅黑" pitchFamily="34" charset="-122"/>
-                <a:ea typeface="微软雅黑" pitchFamily="34" charset="-122"/>
-                <a:sym typeface="微软雅黑" pitchFamily="34" charset="-122"/>
+                <a:latin typeface="微软雅黑" panose="020B0503020204020204" pitchFamily="34" charset="-122"/>
+                <a:ea typeface="微软雅黑" panose="020B0503020204020204" pitchFamily="34" charset="-122"/>
+                <a:sym typeface="微软雅黑" panose="020B0503020204020204" pitchFamily="34" charset="-122"/>
               </a:rPr>
               <a:t> ele.addEventListener('</a:t>
             </a:r>
@@ -4568,9 +4444,9 @@
                 <a:solidFill>
                   <a:srgbClr val="3F3F3F"/>
                 </a:solidFill>
-                <a:latin typeface="微软雅黑" pitchFamily="34" charset="-122"/>
-                <a:ea typeface="微软雅黑" pitchFamily="34" charset="-122"/>
-                <a:sym typeface="微软雅黑" pitchFamily="34" charset="-122"/>
+                <a:latin typeface="微软雅黑" panose="020B0503020204020204" pitchFamily="34" charset="-122"/>
+                <a:ea typeface="微软雅黑" panose="020B0503020204020204" pitchFamily="34" charset="-122"/>
+                <a:sym typeface="微软雅黑" panose="020B0503020204020204" pitchFamily="34" charset="-122"/>
               </a:rPr>
               <a:t>webkitTransitionEnd',function</a:t>
             </a:r>
@@ -4579,12 +4455,20 @@
                 <a:solidFill>
                   <a:srgbClr val="3F3F3F"/>
                 </a:solidFill>
-                <a:latin typeface="微软雅黑" pitchFamily="34" charset="-122"/>
-                <a:ea typeface="微软雅黑" pitchFamily="34" charset="-122"/>
-                <a:sym typeface="微软雅黑" pitchFamily="34" charset="-122"/>
+                <a:latin typeface="微软雅黑" panose="020B0503020204020204" pitchFamily="34" charset="-122"/>
+                <a:ea typeface="微软雅黑" panose="020B0503020204020204" pitchFamily="34" charset="-122"/>
+                <a:sym typeface="微软雅黑" panose="020B0503020204020204" pitchFamily="34" charset="-122"/>
               </a:rPr>
               <a:t>(){},false);</a:t>
             </a:r>
+            <a:endParaRPr lang="en-US" altLang="zh-CN" dirty="0" smtClean="0">
+              <a:solidFill>
+                <a:srgbClr val="3F3F3F"/>
+              </a:solidFill>
+              <a:latin typeface="微软雅黑" panose="020B0503020204020204" pitchFamily="34" charset="-122"/>
+              <a:ea typeface="微软雅黑" panose="020B0503020204020204" pitchFamily="34" charset="-122"/>
+              <a:sym typeface="微软雅黑" panose="020B0503020204020204" pitchFamily="34" charset="-122"/>
+            </a:endParaRPr>
           </a:p>
           <a:p>
             <a:pPr marL="342900" lvl="2" indent="-342900">
@@ -4597,9 +4481,9 @@
                 <a:solidFill>
                   <a:srgbClr val="3F3F3F"/>
                 </a:solidFill>
-                <a:latin typeface="微软雅黑" pitchFamily="34" charset="-122"/>
-                <a:ea typeface="微软雅黑" pitchFamily="34" charset="-122"/>
-                <a:sym typeface="微软雅黑" pitchFamily="34" charset="-122"/>
+                <a:latin typeface="微软雅黑" panose="020B0503020204020204" pitchFamily="34" charset="-122"/>
+                <a:ea typeface="微软雅黑" panose="020B0503020204020204" pitchFamily="34" charset="-122"/>
+                <a:sym typeface="微软雅黑" panose="020B0503020204020204" pitchFamily="34" charset="-122"/>
               </a:rPr>
               <a:t>标准浏览器下</a:t>
             </a:r>
@@ -4608,12 +4492,20 @@
                 <a:solidFill>
                   <a:srgbClr val="3F3F3F"/>
                 </a:solidFill>
-                <a:latin typeface="微软雅黑" pitchFamily="34" charset="-122"/>
-                <a:ea typeface="微软雅黑" pitchFamily="34" charset="-122"/>
-                <a:sym typeface="微软雅黑" pitchFamily="34" charset="-122"/>
+                <a:latin typeface="微软雅黑" panose="020B0503020204020204" pitchFamily="34" charset="-122"/>
+                <a:ea typeface="微软雅黑" panose="020B0503020204020204" pitchFamily="34" charset="-122"/>
+                <a:sym typeface="微软雅黑" panose="020B0503020204020204" pitchFamily="34" charset="-122"/>
               </a:rPr>
               <a:t>:</a:t>
             </a:r>
+            <a:endParaRPr lang="en-US" altLang="zh-CN" dirty="0" smtClean="0">
+              <a:solidFill>
+                <a:srgbClr val="3F3F3F"/>
+              </a:solidFill>
+              <a:latin typeface="微软雅黑" panose="020B0503020204020204" pitchFamily="34" charset="-122"/>
+              <a:ea typeface="微软雅黑" panose="020B0503020204020204" pitchFamily="34" charset="-122"/>
+              <a:sym typeface="微软雅黑" panose="020B0503020204020204" pitchFamily="34" charset="-122"/>
+            </a:endParaRPr>
           </a:p>
           <a:p>
             <a:pPr marL="342900" lvl="2" indent="-342900">
@@ -4627,19 +4519,27 @@
                 <a:solidFill>
                   <a:srgbClr val="3F3F3F"/>
                 </a:solidFill>
-                <a:latin typeface="微软雅黑" pitchFamily="34" charset="-122"/>
-                <a:ea typeface="微软雅黑" pitchFamily="34" charset="-122"/>
-                <a:sym typeface="微软雅黑" pitchFamily="34" charset="-122"/>
+                <a:latin typeface="微软雅黑" panose="020B0503020204020204" pitchFamily="34" charset="-122"/>
+                <a:ea typeface="微软雅黑" panose="020B0503020204020204" pitchFamily="34" charset="-122"/>
+                <a:sym typeface="微软雅黑" panose="020B0503020204020204" pitchFamily="34" charset="-122"/>
               </a:rPr>
               <a:t>	ele.addEventListener(‘transitionend',function(){},false)</a:t>
             </a:r>
+            <a:endParaRPr lang="en-US" altLang="zh-CN" dirty="0" smtClean="0">
+              <a:solidFill>
+                <a:srgbClr val="3F3F3F"/>
+              </a:solidFill>
+              <a:latin typeface="微软雅黑" panose="020B0503020204020204" pitchFamily="34" charset="-122"/>
+              <a:ea typeface="微软雅黑" panose="020B0503020204020204" pitchFamily="34" charset="-122"/>
+              <a:sym typeface="微软雅黑" panose="020B0503020204020204" pitchFamily="34" charset="-122"/>
+            </a:endParaRPr>
           </a:p>
           <a:p>
             <a:pPr marL="342900" lvl="2" indent="-342900">
               <a:lnSpc>
                 <a:spcPct val="150000"/>
               </a:lnSpc>
-              <a:buFont typeface="Arial" pitchFamily="34" charset="0"/>
+              <a:buFont typeface="Arial" panose="020B0604020202020204" pitchFamily="34" charset="0"/>
               <a:buChar char="•"/>
             </a:pPr>
             <a:r>
@@ -4647,9 +4547,9 @@
                 <a:solidFill>
                   <a:srgbClr val="3F3F3F"/>
                 </a:solidFill>
-                <a:latin typeface="微软雅黑" pitchFamily="34" charset="-122"/>
-                <a:ea typeface="微软雅黑" pitchFamily="34" charset="-122"/>
-                <a:sym typeface="微软雅黑" pitchFamily="34" charset="-122"/>
+                <a:latin typeface="微软雅黑" panose="020B0503020204020204" pitchFamily="34" charset="-122"/>
+                <a:ea typeface="微软雅黑" panose="020B0503020204020204" pitchFamily="34" charset="-122"/>
+                <a:sym typeface="微软雅黑" panose="020B0503020204020204" pitchFamily="34" charset="-122"/>
               </a:rPr>
               <a:t>transition </a:t>
             </a:r>
@@ -4658,9 +4558,9 @@
                 <a:solidFill>
                   <a:srgbClr val="3F3F3F"/>
                 </a:solidFill>
-                <a:latin typeface="微软雅黑" pitchFamily="34" charset="-122"/>
-                <a:ea typeface="微软雅黑" pitchFamily="34" charset="-122"/>
-                <a:sym typeface="微软雅黑" pitchFamily="34" charset="-122"/>
+                <a:latin typeface="微软雅黑" panose="020B0503020204020204" pitchFamily="34" charset="-122"/>
+                <a:ea typeface="微软雅黑" panose="020B0503020204020204" pitchFamily="34" charset="-122"/>
+                <a:sym typeface="微软雅黑" panose="020B0503020204020204" pitchFamily="34" charset="-122"/>
               </a:rPr>
               <a:t>执行次数问题</a:t>
             </a:r>
@@ -4668,9 +4568,9 @@
               <a:solidFill>
                 <a:srgbClr val="3F3F3F"/>
               </a:solidFill>
-              <a:latin typeface="微软雅黑" pitchFamily="34" charset="-122"/>
-              <a:ea typeface="微软雅黑" pitchFamily="34" charset="-122"/>
-              <a:sym typeface="微软雅黑" pitchFamily="34" charset="-122"/>
+              <a:latin typeface="微软雅黑" panose="020B0503020204020204" pitchFamily="34" charset="-122"/>
+              <a:ea typeface="微软雅黑" panose="020B0503020204020204" pitchFamily="34" charset="-122"/>
+              <a:sym typeface="微软雅黑" panose="020B0503020204020204" pitchFamily="34" charset="-122"/>
             </a:endParaRPr>
           </a:p>
           <a:p>
@@ -4684,9 +4584,9 @@
                 <a:solidFill>
                   <a:srgbClr val="3F3F3F"/>
                 </a:solidFill>
-                <a:latin typeface="微软雅黑" pitchFamily="34" charset="-122"/>
-                <a:ea typeface="微软雅黑" pitchFamily="34" charset="-122"/>
-                <a:sym typeface="微软雅黑" pitchFamily="34" charset="-122"/>
+                <a:latin typeface="微软雅黑" panose="020B0503020204020204" pitchFamily="34" charset="-122"/>
+                <a:ea typeface="微软雅黑" panose="020B0503020204020204" pitchFamily="34" charset="-122"/>
+                <a:sym typeface="微软雅黑" panose="020B0503020204020204" pitchFamily="34" charset="-122"/>
               </a:rPr>
               <a:t>实例演示</a:t>
             </a:r>
@@ -4694,9 +4594,9 @@
               <a:solidFill>
                 <a:srgbClr val="3F3F3F"/>
               </a:solidFill>
-              <a:latin typeface="微软雅黑" pitchFamily="34" charset="-122"/>
-              <a:ea typeface="微软雅黑" pitchFamily="34" charset="-122"/>
-              <a:sym typeface="微软雅黑" pitchFamily="34" charset="-122"/>
+              <a:latin typeface="微软雅黑" panose="020B0503020204020204" pitchFamily="34" charset="-122"/>
+              <a:ea typeface="微软雅黑" panose="020B0503020204020204" pitchFamily="34" charset="-122"/>
+              <a:sym typeface="微软雅黑" panose="020B0503020204020204" pitchFamily="34" charset="-122"/>
             </a:endParaRPr>
           </a:p>
           <a:p>
@@ -4707,9 +4607,9 @@
               <a:solidFill>
                 <a:srgbClr val="3F3F3F"/>
               </a:solidFill>
-              <a:latin typeface="微软雅黑" pitchFamily="34" charset="-122"/>
-              <a:ea typeface="微软雅黑" pitchFamily="34" charset="-122"/>
-              <a:sym typeface="微软雅黑" pitchFamily="34" charset="-122"/>
+              <a:latin typeface="微软雅黑" panose="020B0503020204020204" pitchFamily="34" charset="-122"/>
+              <a:ea typeface="微软雅黑" panose="020B0503020204020204" pitchFamily="34" charset="-122"/>
+              <a:sym typeface="微软雅黑" panose="020B0503020204020204" pitchFamily="34" charset="-122"/>
             </a:endParaRPr>
           </a:p>
           <a:p>
@@ -4718,9 +4618,9 @@
               <a:solidFill>
                 <a:srgbClr val="3F3F3F"/>
               </a:solidFill>
-              <a:latin typeface="微软雅黑" pitchFamily="34" charset="-122"/>
-              <a:ea typeface="微软雅黑" pitchFamily="34" charset="-122"/>
-              <a:sym typeface="微软雅黑" pitchFamily="34" charset="-122"/>
+              <a:latin typeface="微软雅黑" panose="020B0503020204020204" pitchFamily="34" charset="-122"/>
+              <a:ea typeface="微软雅黑" panose="020B0503020204020204" pitchFamily="34" charset="-122"/>
+              <a:sym typeface="微软雅黑" panose="020B0503020204020204" pitchFamily="34" charset="-122"/>
             </a:endParaRPr>
           </a:p>
           <a:p>
@@ -4728,43 +4628,13 @@
           </a:p>
         </p:txBody>
       </p:sp>
-      <p:pic>
-        <p:nvPicPr>
-          <p:cNvPr id="4" name="图片 3" descr="logo-new.png"/>
-          <p:cNvPicPr>
-            <a:picLocks noChangeAspect="1"/>
-          </p:cNvPicPr>
-          <p:nvPr/>
-        </p:nvPicPr>
-        <p:blipFill>
-          <a:blip r:embed="rId2">
-            <a:extLst>
-              <a:ext uri="{28A0092B-C50C-407E-A947-70E740481C1C}">
-                <a14:useLocalDpi xmlns:a14="http://schemas.microsoft.com/office/drawing/2010/main" xmlns="" val="0"/>
-              </a:ext>
-            </a:extLst>
-          </a:blip>
-          <a:stretch>
-            <a:fillRect/>
-          </a:stretch>
-        </p:blipFill>
-        <p:spPr>
-          <a:xfrm>
-            <a:off x="6964725" y="5781425"/>
-            <a:ext cx="1743000" cy="900000"/>
-          </a:xfrm>
-          <a:prstGeom prst="rect">
-            <a:avLst/>
-          </a:prstGeom>
-        </p:spPr>
-      </p:pic>
     </p:spTree>
   </p:cSld>
   <p:clrMapOvr>
     <a:masterClrMapping/>
   </p:clrMapOvr>
   <mc:AlternateContent xmlns:mc="http://schemas.openxmlformats.org/markup-compatibility/2006">
-    <mc:Choice xmlns:p14="http://schemas.microsoft.com/office/powerpoint/2010/main" xmlns="" Requires="p14">
+    <mc:Choice xmlns:p14="http://schemas.microsoft.com/office/powerpoint/2010/main" Requires="p14">
       <p:transition spd="med" p14:dur="700">
         <p:fade/>
       </p:transition>
@@ -4869,7 +4739,7 @@
               <a:lnSpc>
                 <a:spcPct val="90000"/>
               </a:lnSpc>
-              <a:buFont typeface="Arial" pitchFamily="34" charset="0"/>
+              <a:buFont typeface="Arial" panose="020B0604020202020204" pitchFamily="34" charset="0"/>
               <a:buChar char="•"/>
             </a:pPr>
             <a:r>
@@ -4877,9 +4747,9 @@
                 <a:solidFill>
                   <a:srgbClr val="FF0000"/>
                 </a:solidFill>
-                <a:latin typeface="微软雅黑" pitchFamily="34" charset="-122"/>
-                <a:ea typeface="微软雅黑" pitchFamily="34" charset="-122"/>
-                <a:sym typeface="微软雅黑" pitchFamily="34" charset="-122"/>
+                <a:latin typeface="微软雅黑" panose="020B0503020204020204" pitchFamily="34" charset="-122"/>
+                <a:ea typeface="微软雅黑" panose="020B0503020204020204" pitchFamily="34" charset="-122"/>
+                <a:sym typeface="微软雅黑" panose="020B0503020204020204" pitchFamily="34" charset="-122"/>
               </a:rPr>
               <a:t> transform</a:t>
             </a:r>
@@ -4887,9 +4757,9 @@
               <a:solidFill>
                 <a:srgbClr val="FF0000"/>
               </a:solidFill>
-              <a:latin typeface="微软雅黑" pitchFamily="34" charset="-122"/>
-              <a:ea typeface="微软雅黑" pitchFamily="34" charset="-122"/>
-              <a:sym typeface="微软雅黑" pitchFamily="34" charset="-122"/>
+              <a:latin typeface="微软雅黑" panose="020B0503020204020204" pitchFamily="34" charset="-122"/>
+              <a:ea typeface="微软雅黑" panose="020B0503020204020204" pitchFamily="34" charset="-122"/>
+              <a:sym typeface="微软雅黑" panose="020B0503020204020204" pitchFamily="34" charset="-122"/>
             </a:endParaRPr>
           </a:p>
           <a:p>
@@ -4903,9 +4773,9 @@
                 <a:solidFill>
                   <a:srgbClr val="3F3F3F"/>
                 </a:solidFill>
-                <a:latin typeface="微软雅黑" pitchFamily="34" charset="-122"/>
-                <a:ea typeface="微软雅黑" pitchFamily="34" charset="-122"/>
-                <a:sym typeface="微软雅黑" pitchFamily="34" charset="-122"/>
+                <a:latin typeface="微软雅黑" panose="020B0503020204020204" pitchFamily="34" charset="-122"/>
+                <a:ea typeface="微软雅黑" panose="020B0503020204020204" pitchFamily="34" charset="-122"/>
+                <a:sym typeface="微软雅黑" panose="020B0503020204020204" pitchFamily="34" charset="-122"/>
               </a:rPr>
               <a:t>rotate()  </a:t>
             </a:r>
@@ -4914,9 +4784,9 @@
                 <a:solidFill>
                   <a:srgbClr val="3F3F3F"/>
                 </a:solidFill>
-                <a:latin typeface="微软雅黑" pitchFamily="34" charset="-122"/>
-                <a:ea typeface="微软雅黑" pitchFamily="34" charset="-122"/>
-                <a:sym typeface="微软雅黑" pitchFamily="34" charset="-122"/>
+                <a:latin typeface="微软雅黑" panose="020B0503020204020204" pitchFamily="34" charset="-122"/>
+                <a:ea typeface="微软雅黑" panose="020B0503020204020204" pitchFamily="34" charset="-122"/>
+                <a:sym typeface="微软雅黑" panose="020B0503020204020204" pitchFamily="34" charset="-122"/>
               </a:rPr>
               <a:t>旋转函数</a:t>
             </a:r>
@@ -4924,9 +4794,9 @@
               <a:solidFill>
                 <a:srgbClr val="3F3F3F"/>
               </a:solidFill>
-              <a:latin typeface="微软雅黑" pitchFamily="34" charset="-122"/>
-              <a:ea typeface="微软雅黑" pitchFamily="34" charset="-122"/>
-              <a:sym typeface="微软雅黑" pitchFamily="34" charset="-122"/>
+              <a:latin typeface="微软雅黑" panose="020B0503020204020204" pitchFamily="34" charset="-122"/>
+              <a:ea typeface="微软雅黑" panose="020B0503020204020204" pitchFamily="34" charset="-122"/>
+              <a:sym typeface="微软雅黑" panose="020B0503020204020204" pitchFamily="34" charset="-122"/>
             </a:endParaRPr>
           </a:p>
           <a:p>
@@ -4940,9 +4810,9 @@
                 <a:solidFill>
                   <a:srgbClr val="3F3F3F"/>
                 </a:solidFill>
-                <a:latin typeface="微软雅黑" pitchFamily="34" charset="-122"/>
-                <a:ea typeface="微软雅黑" pitchFamily="34" charset="-122"/>
-                <a:sym typeface="微软雅黑" pitchFamily="34" charset="-122"/>
+                <a:latin typeface="微软雅黑" panose="020B0503020204020204" pitchFamily="34" charset="-122"/>
+                <a:ea typeface="微软雅黑" panose="020B0503020204020204" pitchFamily="34" charset="-122"/>
+                <a:sym typeface="微软雅黑" panose="020B0503020204020204" pitchFamily="34" charset="-122"/>
               </a:rPr>
               <a:t>deg  </a:t>
             </a:r>
@@ -4951,9 +4821,9 @@
                 <a:solidFill>
                   <a:srgbClr val="3F3F3F"/>
                 </a:solidFill>
-                <a:latin typeface="微软雅黑" pitchFamily="34" charset="-122"/>
-                <a:ea typeface="微软雅黑" pitchFamily="34" charset="-122"/>
-                <a:sym typeface="微软雅黑" pitchFamily="34" charset="-122"/>
+                <a:latin typeface="微软雅黑" panose="020B0503020204020204" pitchFamily="34" charset="-122"/>
+                <a:ea typeface="微软雅黑" panose="020B0503020204020204" pitchFamily="34" charset="-122"/>
+                <a:sym typeface="微软雅黑" panose="020B0503020204020204" pitchFamily="34" charset="-122"/>
               </a:rPr>
               <a:t>度数</a:t>
             </a:r>
@@ -4961,9 +4831,9 @@
               <a:solidFill>
                 <a:srgbClr val="3F3F3F"/>
               </a:solidFill>
-              <a:latin typeface="微软雅黑" pitchFamily="34" charset="-122"/>
-              <a:ea typeface="微软雅黑" pitchFamily="34" charset="-122"/>
-              <a:sym typeface="微软雅黑" pitchFamily="34" charset="-122"/>
+              <a:latin typeface="微软雅黑" panose="020B0503020204020204" pitchFamily="34" charset="-122"/>
+              <a:ea typeface="微软雅黑" panose="020B0503020204020204" pitchFamily="34" charset="-122"/>
+              <a:sym typeface="微软雅黑" panose="020B0503020204020204" pitchFamily="34" charset="-122"/>
             </a:endParaRPr>
           </a:p>
           <a:p>
@@ -4977,9 +4847,9 @@
                 <a:solidFill>
                   <a:srgbClr val="3F3F3F"/>
                 </a:solidFill>
-                <a:latin typeface="微软雅黑" pitchFamily="34" charset="-122"/>
-                <a:ea typeface="微软雅黑" pitchFamily="34" charset="-122"/>
-                <a:sym typeface="微软雅黑" pitchFamily="34" charset="-122"/>
+                <a:latin typeface="微软雅黑" panose="020B0503020204020204" pitchFamily="34" charset="-122"/>
+                <a:ea typeface="微软雅黑" panose="020B0503020204020204" pitchFamily="34" charset="-122"/>
+                <a:sym typeface="微软雅黑" panose="020B0503020204020204" pitchFamily="34" charset="-122"/>
               </a:rPr>
               <a:t>Transform-origin </a:t>
             </a:r>
@@ -4988,9 +4858,9 @@
                 <a:solidFill>
                   <a:srgbClr val="3F3F3F"/>
                 </a:solidFill>
-                <a:latin typeface="微软雅黑" pitchFamily="34" charset="-122"/>
-                <a:ea typeface="微软雅黑" pitchFamily="34" charset="-122"/>
-                <a:sym typeface="微软雅黑" pitchFamily="34" charset="-122"/>
+                <a:latin typeface="微软雅黑" panose="020B0503020204020204" pitchFamily="34" charset="-122"/>
+                <a:ea typeface="微软雅黑" panose="020B0503020204020204" pitchFamily="34" charset="-122"/>
+                <a:sym typeface="微软雅黑" panose="020B0503020204020204" pitchFamily="34" charset="-122"/>
               </a:rPr>
               <a:t>旋转的基点</a:t>
             </a:r>
@@ -4998,9 +4868,9 @@
               <a:solidFill>
                 <a:srgbClr val="3F3F3F"/>
               </a:solidFill>
-              <a:latin typeface="微软雅黑" pitchFamily="34" charset="-122"/>
-              <a:ea typeface="微软雅黑" pitchFamily="34" charset="-122"/>
-              <a:sym typeface="微软雅黑" pitchFamily="34" charset="-122"/>
+              <a:latin typeface="微软雅黑" panose="020B0503020204020204" pitchFamily="34" charset="-122"/>
+              <a:ea typeface="微软雅黑" panose="020B0503020204020204" pitchFamily="34" charset="-122"/>
+              <a:sym typeface="微软雅黑" panose="020B0503020204020204" pitchFamily="34" charset="-122"/>
             </a:endParaRPr>
           </a:p>
           <a:p>
@@ -5014,9 +4884,9 @@
                 <a:solidFill>
                   <a:srgbClr val="3F3F3F"/>
                 </a:solidFill>
-                <a:latin typeface="微软雅黑" pitchFamily="34" charset="-122"/>
-                <a:ea typeface="微软雅黑" pitchFamily="34" charset="-122"/>
-                <a:sym typeface="微软雅黑" pitchFamily="34" charset="-122"/>
+                <a:latin typeface="微软雅黑" panose="020B0503020204020204" pitchFamily="34" charset="-122"/>
+                <a:ea typeface="微软雅黑" panose="020B0503020204020204" pitchFamily="34" charset="-122"/>
+                <a:sym typeface="微软雅黑" panose="020B0503020204020204" pitchFamily="34" charset="-122"/>
               </a:rPr>
               <a:t>skew() </a:t>
             </a:r>
@@ -5025,12 +4895,20 @@
                 <a:solidFill>
                   <a:srgbClr val="3F3F3F"/>
                 </a:solidFill>
-                <a:latin typeface="微软雅黑" pitchFamily="34" charset="-122"/>
-                <a:ea typeface="微软雅黑" pitchFamily="34" charset="-122"/>
-                <a:sym typeface="微软雅黑" pitchFamily="34" charset="-122"/>
+                <a:latin typeface="微软雅黑" panose="020B0503020204020204" pitchFamily="34" charset="-122"/>
+                <a:ea typeface="微软雅黑" panose="020B0503020204020204" pitchFamily="34" charset="-122"/>
+                <a:sym typeface="微软雅黑" panose="020B0503020204020204" pitchFamily="34" charset="-122"/>
               </a:rPr>
               <a:t>倾斜函数</a:t>
             </a:r>
+            <a:endParaRPr lang="zh-CN" altLang="en-US" sz="8800" dirty="0" smtClean="0">
+              <a:solidFill>
+                <a:srgbClr val="3F3F3F"/>
+              </a:solidFill>
+              <a:latin typeface="微软雅黑" panose="020B0503020204020204" pitchFamily="34" charset="-122"/>
+              <a:ea typeface="微软雅黑" panose="020B0503020204020204" pitchFamily="34" charset="-122"/>
+              <a:sym typeface="微软雅黑" panose="020B0503020204020204" pitchFamily="34" charset="-122"/>
+            </a:endParaRPr>
           </a:p>
           <a:p>
             <a:pPr marL="1200150" lvl="3" indent="-342900">
@@ -5043,9 +4921,9 @@
                 <a:solidFill>
                   <a:srgbClr val="3F3F3F"/>
                 </a:solidFill>
-                <a:latin typeface="微软雅黑" pitchFamily="34" charset="-122"/>
-                <a:ea typeface="微软雅黑" pitchFamily="34" charset="-122"/>
-                <a:sym typeface="微软雅黑" pitchFamily="34" charset="-122"/>
+                <a:latin typeface="微软雅黑" panose="020B0503020204020204" pitchFamily="34" charset="-122"/>
+                <a:ea typeface="微软雅黑" panose="020B0503020204020204" pitchFamily="34" charset="-122"/>
+                <a:sym typeface="微软雅黑" panose="020B0503020204020204" pitchFamily="34" charset="-122"/>
               </a:rPr>
               <a:t>skewX()</a:t>
             </a:r>
@@ -5053,9 +4931,9 @@
               <a:solidFill>
                 <a:srgbClr val="3F3F3F"/>
               </a:solidFill>
-              <a:latin typeface="微软雅黑" pitchFamily="34" charset="-122"/>
-              <a:ea typeface="微软雅黑" pitchFamily="34" charset="-122"/>
-              <a:sym typeface="微软雅黑" pitchFamily="34" charset="-122"/>
+              <a:latin typeface="微软雅黑" panose="020B0503020204020204" pitchFamily="34" charset="-122"/>
+              <a:ea typeface="微软雅黑" panose="020B0503020204020204" pitchFamily="34" charset="-122"/>
+              <a:sym typeface="微软雅黑" panose="020B0503020204020204" pitchFamily="34" charset="-122"/>
             </a:endParaRPr>
           </a:p>
           <a:p>
@@ -5069,9 +4947,9 @@
                 <a:solidFill>
                   <a:srgbClr val="3F3F3F"/>
                 </a:solidFill>
-                <a:latin typeface="微软雅黑" pitchFamily="34" charset="-122"/>
-                <a:ea typeface="微软雅黑" pitchFamily="34" charset="-122"/>
-                <a:sym typeface="微软雅黑" pitchFamily="34" charset="-122"/>
+                <a:latin typeface="微软雅黑" panose="020B0503020204020204" pitchFamily="34" charset="-122"/>
+                <a:ea typeface="微软雅黑" panose="020B0503020204020204" pitchFamily="34" charset="-122"/>
+                <a:sym typeface="微软雅黑" panose="020B0503020204020204" pitchFamily="34" charset="-122"/>
               </a:rPr>
               <a:t>skewY()</a:t>
             </a:r>
@@ -5079,9 +4957,9 @@
               <a:solidFill>
                 <a:srgbClr val="3F3F3F"/>
               </a:solidFill>
-              <a:latin typeface="微软雅黑" pitchFamily="34" charset="-122"/>
-              <a:ea typeface="微软雅黑" pitchFamily="34" charset="-122"/>
-              <a:sym typeface="微软雅黑" pitchFamily="34" charset="-122"/>
+              <a:latin typeface="微软雅黑" panose="020B0503020204020204" pitchFamily="34" charset="-122"/>
+              <a:ea typeface="微软雅黑" panose="020B0503020204020204" pitchFamily="34" charset="-122"/>
+              <a:sym typeface="微软雅黑" panose="020B0503020204020204" pitchFamily="34" charset="-122"/>
             </a:endParaRPr>
           </a:p>
           <a:p>
@@ -5095,9 +4973,9 @@
                 <a:solidFill>
                   <a:srgbClr val="3F3F3F"/>
                 </a:solidFill>
-                <a:latin typeface="微软雅黑" pitchFamily="34" charset="-122"/>
-                <a:ea typeface="微软雅黑" pitchFamily="34" charset="-122"/>
-                <a:sym typeface="微软雅黑" pitchFamily="34" charset="-122"/>
+                <a:latin typeface="微软雅黑" panose="020B0503020204020204" pitchFamily="34" charset="-122"/>
+                <a:ea typeface="微软雅黑" panose="020B0503020204020204" pitchFamily="34" charset="-122"/>
+                <a:sym typeface="微软雅黑" panose="020B0503020204020204" pitchFamily="34" charset="-122"/>
               </a:rPr>
               <a:t>scale() </a:t>
             </a:r>
@@ -5106,9 +4984,9 @@
                 <a:solidFill>
                   <a:srgbClr val="3F3F3F"/>
                 </a:solidFill>
-                <a:latin typeface="微软雅黑" pitchFamily="34" charset="-122"/>
-                <a:ea typeface="微软雅黑" pitchFamily="34" charset="-122"/>
-                <a:sym typeface="微软雅黑" pitchFamily="34" charset="-122"/>
+                <a:latin typeface="微软雅黑" panose="020B0503020204020204" pitchFamily="34" charset="-122"/>
+                <a:ea typeface="微软雅黑" panose="020B0503020204020204" pitchFamily="34" charset="-122"/>
+                <a:sym typeface="微软雅黑" panose="020B0503020204020204" pitchFamily="34" charset="-122"/>
               </a:rPr>
               <a:t>缩放函数 默认值是</a:t>
             </a:r>
@@ -5117,12 +4995,20 @@
                 <a:solidFill>
                   <a:srgbClr val="3F3F3F"/>
                 </a:solidFill>
-                <a:latin typeface="微软雅黑" pitchFamily="34" charset="-122"/>
-                <a:ea typeface="微软雅黑" pitchFamily="34" charset="-122"/>
-                <a:sym typeface="微软雅黑" pitchFamily="34" charset="-122"/>
+                <a:latin typeface="微软雅黑" panose="020B0503020204020204" pitchFamily="34" charset="-122"/>
+                <a:ea typeface="微软雅黑" panose="020B0503020204020204" pitchFamily="34" charset="-122"/>
+                <a:sym typeface="微软雅黑" panose="020B0503020204020204" pitchFamily="34" charset="-122"/>
               </a:rPr>
               <a:t>1 </a:t>
             </a:r>
+            <a:endParaRPr lang="en-US" altLang="zh-CN" sz="8800" dirty="0" smtClean="0">
+              <a:solidFill>
+                <a:srgbClr val="3F3F3F"/>
+              </a:solidFill>
+              <a:latin typeface="微软雅黑" panose="020B0503020204020204" pitchFamily="34" charset="-122"/>
+              <a:ea typeface="微软雅黑" panose="020B0503020204020204" pitchFamily="34" charset="-122"/>
+              <a:sym typeface="微软雅黑" panose="020B0503020204020204" pitchFamily="34" charset="-122"/>
+            </a:endParaRPr>
           </a:p>
           <a:p>
             <a:pPr marL="1200150" lvl="3" indent="-342900">
@@ -5135,9 +5021,9 @@
                 <a:solidFill>
                   <a:srgbClr val="3F3F3F"/>
                 </a:solidFill>
-                <a:latin typeface="微软雅黑" pitchFamily="34" charset="-122"/>
-                <a:ea typeface="微软雅黑" pitchFamily="34" charset="-122"/>
-                <a:sym typeface="微软雅黑" pitchFamily="34" charset="-122"/>
+                <a:latin typeface="微软雅黑" panose="020B0503020204020204" pitchFamily="34" charset="-122"/>
+                <a:ea typeface="微软雅黑" panose="020B0503020204020204" pitchFamily="34" charset="-122"/>
+                <a:sym typeface="微软雅黑" panose="020B0503020204020204" pitchFamily="34" charset="-122"/>
               </a:rPr>
               <a:t>scaleX()</a:t>
             </a:r>
@@ -5145,9 +5031,9 @@
               <a:solidFill>
                 <a:srgbClr val="3F3F3F"/>
               </a:solidFill>
-              <a:latin typeface="微软雅黑" pitchFamily="34" charset="-122"/>
-              <a:ea typeface="微软雅黑" pitchFamily="34" charset="-122"/>
-              <a:sym typeface="微软雅黑" pitchFamily="34" charset="-122"/>
+              <a:latin typeface="微软雅黑" panose="020B0503020204020204" pitchFamily="34" charset="-122"/>
+              <a:ea typeface="微软雅黑" panose="020B0503020204020204" pitchFamily="34" charset="-122"/>
+              <a:sym typeface="微软雅黑" panose="020B0503020204020204" pitchFamily="34" charset="-122"/>
             </a:endParaRPr>
           </a:p>
           <a:p>
@@ -5161,9 +5047,9 @@
                 <a:solidFill>
                   <a:srgbClr val="3F3F3F"/>
                 </a:solidFill>
-                <a:latin typeface="微软雅黑" pitchFamily="34" charset="-122"/>
-                <a:ea typeface="微软雅黑" pitchFamily="34" charset="-122"/>
-                <a:sym typeface="微软雅黑" pitchFamily="34" charset="-122"/>
+                <a:latin typeface="微软雅黑" panose="020B0503020204020204" pitchFamily="34" charset="-122"/>
+                <a:ea typeface="微软雅黑" panose="020B0503020204020204" pitchFamily="34" charset="-122"/>
+                <a:sym typeface="微软雅黑" panose="020B0503020204020204" pitchFamily="34" charset="-122"/>
               </a:rPr>
               <a:t>scaleY()</a:t>
             </a:r>
@@ -5171,9 +5057,9 @@
               <a:solidFill>
                 <a:srgbClr val="3F3F3F"/>
               </a:solidFill>
-              <a:latin typeface="微软雅黑" pitchFamily="34" charset="-122"/>
-              <a:ea typeface="微软雅黑" pitchFamily="34" charset="-122"/>
-              <a:sym typeface="微软雅黑" pitchFamily="34" charset="-122"/>
+              <a:latin typeface="微软雅黑" panose="020B0503020204020204" pitchFamily="34" charset="-122"/>
+              <a:ea typeface="微软雅黑" panose="020B0503020204020204" pitchFamily="34" charset="-122"/>
+              <a:sym typeface="微软雅黑" panose="020B0503020204020204" pitchFamily="34" charset="-122"/>
             </a:endParaRPr>
           </a:p>
           <a:p>
@@ -5187,9 +5073,9 @@
                 <a:solidFill>
                   <a:srgbClr val="3F3F3F"/>
                 </a:solidFill>
-                <a:latin typeface="微软雅黑" pitchFamily="34" charset="-122"/>
-                <a:ea typeface="微软雅黑" pitchFamily="34" charset="-122"/>
-                <a:sym typeface="微软雅黑" pitchFamily="34" charset="-122"/>
+                <a:latin typeface="微软雅黑" panose="020B0503020204020204" pitchFamily="34" charset="-122"/>
+                <a:ea typeface="微软雅黑" panose="020B0503020204020204" pitchFamily="34" charset="-122"/>
+                <a:sym typeface="微软雅黑" panose="020B0503020204020204" pitchFamily="34" charset="-122"/>
               </a:rPr>
               <a:t>translate() </a:t>
             </a:r>
@@ -5198,9 +5084,9 @@
                 <a:solidFill>
                   <a:srgbClr val="3F3F3F"/>
                 </a:solidFill>
-                <a:latin typeface="微软雅黑" pitchFamily="34" charset="-122"/>
-                <a:ea typeface="微软雅黑" pitchFamily="34" charset="-122"/>
-                <a:sym typeface="微软雅黑" pitchFamily="34" charset="-122"/>
+                <a:latin typeface="微软雅黑" panose="020B0503020204020204" pitchFamily="34" charset="-122"/>
+                <a:ea typeface="微软雅黑" panose="020B0503020204020204" pitchFamily="34" charset="-122"/>
+                <a:sym typeface="微软雅黑" panose="020B0503020204020204" pitchFamily="34" charset="-122"/>
               </a:rPr>
               <a:t>位移函数</a:t>
             </a:r>
@@ -5208,9 +5094,9 @@
               <a:solidFill>
                 <a:srgbClr val="3F3F3F"/>
               </a:solidFill>
-              <a:latin typeface="微软雅黑" pitchFamily="34" charset="-122"/>
-              <a:ea typeface="微软雅黑" pitchFamily="34" charset="-122"/>
-              <a:sym typeface="微软雅黑" pitchFamily="34" charset="-122"/>
+              <a:latin typeface="微软雅黑" panose="020B0503020204020204" pitchFamily="34" charset="-122"/>
+              <a:ea typeface="微软雅黑" panose="020B0503020204020204" pitchFamily="34" charset="-122"/>
+              <a:sym typeface="微软雅黑" panose="020B0503020204020204" pitchFamily="34" charset="-122"/>
             </a:endParaRPr>
           </a:p>
           <a:p>
@@ -5224,9 +5110,9 @@
                 <a:solidFill>
                   <a:srgbClr val="3F3F3F"/>
                 </a:solidFill>
-                <a:latin typeface="微软雅黑" pitchFamily="34" charset="-122"/>
-                <a:ea typeface="微软雅黑" pitchFamily="34" charset="-122"/>
-                <a:sym typeface="微软雅黑" pitchFamily="34" charset="-122"/>
+                <a:latin typeface="微软雅黑" panose="020B0503020204020204" pitchFamily="34" charset="-122"/>
+                <a:ea typeface="微软雅黑" panose="020B0503020204020204" pitchFamily="34" charset="-122"/>
+                <a:sym typeface="微软雅黑" panose="020B0503020204020204" pitchFamily="34" charset="-122"/>
               </a:rPr>
               <a:t>translateX()</a:t>
             </a:r>
@@ -5234,9 +5120,9 @@
               <a:solidFill>
                 <a:srgbClr val="3F3F3F"/>
               </a:solidFill>
-              <a:latin typeface="微软雅黑" pitchFamily="34" charset="-122"/>
-              <a:ea typeface="微软雅黑" pitchFamily="34" charset="-122"/>
-              <a:sym typeface="微软雅黑" pitchFamily="34" charset="-122"/>
+              <a:latin typeface="微软雅黑" panose="020B0503020204020204" pitchFamily="34" charset="-122"/>
+              <a:ea typeface="微软雅黑" panose="020B0503020204020204" pitchFamily="34" charset="-122"/>
+              <a:sym typeface="微软雅黑" panose="020B0503020204020204" pitchFamily="34" charset="-122"/>
             </a:endParaRPr>
           </a:p>
           <a:p>
@@ -5250,9 +5136,9 @@
                 <a:solidFill>
                   <a:srgbClr val="3F3F3F"/>
                 </a:solidFill>
-                <a:latin typeface="微软雅黑" pitchFamily="34" charset="-122"/>
-                <a:ea typeface="微软雅黑" pitchFamily="34" charset="-122"/>
-                <a:sym typeface="微软雅黑" pitchFamily="34" charset="-122"/>
+                <a:latin typeface="微软雅黑" panose="020B0503020204020204" pitchFamily="34" charset="-122"/>
+                <a:ea typeface="微软雅黑" panose="020B0503020204020204" pitchFamily="34" charset="-122"/>
+                <a:sym typeface="微软雅黑" panose="020B0503020204020204" pitchFamily="34" charset="-122"/>
               </a:rPr>
               <a:t>translateY()</a:t>
             </a:r>
@@ -5260,43 +5146,13 @@
           </a:p>
         </p:txBody>
       </p:sp>
-      <p:pic>
-        <p:nvPicPr>
-          <p:cNvPr id="4" name="图片 3" descr="logo-new.png"/>
-          <p:cNvPicPr>
-            <a:picLocks noChangeAspect="1"/>
-          </p:cNvPicPr>
-          <p:nvPr/>
-        </p:nvPicPr>
-        <p:blipFill>
-          <a:blip r:embed="rId2">
-            <a:extLst>
-              <a:ext uri="{28A0092B-C50C-407E-A947-70E740481C1C}">
-                <a14:useLocalDpi xmlns:a14="http://schemas.microsoft.com/office/drawing/2010/main" xmlns="" val="0"/>
-              </a:ext>
-            </a:extLst>
-          </a:blip>
-          <a:stretch>
-            <a:fillRect/>
-          </a:stretch>
-        </p:blipFill>
-        <p:spPr>
-          <a:xfrm>
-            <a:off x="6964725" y="5781425"/>
-            <a:ext cx="1743000" cy="900000"/>
-          </a:xfrm>
-          <a:prstGeom prst="rect">
-            <a:avLst/>
-          </a:prstGeom>
-        </p:spPr>
-      </p:pic>
     </p:spTree>
   </p:cSld>
   <p:clrMapOvr>
     <a:masterClrMapping/>
   </p:clrMapOvr>
   <mc:AlternateContent xmlns:mc="http://schemas.openxmlformats.org/markup-compatibility/2006">
-    <mc:Choice xmlns:p14="http://schemas.microsoft.com/office/powerpoint/2010/main" xmlns="" Requires="p14">
+    <mc:Choice xmlns:p14="http://schemas.microsoft.com/office/powerpoint/2010/main" Requires="p14">
       <p:transition spd="med" p14:dur="700">
         <p:fade/>
       </p:transition>
@@ -5387,7 +5243,7 @@
               <a:buClr>
                 <a:srgbClr val="F50A64"/>
               </a:buClr>
-              <a:buFont typeface="Arial" pitchFamily="34" charset="0"/>
+              <a:buFont typeface="Arial" panose="020B0604020202020204" pitchFamily="34" charset="0"/>
               <a:buChar char="•"/>
             </a:pPr>
             <a:r>
@@ -5395,9 +5251,9 @@
                 <a:solidFill>
                   <a:srgbClr val="3F3F3F"/>
                 </a:solidFill>
-                <a:latin typeface="微软雅黑" pitchFamily="34" charset="-122"/>
-                <a:ea typeface="微软雅黑" pitchFamily="34" charset="-122"/>
-                <a:sym typeface="微软雅黑" pitchFamily="34" charset="-122"/>
+                <a:latin typeface="微软雅黑" panose="020B0503020204020204" pitchFamily="34" charset="-122"/>
+                <a:ea typeface="微软雅黑" panose="020B0503020204020204" pitchFamily="34" charset="-122"/>
+                <a:sym typeface="微软雅黑" panose="020B0503020204020204" pitchFamily="34" charset="-122"/>
               </a:rPr>
               <a:t>关键帧</a:t>
             </a:r>
@@ -5406,9 +5262,9 @@
                 <a:solidFill>
                   <a:srgbClr val="3F3F3F"/>
                 </a:solidFill>
-                <a:latin typeface="微软雅黑" pitchFamily="34" charset="-122"/>
-                <a:ea typeface="微软雅黑" pitchFamily="34" charset="-122"/>
-                <a:sym typeface="微软雅黑" pitchFamily="34" charset="-122"/>
+                <a:latin typeface="微软雅黑" panose="020B0503020204020204" pitchFamily="34" charset="-122"/>
+                <a:ea typeface="微软雅黑" panose="020B0503020204020204" pitchFamily="34" charset="-122"/>
+                <a:sym typeface="微软雅黑" panose="020B0503020204020204" pitchFamily="34" charset="-122"/>
               </a:rPr>
               <a:t>——@</a:t>
             </a:r>
@@ -5417,9 +5273,9 @@
                 <a:solidFill>
                   <a:srgbClr val="3F3F3F"/>
                 </a:solidFill>
-                <a:latin typeface="微软雅黑" pitchFamily="34" charset="-122"/>
-                <a:ea typeface="微软雅黑" pitchFamily="34" charset="-122"/>
-                <a:sym typeface="微软雅黑" pitchFamily="34" charset="-122"/>
+                <a:latin typeface="微软雅黑" panose="020B0503020204020204" pitchFamily="34" charset="-122"/>
+                <a:ea typeface="微软雅黑" panose="020B0503020204020204" pitchFamily="34" charset="-122"/>
+                <a:sym typeface="微软雅黑" panose="020B0503020204020204" pitchFamily="34" charset="-122"/>
               </a:rPr>
               <a:t>keyframes</a:t>
             </a:r>
@@ -5427,14 +5283,14 @@
               <a:solidFill>
                 <a:srgbClr val="3F3F3F"/>
               </a:solidFill>
-              <a:latin typeface="微软雅黑" pitchFamily="34" charset="-122"/>
-              <a:ea typeface="微软雅黑" pitchFamily="34" charset="-122"/>
-              <a:sym typeface="微软雅黑" pitchFamily="34" charset="-122"/>
+              <a:latin typeface="微软雅黑" panose="020B0503020204020204" pitchFamily="34" charset="-122"/>
+              <a:ea typeface="微软雅黑" panose="020B0503020204020204" pitchFamily="34" charset="-122"/>
+              <a:sym typeface="微软雅黑" panose="020B0503020204020204" pitchFamily="34" charset="-122"/>
             </a:endParaRPr>
           </a:p>
           <a:p>
             <a:pPr marL="742950" lvl="2" indent="-342900">
-              <a:buFont typeface="Arial" pitchFamily="34" charset="0"/>
+              <a:buFont typeface="Arial" panose="020B0604020202020204" pitchFamily="34" charset="0"/>
               <a:buChar char="•"/>
             </a:pPr>
             <a:r>
@@ -5442,9 +5298,9 @@
                 <a:solidFill>
                   <a:srgbClr val="3F3F3F"/>
                 </a:solidFill>
-                <a:latin typeface="微软雅黑" pitchFamily="34" charset="-122"/>
-                <a:ea typeface="微软雅黑" pitchFamily="34" charset="-122"/>
-                <a:sym typeface="微软雅黑" pitchFamily="34" charset="-122"/>
+                <a:latin typeface="微软雅黑" panose="020B0503020204020204" pitchFamily="34" charset="-122"/>
+                <a:ea typeface="微软雅黑" panose="020B0503020204020204" pitchFamily="34" charset="-122"/>
+                <a:sym typeface="微软雅黑" panose="020B0503020204020204" pitchFamily="34" charset="-122"/>
               </a:rPr>
               <a:t>类似于</a:t>
             </a:r>
@@ -5453,9 +5309,9 @@
                 <a:solidFill>
                   <a:srgbClr val="3F3F3F"/>
                 </a:solidFill>
-                <a:latin typeface="微软雅黑" pitchFamily="34" charset="-122"/>
-                <a:ea typeface="微软雅黑" pitchFamily="34" charset="-122"/>
-                <a:sym typeface="微软雅黑" pitchFamily="34" charset="-122"/>
+                <a:latin typeface="微软雅黑" panose="020B0503020204020204" pitchFamily="34" charset="-122"/>
+                <a:ea typeface="微软雅黑" panose="020B0503020204020204" pitchFamily="34" charset="-122"/>
+                <a:sym typeface="微软雅黑" panose="020B0503020204020204" pitchFamily="34" charset="-122"/>
               </a:rPr>
               <a:t>flash</a:t>
             </a:r>
@@ -5463,20 +5319,20 @@
               <a:solidFill>
                 <a:srgbClr val="3F3F3F"/>
               </a:solidFill>
-              <a:latin typeface="微软雅黑" pitchFamily="34" charset="-122"/>
-              <a:ea typeface="微软雅黑" pitchFamily="34" charset="-122"/>
-              <a:sym typeface="微软雅黑" pitchFamily="34" charset="-122"/>
+              <a:latin typeface="微软雅黑" panose="020B0503020204020204" pitchFamily="34" charset="-122"/>
+              <a:ea typeface="微软雅黑" panose="020B0503020204020204" pitchFamily="34" charset="-122"/>
+              <a:sym typeface="微软雅黑" panose="020B0503020204020204" pitchFamily="34" charset="-122"/>
             </a:endParaRPr>
           </a:p>
           <a:p>
             <a:pPr marL="1200150" lvl="3" indent="-342900">
-              <a:buFont typeface="Arial" pitchFamily="34" charset="0"/>
+              <a:buFont typeface="Arial" panose="020B0604020202020204" pitchFamily="34" charset="0"/>
               <a:buChar char="•"/>
             </a:pPr>
             <a:r>
               <a:rPr lang="zh-CN" altLang="en-US" dirty="0" smtClean="0">
-                <a:latin typeface="微软雅黑" pitchFamily="34" charset="-122"/>
-                <a:ea typeface="微软雅黑" pitchFamily="34" charset="-122"/>
+                <a:latin typeface="微软雅黑" panose="020B0503020204020204" pitchFamily="34" charset="-122"/>
+                <a:ea typeface="微软雅黑" panose="020B0503020204020204" pitchFamily="34" charset="-122"/>
               </a:rPr>
               <a:t>定义动画在每个阶段的样式，即帧动画</a:t>
             </a:r>
@@ -5484,14 +5340,14 @@
               <a:solidFill>
                 <a:srgbClr val="3F3F3F"/>
               </a:solidFill>
-              <a:latin typeface="微软雅黑" pitchFamily="34" charset="-122"/>
-              <a:ea typeface="微软雅黑" pitchFamily="34" charset="-122"/>
-              <a:sym typeface="微软雅黑" pitchFamily="34" charset="-122"/>
+              <a:latin typeface="微软雅黑" panose="020B0503020204020204" pitchFamily="34" charset="-122"/>
+              <a:ea typeface="微软雅黑" panose="020B0503020204020204" pitchFamily="34" charset="-122"/>
+              <a:sym typeface="微软雅黑" panose="020B0503020204020204" pitchFamily="34" charset="-122"/>
             </a:endParaRPr>
           </a:p>
           <a:p>
             <a:pPr marL="742950" lvl="2" indent="-342900">
-              <a:buFont typeface="Arial" pitchFamily="34" charset="0"/>
+              <a:buFont typeface="Arial" panose="020B0604020202020204" pitchFamily="34" charset="0"/>
               <a:buChar char="•"/>
             </a:pPr>
             <a:r>
@@ -5499,9 +5355,9 @@
                 <a:solidFill>
                   <a:srgbClr val="3F3F3F"/>
                 </a:solidFill>
-                <a:latin typeface="微软雅黑" pitchFamily="34" charset="-122"/>
-                <a:ea typeface="微软雅黑" pitchFamily="34" charset="-122"/>
-                <a:sym typeface="微软雅黑" pitchFamily="34" charset="-122"/>
+                <a:latin typeface="微软雅黑" panose="020B0503020204020204" pitchFamily="34" charset="-122"/>
+                <a:ea typeface="微软雅黑" panose="020B0503020204020204" pitchFamily="34" charset="-122"/>
+                <a:sym typeface="微软雅黑" panose="020B0503020204020204" pitchFamily="34" charset="-122"/>
               </a:rPr>
               <a:t>关键帧的时间单位</a:t>
             </a:r>
@@ -5509,14 +5365,14 @@
               <a:solidFill>
                 <a:srgbClr val="3F3F3F"/>
               </a:solidFill>
-              <a:latin typeface="微软雅黑" pitchFamily="34" charset="-122"/>
-              <a:ea typeface="微软雅黑" pitchFamily="34" charset="-122"/>
-              <a:sym typeface="微软雅黑" pitchFamily="34" charset="-122"/>
+              <a:latin typeface="微软雅黑" panose="020B0503020204020204" pitchFamily="34" charset="-122"/>
+              <a:ea typeface="微软雅黑" panose="020B0503020204020204" pitchFamily="34" charset="-122"/>
+              <a:sym typeface="微软雅黑" panose="020B0503020204020204" pitchFamily="34" charset="-122"/>
             </a:endParaRPr>
           </a:p>
           <a:p>
             <a:pPr marL="1200150" lvl="3" indent="-342900">
-              <a:buFont typeface="Arial" pitchFamily="34" charset="0"/>
+              <a:buFont typeface="Arial" panose="020B0604020202020204" pitchFamily="34" charset="0"/>
               <a:buChar char="•"/>
             </a:pPr>
             <a:r>
@@ -5524,9 +5380,9 @@
                 <a:solidFill>
                   <a:srgbClr val="3F3F3F"/>
                 </a:solidFill>
-                <a:latin typeface="微软雅黑" pitchFamily="34" charset="-122"/>
-                <a:ea typeface="微软雅黑" pitchFamily="34" charset="-122"/>
-                <a:sym typeface="微软雅黑" pitchFamily="34" charset="-122"/>
+                <a:latin typeface="微软雅黑" panose="020B0503020204020204" pitchFamily="34" charset="-122"/>
+                <a:ea typeface="微软雅黑" panose="020B0503020204020204" pitchFamily="34" charset="-122"/>
+                <a:sym typeface="微软雅黑" panose="020B0503020204020204" pitchFamily="34" charset="-122"/>
               </a:rPr>
               <a:t>数字：</a:t>
             </a:r>
@@ -5535,9 +5391,9 @@
                 <a:solidFill>
                   <a:srgbClr val="3F3F3F"/>
                 </a:solidFill>
-                <a:latin typeface="微软雅黑" pitchFamily="34" charset="-122"/>
-                <a:ea typeface="微软雅黑" pitchFamily="34" charset="-122"/>
-                <a:sym typeface="微软雅黑" pitchFamily="34" charset="-122"/>
+                <a:latin typeface="微软雅黑" panose="020B0503020204020204" pitchFamily="34" charset="-122"/>
+                <a:ea typeface="微软雅黑" panose="020B0503020204020204" pitchFamily="34" charset="-122"/>
+                <a:sym typeface="微软雅黑" panose="020B0503020204020204" pitchFamily="34" charset="-122"/>
               </a:rPr>
               <a:t>0%</a:t>
             </a:r>
@@ -5546,9 +5402,9 @@
                 <a:solidFill>
                   <a:srgbClr val="3F3F3F"/>
                 </a:solidFill>
-                <a:latin typeface="微软雅黑" pitchFamily="34" charset="-122"/>
-                <a:ea typeface="微软雅黑" pitchFamily="34" charset="-122"/>
-                <a:sym typeface="微软雅黑" pitchFamily="34" charset="-122"/>
+                <a:latin typeface="微软雅黑" panose="020B0503020204020204" pitchFamily="34" charset="-122"/>
+                <a:ea typeface="微软雅黑" panose="020B0503020204020204" pitchFamily="34" charset="-122"/>
+                <a:sym typeface="微软雅黑" panose="020B0503020204020204" pitchFamily="34" charset="-122"/>
               </a:rPr>
               <a:t>、</a:t>
             </a:r>
@@ -5557,9 +5413,9 @@
                 <a:solidFill>
                   <a:srgbClr val="3F3F3F"/>
                 </a:solidFill>
-                <a:latin typeface="微软雅黑" pitchFamily="34" charset="-122"/>
-                <a:ea typeface="微软雅黑" pitchFamily="34" charset="-122"/>
-                <a:sym typeface="微软雅黑" pitchFamily="34" charset="-122"/>
+                <a:latin typeface="微软雅黑" panose="020B0503020204020204" pitchFamily="34" charset="-122"/>
+                <a:ea typeface="微软雅黑" panose="020B0503020204020204" pitchFamily="34" charset="-122"/>
+                <a:sym typeface="微软雅黑" panose="020B0503020204020204" pitchFamily="34" charset="-122"/>
               </a:rPr>
               <a:t>25%</a:t>
             </a:r>
@@ -5568,9 +5424,9 @@
                 <a:solidFill>
                   <a:srgbClr val="3F3F3F"/>
                 </a:solidFill>
-                <a:latin typeface="微软雅黑" pitchFamily="34" charset="-122"/>
-                <a:ea typeface="微软雅黑" pitchFamily="34" charset="-122"/>
-                <a:sym typeface="微软雅黑" pitchFamily="34" charset="-122"/>
+                <a:latin typeface="微软雅黑" panose="020B0503020204020204" pitchFamily="34" charset="-122"/>
+                <a:ea typeface="微软雅黑" panose="020B0503020204020204" pitchFamily="34" charset="-122"/>
+                <a:sym typeface="微软雅黑" panose="020B0503020204020204" pitchFamily="34" charset="-122"/>
               </a:rPr>
               <a:t>、</a:t>
             </a:r>
@@ -5579,9 +5435,9 @@
                 <a:solidFill>
                   <a:srgbClr val="3F3F3F"/>
                 </a:solidFill>
-                <a:latin typeface="微软雅黑" pitchFamily="34" charset="-122"/>
-                <a:ea typeface="微软雅黑" pitchFamily="34" charset="-122"/>
-                <a:sym typeface="微软雅黑" pitchFamily="34" charset="-122"/>
+                <a:latin typeface="微软雅黑" panose="020B0503020204020204" pitchFamily="34" charset="-122"/>
+                <a:ea typeface="微软雅黑" panose="020B0503020204020204" pitchFamily="34" charset="-122"/>
+                <a:sym typeface="微软雅黑" panose="020B0503020204020204" pitchFamily="34" charset="-122"/>
               </a:rPr>
               <a:t>100%</a:t>
             </a:r>
@@ -5590,43 +5446,43 @@
                 <a:solidFill>
                   <a:srgbClr val="3F3F3F"/>
                 </a:solidFill>
-                <a:latin typeface="微软雅黑" pitchFamily="34" charset="-122"/>
-                <a:ea typeface="微软雅黑" pitchFamily="34" charset="-122"/>
-                <a:sym typeface="微软雅黑" pitchFamily="34" charset="-122"/>
+                <a:latin typeface="微软雅黑" panose="020B0503020204020204" pitchFamily="34" charset="-122"/>
+                <a:ea typeface="微软雅黑" panose="020B0503020204020204" pitchFamily="34" charset="-122"/>
+                <a:sym typeface="微软雅黑" panose="020B0503020204020204" pitchFamily="34" charset="-122"/>
               </a:rPr>
               <a:t>等</a:t>
             </a:r>
             <a:r>
               <a:rPr lang="en-US" altLang="zh-CN" dirty="0" smtClean="0">
-                <a:latin typeface="微软雅黑" pitchFamily="34" charset="-122"/>
-                <a:ea typeface="微软雅黑" pitchFamily="34" charset="-122"/>
-                <a:sym typeface="微软雅黑" pitchFamily="34" charset="-122"/>
+                <a:latin typeface="微软雅黑" panose="020B0503020204020204" pitchFamily="34" charset="-122"/>
+                <a:ea typeface="微软雅黑" panose="020B0503020204020204" pitchFamily="34" charset="-122"/>
+                <a:sym typeface="微软雅黑" panose="020B0503020204020204" pitchFamily="34" charset="-122"/>
               </a:rPr>
               <a:t>(</a:t>
             </a:r>
             <a:r>
               <a:rPr lang="zh-CN" altLang="en-US" dirty="0" smtClean="0">
-                <a:latin typeface="微软雅黑" pitchFamily="34" charset="-122"/>
-                <a:ea typeface="微软雅黑" pitchFamily="34" charset="-122"/>
+                <a:latin typeface="微软雅黑" panose="020B0503020204020204" pitchFamily="34" charset="-122"/>
+                <a:ea typeface="微软雅黑" panose="020B0503020204020204" pitchFamily="34" charset="-122"/>
               </a:rPr>
               <a:t>设置某个时间段内的任意时间点的样式</a:t>
             </a:r>
             <a:r>
               <a:rPr lang="en-US" altLang="zh-CN" dirty="0" smtClean="0">
-                <a:latin typeface="微软雅黑" pitchFamily="34" charset="-122"/>
-                <a:ea typeface="微软雅黑" pitchFamily="34" charset="-122"/>
+                <a:latin typeface="微软雅黑" panose="020B0503020204020204" pitchFamily="34" charset="-122"/>
+                <a:ea typeface="微软雅黑" panose="020B0503020204020204" pitchFamily="34" charset="-122"/>
               </a:rPr>
               <a:t>)</a:t>
             </a:r>
             <a:endParaRPr lang="en-US" altLang="zh-CN" dirty="0" smtClean="0">
-              <a:latin typeface="微软雅黑" pitchFamily="34" charset="-122"/>
-              <a:ea typeface="微软雅黑" pitchFamily="34" charset="-122"/>
-              <a:sym typeface="微软雅黑" pitchFamily="34" charset="-122"/>
+              <a:latin typeface="微软雅黑" panose="020B0503020204020204" pitchFamily="34" charset="-122"/>
+              <a:ea typeface="微软雅黑" panose="020B0503020204020204" pitchFamily="34" charset="-122"/>
+              <a:sym typeface="微软雅黑" panose="020B0503020204020204" pitchFamily="34" charset="-122"/>
             </a:endParaRPr>
           </a:p>
           <a:p>
             <a:pPr marL="1200150" lvl="3" indent="-342900">
-              <a:buFont typeface="Arial" pitchFamily="34" charset="0"/>
+              <a:buFont typeface="Arial" panose="020B0604020202020204" pitchFamily="34" charset="0"/>
               <a:buChar char="•"/>
             </a:pPr>
             <a:r>
@@ -5634,9 +5490,9 @@
                 <a:solidFill>
                   <a:srgbClr val="3F3F3F"/>
                 </a:solidFill>
-                <a:latin typeface="微软雅黑" pitchFamily="34" charset="-122"/>
-                <a:ea typeface="微软雅黑" pitchFamily="34" charset="-122"/>
-                <a:sym typeface="微软雅黑" pitchFamily="34" charset="-122"/>
+                <a:latin typeface="微软雅黑" panose="020B0503020204020204" pitchFamily="34" charset="-122"/>
+                <a:ea typeface="微软雅黑" panose="020B0503020204020204" pitchFamily="34" charset="-122"/>
+                <a:sym typeface="微软雅黑" panose="020B0503020204020204" pitchFamily="34" charset="-122"/>
               </a:rPr>
               <a:t>字符：</a:t>
             </a:r>
@@ -5645,9 +5501,9 @@
                 <a:solidFill>
                   <a:srgbClr val="3F3F3F"/>
                 </a:solidFill>
-                <a:latin typeface="微软雅黑" pitchFamily="34" charset="-122"/>
-                <a:ea typeface="微软雅黑" pitchFamily="34" charset="-122"/>
-                <a:sym typeface="微软雅黑" pitchFamily="34" charset="-122"/>
+                <a:latin typeface="微软雅黑" panose="020B0503020204020204" pitchFamily="34" charset="-122"/>
+                <a:ea typeface="微软雅黑" panose="020B0503020204020204" pitchFamily="34" charset="-122"/>
+                <a:sym typeface="微软雅黑" panose="020B0503020204020204" pitchFamily="34" charset="-122"/>
               </a:rPr>
               <a:t>from(0%)</a:t>
             </a:r>
@@ -5656,9 +5512,9 @@
                 <a:solidFill>
                   <a:srgbClr val="3F3F3F"/>
                 </a:solidFill>
-                <a:latin typeface="微软雅黑" pitchFamily="34" charset="-122"/>
-                <a:ea typeface="微软雅黑" pitchFamily="34" charset="-122"/>
-                <a:sym typeface="微软雅黑" pitchFamily="34" charset="-122"/>
+                <a:latin typeface="微软雅黑" panose="020B0503020204020204" pitchFamily="34" charset="-122"/>
+                <a:ea typeface="微软雅黑" panose="020B0503020204020204" pitchFamily="34" charset="-122"/>
+                <a:sym typeface="微软雅黑" panose="020B0503020204020204" pitchFamily="34" charset="-122"/>
               </a:rPr>
               <a:t>、</a:t>
             </a:r>
@@ -5667,9 +5523,9 @@
                 <a:solidFill>
                   <a:srgbClr val="3F3F3F"/>
                 </a:solidFill>
-                <a:latin typeface="微软雅黑" pitchFamily="34" charset="-122"/>
-                <a:ea typeface="微软雅黑" pitchFamily="34" charset="-122"/>
-                <a:sym typeface="微软雅黑" pitchFamily="34" charset="-122"/>
+                <a:latin typeface="微软雅黑" panose="020B0503020204020204" pitchFamily="34" charset="-122"/>
+                <a:ea typeface="微软雅黑" panose="020B0503020204020204" pitchFamily="34" charset="-122"/>
+                <a:sym typeface="微软雅黑" panose="020B0503020204020204" pitchFamily="34" charset="-122"/>
               </a:rPr>
               <a:t>to(100%)</a:t>
             </a:r>
@@ -5677,14 +5533,14 @@
               <a:solidFill>
                 <a:srgbClr val="3F3F3F"/>
               </a:solidFill>
-              <a:latin typeface="微软雅黑" pitchFamily="34" charset="-122"/>
-              <a:ea typeface="微软雅黑" pitchFamily="34" charset="-122"/>
-              <a:sym typeface="微软雅黑" pitchFamily="34" charset="-122"/>
+              <a:latin typeface="微软雅黑" panose="020B0503020204020204" pitchFamily="34" charset="-122"/>
+              <a:ea typeface="微软雅黑" panose="020B0503020204020204" pitchFamily="34" charset="-122"/>
+              <a:sym typeface="微软雅黑" panose="020B0503020204020204" pitchFamily="34" charset="-122"/>
             </a:endParaRPr>
           </a:p>
           <a:p>
             <a:pPr marL="742950" lvl="2" indent="-342900">
-              <a:buFont typeface="Arial" pitchFamily="34" charset="0"/>
+              <a:buFont typeface="Arial" panose="020B0604020202020204" pitchFamily="34" charset="0"/>
               <a:buChar char="•"/>
             </a:pPr>
             <a:r>
@@ -5692,9 +5548,9 @@
                 <a:solidFill>
                   <a:srgbClr val="3F3F3F"/>
                 </a:solidFill>
-                <a:latin typeface="微软雅黑" pitchFamily="34" charset="-122"/>
-                <a:ea typeface="微软雅黑" pitchFamily="34" charset="-122"/>
-                <a:sym typeface="微软雅黑" pitchFamily="34" charset="-122"/>
+                <a:latin typeface="微软雅黑" panose="020B0503020204020204" pitchFamily="34" charset="-122"/>
+                <a:ea typeface="微软雅黑" panose="020B0503020204020204" pitchFamily="34" charset="-122"/>
+                <a:sym typeface="微软雅黑" panose="020B0503020204020204" pitchFamily="34" charset="-122"/>
               </a:rPr>
               <a:t>格式</a:t>
             </a:r>
@@ -5702,14 +5558,14 @@
               <a:solidFill>
                 <a:srgbClr val="3F3F3F"/>
               </a:solidFill>
-              <a:latin typeface="微软雅黑" pitchFamily="34" charset="-122"/>
-              <a:ea typeface="微软雅黑" pitchFamily="34" charset="-122"/>
-              <a:sym typeface="微软雅黑" pitchFamily="34" charset="-122"/>
+              <a:latin typeface="微软雅黑" panose="020B0503020204020204" pitchFamily="34" charset="-122"/>
+              <a:ea typeface="微软雅黑" panose="020B0503020204020204" pitchFamily="34" charset="-122"/>
+              <a:sym typeface="微软雅黑" panose="020B0503020204020204" pitchFamily="34" charset="-122"/>
             </a:endParaRPr>
           </a:p>
           <a:p>
             <a:pPr marL="1200150" lvl="3" indent="-342900">
-              <a:buFont typeface="Arial" pitchFamily="34" charset="0"/>
+              <a:buFont typeface="Arial" panose="020B0604020202020204" pitchFamily="34" charset="0"/>
               <a:buChar char="•"/>
             </a:pPr>
             <a:r>
@@ -5717,9 +5573,9 @@
                 <a:solidFill>
                   <a:srgbClr val="3F3F3F"/>
                 </a:solidFill>
-                <a:latin typeface="微软雅黑" pitchFamily="34" charset="-122"/>
-                <a:ea typeface="微软雅黑" pitchFamily="34" charset="-122"/>
-                <a:sym typeface="微软雅黑" pitchFamily="34" charset="-122"/>
+                <a:latin typeface="微软雅黑" panose="020B0503020204020204" pitchFamily="34" charset="-122"/>
+                <a:ea typeface="微软雅黑" panose="020B0503020204020204" pitchFamily="34" charset="-122"/>
+                <a:sym typeface="微软雅黑" panose="020B0503020204020204" pitchFamily="34" charset="-122"/>
               </a:rPr>
               <a:t>@keyframes </a:t>
             </a:r>
@@ -5728,9 +5584,9 @@
                 <a:solidFill>
                   <a:srgbClr val="3F3F3F"/>
                 </a:solidFill>
-                <a:latin typeface="微软雅黑" pitchFamily="34" charset="-122"/>
-                <a:ea typeface="微软雅黑" pitchFamily="34" charset="-122"/>
-                <a:sym typeface="微软雅黑" pitchFamily="34" charset="-122"/>
+                <a:latin typeface="微软雅黑" panose="020B0503020204020204" pitchFamily="34" charset="-122"/>
+                <a:ea typeface="微软雅黑" panose="020B0503020204020204" pitchFamily="34" charset="-122"/>
+                <a:sym typeface="微软雅黑" panose="020B0503020204020204" pitchFamily="34" charset="-122"/>
               </a:rPr>
               <a:t>动画名称</a:t>
             </a:r>
@@ -5738,14 +5594,14 @@
               <a:solidFill>
                 <a:srgbClr val="3F3F3F"/>
               </a:solidFill>
-              <a:latin typeface="微软雅黑" pitchFamily="34" charset="-122"/>
-              <a:ea typeface="微软雅黑" pitchFamily="34" charset="-122"/>
-              <a:sym typeface="微软雅黑" pitchFamily="34" charset="-122"/>
+              <a:latin typeface="微软雅黑" panose="020B0503020204020204" pitchFamily="34" charset="-122"/>
+              <a:ea typeface="微软雅黑" panose="020B0503020204020204" pitchFamily="34" charset="-122"/>
+              <a:sym typeface="微软雅黑" panose="020B0503020204020204" pitchFamily="34" charset="-122"/>
             </a:endParaRPr>
           </a:p>
           <a:p>
             <a:pPr marL="1200150" lvl="3" indent="-342900">
-              <a:buFont typeface="Arial" pitchFamily="34" charset="0"/>
+              <a:buFont typeface="Arial" panose="020B0604020202020204" pitchFamily="34" charset="0"/>
               <a:buChar char="•"/>
             </a:pPr>
             <a:r>
@@ -5753,9 +5609,9 @@
                 <a:solidFill>
                   <a:srgbClr val="3F3F3F"/>
                 </a:solidFill>
-                <a:latin typeface="微软雅黑" pitchFamily="34" charset="-122"/>
-                <a:ea typeface="微软雅黑" pitchFamily="34" charset="-122"/>
-                <a:sym typeface="微软雅黑" pitchFamily="34" charset="-122"/>
+                <a:latin typeface="微软雅黑" panose="020B0503020204020204" pitchFamily="34" charset="-122"/>
+                <a:ea typeface="微软雅黑" panose="020B0503020204020204" pitchFamily="34" charset="-122"/>
+                <a:sym typeface="微软雅黑" panose="020B0503020204020204" pitchFamily="34" charset="-122"/>
               </a:rPr>
               <a:t>{</a:t>
             </a:r>
@@ -5763,14 +5619,14 @@
               <a:solidFill>
                 <a:srgbClr val="3F3F3F"/>
               </a:solidFill>
-              <a:latin typeface="微软雅黑" pitchFamily="34" charset="-122"/>
-              <a:ea typeface="微软雅黑" pitchFamily="34" charset="-122"/>
-              <a:sym typeface="微软雅黑" pitchFamily="34" charset="-122"/>
+              <a:latin typeface="微软雅黑" panose="020B0503020204020204" pitchFamily="34" charset="-122"/>
+              <a:ea typeface="微软雅黑" panose="020B0503020204020204" pitchFamily="34" charset="-122"/>
+              <a:sym typeface="微软雅黑" panose="020B0503020204020204" pitchFamily="34" charset="-122"/>
             </a:endParaRPr>
           </a:p>
           <a:p>
             <a:pPr marL="1200150" lvl="3" indent="-342900">
-              <a:buFont typeface="Arial" pitchFamily="34" charset="0"/>
+              <a:buFont typeface="Arial" panose="020B0604020202020204" pitchFamily="34" charset="0"/>
               <a:buChar char="•"/>
             </a:pPr>
             <a:r>
@@ -5778,9 +5634,9 @@
                 <a:solidFill>
                   <a:srgbClr val="3F3F3F"/>
                 </a:solidFill>
-                <a:latin typeface="微软雅黑" pitchFamily="34" charset="-122"/>
-                <a:ea typeface="微软雅黑" pitchFamily="34" charset="-122"/>
-                <a:sym typeface="微软雅黑" pitchFamily="34" charset="-122"/>
+                <a:latin typeface="微软雅黑" panose="020B0503020204020204" pitchFamily="34" charset="-122"/>
+                <a:ea typeface="微软雅黑" panose="020B0503020204020204" pitchFamily="34" charset="-122"/>
+                <a:sym typeface="微软雅黑" panose="020B0503020204020204" pitchFamily="34" charset="-122"/>
               </a:rPr>
               <a:t>	</a:t>
             </a:r>
@@ -5789,9 +5645,9 @@
                 <a:solidFill>
                   <a:srgbClr val="3F3F3F"/>
                 </a:solidFill>
-                <a:latin typeface="微软雅黑" pitchFamily="34" charset="-122"/>
-                <a:ea typeface="微软雅黑" pitchFamily="34" charset="-122"/>
-                <a:sym typeface="微软雅黑" pitchFamily="34" charset="-122"/>
+                <a:latin typeface="微软雅黑" panose="020B0503020204020204" pitchFamily="34" charset="-122"/>
+                <a:ea typeface="微软雅黑" panose="020B0503020204020204" pitchFamily="34" charset="-122"/>
+                <a:sym typeface="微软雅黑" panose="020B0503020204020204" pitchFamily="34" charset="-122"/>
               </a:rPr>
               <a:t>动画状态</a:t>
             </a:r>
@@ -5799,14 +5655,14 @@
               <a:solidFill>
                 <a:srgbClr val="3F3F3F"/>
               </a:solidFill>
-              <a:latin typeface="微软雅黑" pitchFamily="34" charset="-122"/>
-              <a:ea typeface="微软雅黑" pitchFamily="34" charset="-122"/>
-              <a:sym typeface="微软雅黑" pitchFamily="34" charset="-122"/>
+              <a:latin typeface="微软雅黑" panose="020B0503020204020204" pitchFamily="34" charset="-122"/>
+              <a:ea typeface="微软雅黑" panose="020B0503020204020204" pitchFamily="34" charset="-122"/>
+              <a:sym typeface="微软雅黑" panose="020B0503020204020204" pitchFamily="34" charset="-122"/>
             </a:endParaRPr>
           </a:p>
           <a:p>
             <a:pPr marL="1200150" lvl="3" indent="-342900">
-              <a:buFont typeface="Arial" pitchFamily="34" charset="0"/>
+              <a:buFont typeface="Arial" panose="020B0604020202020204" pitchFamily="34" charset="0"/>
               <a:buChar char="•"/>
             </a:pPr>
             <a:r>
@@ -5814,15 +5670,15 @@
                 <a:solidFill>
                   <a:srgbClr val="3F3F3F"/>
                 </a:solidFill>
-                <a:latin typeface="微软雅黑" pitchFamily="34" charset="-122"/>
-                <a:ea typeface="微软雅黑" pitchFamily="34" charset="-122"/>
-                <a:sym typeface="微软雅黑" pitchFamily="34" charset="-122"/>
+                <a:latin typeface="微软雅黑" panose="020B0503020204020204" pitchFamily="34" charset="-122"/>
+                <a:ea typeface="微软雅黑" panose="020B0503020204020204" pitchFamily="34" charset="-122"/>
+                <a:sym typeface="微软雅黑" panose="020B0503020204020204" pitchFamily="34" charset="-122"/>
               </a:rPr>
               <a:t>}</a:t>
             </a:r>
             <a:endParaRPr lang="zh-CN" altLang="en-US" dirty="0" smtClean="0">
-              <a:latin typeface="微软雅黑" pitchFamily="34" charset="-122"/>
-              <a:ea typeface="微软雅黑" pitchFamily="34" charset="-122"/>
+              <a:latin typeface="微软雅黑" panose="020B0503020204020204" pitchFamily="34" charset="-122"/>
+              <a:ea typeface="微软雅黑" panose="020B0503020204020204" pitchFamily="34" charset="-122"/>
             </a:endParaRPr>
           </a:p>
           <a:p>
@@ -5830,43 +5686,13 @@
           </a:p>
         </p:txBody>
       </p:sp>
-      <p:pic>
-        <p:nvPicPr>
-          <p:cNvPr id="4" name="图片 3" descr="logo-new.png"/>
-          <p:cNvPicPr>
-            <a:picLocks noChangeAspect="1"/>
-          </p:cNvPicPr>
-          <p:nvPr/>
-        </p:nvPicPr>
-        <p:blipFill>
-          <a:blip r:embed="rId2">
-            <a:extLst>
-              <a:ext uri="{28A0092B-C50C-407E-A947-70E740481C1C}">
-                <a14:useLocalDpi xmlns:a14="http://schemas.microsoft.com/office/drawing/2010/main" xmlns="" val="0"/>
-              </a:ext>
-            </a:extLst>
-          </a:blip>
-          <a:stretch>
-            <a:fillRect/>
-          </a:stretch>
-        </p:blipFill>
-        <p:spPr>
-          <a:xfrm>
-            <a:off x="6964725" y="5781425"/>
-            <a:ext cx="1743000" cy="900000"/>
-          </a:xfrm>
-          <a:prstGeom prst="rect">
-            <a:avLst/>
-          </a:prstGeom>
-        </p:spPr>
-      </p:pic>
     </p:spTree>
   </p:cSld>
   <p:clrMapOvr>
     <a:masterClrMapping/>
   </p:clrMapOvr>
   <mc:AlternateContent xmlns:mc="http://schemas.openxmlformats.org/markup-compatibility/2006">
-    <mc:Choice xmlns:p14="http://schemas.microsoft.com/office/powerpoint/2010/main" xmlns="" Requires="p14">
+    <mc:Choice xmlns:p14="http://schemas.microsoft.com/office/powerpoint/2010/main" Requires="p14">
       <p:transition spd="med" p14:dur="700">
         <p:fade/>
       </p:transition>
@@ -5960,9 +5786,9 @@
                 <a:solidFill>
                   <a:srgbClr val="FF0000"/>
                 </a:solidFill>
-                <a:latin typeface="微软雅黑" pitchFamily="34" charset="-122"/>
-                <a:ea typeface="微软雅黑" pitchFamily="34" charset="-122"/>
-                <a:sym typeface="微软雅黑" pitchFamily="34" charset="-122"/>
+                <a:latin typeface="微软雅黑" panose="020B0503020204020204" pitchFamily="34" charset="-122"/>
+                <a:ea typeface="微软雅黑" panose="020B0503020204020204" pitchFamily="34" charset="-122"/>
+                <a:sym typeface="微软雅黑" panose="020B0503020204020204" pitchFamily="34" charset="-122"/>
               </a:rPr>
               <a:t>必要属性</a:t>
             </a:r>
@@ -5970,14 +5796,14 @@
               <a:solidFill>
                 <a:srgbClr val="FF0000"/>
               </a:solidFill>
-              <a:latin typeface="微软雅黑" pitchFamily="34" charset="-122"/>
-              <a:ea typeface="微软雅黑" pitchFamily="34" charset="-122"/>
-              <a:sym typeface="微软雅黑" pitchFamily="34" charset="-122"/>
+              <a:latin typeface="微软雅黑" panose="020B0503020204020204" pitchFamily="34" charset="-122"/>
+              <a:ea typeface="微软雅黑" panose="020B0503020204020204" pitchFamily="34" charset="-122"/>
+              <a:sym typeface="微软雅黑" panose="020B0503020204020204" pitchFamily="34" charset="-122"/>
             </a:endParaRPr>
           </a:p>
           <a:p>
             <a:pPr marL="1200150" lvl="3" indent="-342900">
-              <a:buFont typeface="Arial" pitchFamily="34" charset="0"/>
+              <a:buFont typeface="Arial" panose="020B0604020202020204" pitchFamily="34" charset="0"/>
               <a:buChar char="–"/>
             </a:pPr>
             <a:r>
@@ -5985,9 +5811,9 @@
                 <a:solidFill>
                   <a:srgbClr val="3F3F3F"/>
                 </a:solidFill>
-                <a:latin typeface="微软雅黑" pitchFamily="34" charset="-122"/>
-                <a:ea typeface="微软雅黑" pitchFamily="34" charset="-122"/>
-                <a:sym typeface="微软雅黑" pitchFamily="34" charset="-122"/>
+                <a:latin typeface="微软雅黑" panose="020B0503020204020204" pitchFamily="34" charset="-122"/>
+                <a:ea typeface="微软雅黑" panose="020B0503020204020204" pitchFamily="34" charset="-122"/>
+                <a:sym typeface="微软雅黑" panose="020B0503020204020204" pitchFamily="34" charset="-122"/>
               </a:rPr>
               <a:t>animation-name		</a:t>
             </a:r>
@@ -5996,16 +5822,24 @@
                 <a:solidFill>
                   <a:srgbClr val="3F3F3F"/>
                 </a:solidFill>
-                <a:latin typeface="微软雅黑" pitchFamily="34" charset="-122"/>
-                <a:ea typeface="微软雅黑" pitchFamily="34" charset="-122"/>
-                <a:sym typeface="微软雅黑" pitchFamily="34" charset="-122"/>
+                <a:latin typeface="微软雅黑" panose="020B0503020204020204" pitchFamily="34" charset="-122"/>
+                <a:ea typeface="微软雅黑" panose="020B0503020204020204" pitchFamily="34" charset="-122"/>
+                <a:sym typeface="微软雅黑" panose="020B0503020204020204" pitchFamily="34" charset="-122"/>
               </a:rPr>
               <a:t>动画名称（关键帧名称）</a:t>
             </a:r>
+            <a:endParaRPr lang="zh-CN" altLang="en-US" sz="2600" dirty="0" smtClean="0">
+              <a:solidFill>
+                <a:srgbClr val="3F3F3F"/>
+              </a:solidFill>
+              <a:latin typeface="微软雅黑" panose="020B0503020204020204" pitchFamily="34" charset="-122"/>
+              <a:ea typeface="微软雅黑" panose="020B0503020204020204" pitchFamily="34" charset="-122"/>
+              <a:sym typeface="微软雅黑" panose="020B0503020204020204" pitchFamily="34" charset="-122"/>
+            </a:endParaRPr>
           </a:p>
           <a:p>
             <a:pPr marL="1200150" lvl="3" indent="-342900">
-              <a:buFont typeface="Arial" pitchFamily="34" charset="0"/>
+              <a:buFont typeface="Arial" panose="020B0604020202020204" pitchFamily="34" charset="0"/>
               <a:buChar char="–"/>
             </a:pPr>
             <a:r>
@@ -6013,9 +5847,9 @@
                 <a:solidFill>
                   <a:srgbClr val="3F3F3F"/>
                 </a:solidFill>
-                <a:latin typeface="微软雅黑" pitchFamily="34" charset="-122"/>
-                <a:ea typeface="微软雅黑" pitchFamily="34" charset="-122"/>
-                <a:sym typeface="微软雅黑" pitchFamily="34" charset="-122"/>
+                <a:latin typeface="微软雅黑" panose="020B0503020204020204" pitchFamily="34" charset="-122"/>
+                <a:ea typeface="微软雅黑" panose="020B0503020204020204" pitchFamily="34" charset="-122"/>
+                <a:sym typeface="微软雅黑" panose="020B0503020204020204" pitchFamily="34" charset="-122"/>
               </a:rPr>
               <a:t>animation-duration        </a:t>
             </a:r>
@@ -6024,9 +5858,9 @@
                 <a:solidFill>
                   <a:srgbClr val="3F3F3F"/>
                 </a:solidFill>
-                <a:latin typeface="微软雅黑" pitchFamily="34" charset="-122"/>
-                <a:ea typeface="微软雅黑" pitchFamily="34" charset="-122"/>
-                <a:sym typeface="微软雅黑" pitchFamily="34" charset="-122"/>
+                <a:latin typeface="微软雅黑" panose="020B0503020204020204" pitchFamily="34" charset="-122"/>
+                <a:ea typeface="微软雅黑" panose="020B0503020204020204" pitchFamily="34" charset="-122"/>
+                <a:sym typeface="微软雅黑" panose="020B0503020204020204" pitchFamily="34" charset="-122"/>
               </a:rPr>
               <a:t>动画执行时间</a:t>
             </a:r>
@@ -6034,9 +5868,9 @@
               <a:solidFill>
                 <a:srgbClr val="3F3F3F"/>
               </a:solidFill>
-              <a:latin typeface="微软雅黑" pitchFamily="34" charset="-122"/>
-              <a:ea typeface="微软雅黑" pitchFamily="34" charset="-122"/>
-              <a:sym typeface="微软雅黑" pitchFamily="34" charset="-122"/>
+              <a:latin typeface="微软雅黑" panose="020B0503020204020204" pitchFamily="34" charset="-122"/>
+              <a:ea typeface="微软雅黑" panose="020B0503020204020204" pitchFamily="34" charset="-122"/>
+              <a:sym typeface="微软雅黑" panose="020B0503020204020204" pitchFamily="34" charset="-122"/>
             </a:endParaRPr>
           </a:p>
           <a:p>
@@ -6048,9 +5882,9 @@
                 <a:solidFill>
                   <a:srgbClr val="3F3F3F"/>
                 </a:solidFill>
-                <a:latin typeface="微软雅黑" pitchFamily="34" charset="-122"/>
-                <a:ea typeface="微软雅黑" pitchFamily="34" charset="-122"/>
-                <a:sym typeface="微软雅黑" pitchFamily="34" charset="-122"/>
+                <a:latin typeface="微软雅黑" panose="020B0503020204020204" pitchFamily="34" charset="-122"/>
+                <a:ea typeface="微软雅黑" panose="020B0503020204020204" pitchFamily="34" charset="-122"/>
+                <a:sym typeface="微软雅黑" panose="020B0503020204020204" pitchFamily="34" charset="-122"/>
               </a:rPr>
               <a:t>		 </a:t>
             </a:r>
@@ -6059,9 +5893,9 @@
                 <a:solidFill>
                   <a:srgbClr val="3F3F3F"/>
                 </a:solidFill>
-                <a:latin typeface="微软雅黑" pitchFamily="34" charset="-122"/>
-                <a:ea typeface="微软雅黑" pitchFamily="34" charset="-122"/>
-                <a:sym typeface="微软雅黑" pitchFamily="34" charset="-122"/>
+                <a:latin typeface="微软雅黑" panose="020B0503020204020204" pitchFamily="34" charset="-122"/>
+                <a:ea typeface="微软雅黑" panose="020B0503020204020204" pitchFamily="34" charset="-122"/>
+                <a:sym typeface="微软雅黑" panose="020B0503020204020204" pitchFamily="34" charset="-122"/>
               </a:rPr>
               <a:t>可选属性</a:t>
             </a:r>
@@ -6069,9 +5903,9 @@
               <a:solidFill>
                 <a:srgbClr val="3F3F3F"/>
               </a:solidFill>
-              <a:latin typeface="微软雅黑" pitchFamily="34" charset="-122"/>
-              <a:ea typeface="微软雅黑" pitchFamily="34" charset="-122"/>
-              <a:sym typeface="微软雅黑" pitchFamily="34" charset="-122"/>
+              <a:latin typeface="微软雅黑" panose="020B0503020204020204" pitchFamily="34" charset="-122"/>
+              <a:ea typeface="微软雅黑" panose="020B0503020204020204" pitchFamily="34" charset="-122"/>
+              <a:sym typeface="微软雅黑" panose="020B0503020204020204" pitchFamily="34" charset="-122"/>
             </a:endParaRPr>
           </a:p>
           <a:p>
@@ -6083,52 +5917,24 @@
                 <a:solidFill>
                   <a:srgbClr val="3F3F3F"/>
                 </a:solidFill>
-                <a:latin typeface="微软雅黑" pitchFamily="34" charset="-122"/>
-                <a:ea typeface="微软雅黑" pitchFamily="34" charset="-122"/>
-                <a:sym typeface="微软雅黑" pitchFamily="34" charset="-122"/>
+                <a:latin typeface="微软雅黑" panose="020B0503020204020204" pitchFamily="34" charset="-122"/>
+                <a:ea typeface="微软雅黑" panose="020B0503020204020204" pitchFamily="34" charset="-122"/>
+                <a:sym typeface="微软雅黑" panose="020B0503020204020204" pitchFamily="34" charset="-122"/>
               </a:rPr>
               <a:t>			 animation-timing-function</a:t>
-            </a:r>
-          </a:p>
-          <a:p>
-            <a:pPr marL="1200150" lvl="3" indent="-342900">
-              <a:buFont typeface="Arial" pitchFamily="34" charset="0"/>
-              <a:buChar char="–"/>
-            </a:pPr>
-            <a:r>
-              <a:rPr lang="en-US" altLang="zh-CN" sz="2600" dirty="0" smtClean="0">
-                <a:solidFill>
-                  <a:srgbClr val="3F3F3F"/>
-                </a:solidFill>
-                <a:latin typeface="微软雅黑" pitchFamily="34" charset="-122"/>
-                <a:ea typeface="微软雅黑" pitchFamily="34" charset="-122"/>
-                <a:sym typeface="微软雅黑" pitchFamily="34" charset="-122"/>
-              </a:rPr>
-              <a:t>linear</a:t>
-            </a:r>
-            <a:r>
-              <a:rPr lang="zh-CN" altLang="en-US" sz="2600" dirty="0" smtClean="0">
-                <a:solidFill>
-                  <a:srgbClr val="3F3F3F"/>
-                </a:solidFill>
-                <a:latin typeface="微软雅黑" pitchFamily="34" charset="-122"/>
-                <a:ea typeface="微软雅黑" pitchFamily="34" charset="-122"/>
-                <a:sym typeface="微软雅黑" pitchFamily="34" charset="-122"/>
-              </a:rPr>
-              <a:t>	匀速。</a:t>
             </a:r>
             <a:endParaRPr lang="en-US" altLang="zh-CN" sz="2600" dirty="0" smtClean="0">
               <a:solidFill>
                 <a:srgbClr val="3F3F3F"/>
               </a:solidFill>
-              <a:latin typeface="微软雅黑" pitchFamily="34" charset="-122"/>
-              <a:ea typeface="微软雅黑" pitchFamily="34" charset="-122"/>
-              <a:sym typeface="微软雅黑" pitchFamily="34" charset="-122"/>
+              <a:latin typeface="微软雅黑" panose="020B0503020204020204" pitchFamily="34" charset="-122"/>
+              <a:ea typeface="微软雅黑" panose="020B0503020204020204" pitchFamily="34" charset="-122"/>
+              <a:sym typeface="微软雅黑" panose="020B0503020204020204" pitchFamily="34" charset="-122"/>
             </a:endParaRPr>
           </a:p>
           <a:p>
             <a:pPr marL="1200150" lvl="3" indent="-342900">
-              <a:buFont typeface="Arial" pitchFamily="34" charset="0"/>
+              <a:buFont typeface="Arial" panose="020B0604020202020204" pitchFamily="34" charset="0"/>
               <a:buChar char="–"/>
             </a:pPr>
             <a:r>
@@ -6136,35 +5942,35 @@
                 <a:solidFill>
                   <a:srgbClr val="3F3F3F"/>
                 </a:solidFill>
-                <a:latin typeface="微软雅黑" pitchFamily="34" charset="-122"/>
-                <a:ea typeface="微软雅黑" pitchFamily="34" charset="-122"/>
-                <a:sym typeface="微软雅黑" pitchFamily="34" charset="-122"/>
-              </a:rPr>
-              <a:t>ease</a:t>
+                <a:latin typeface="微软雅黑" panose="020B0503020204020204" pitchFamily="34" charset="-122"/>
+                <a:ea typeface="微软雅黑" panose="020B0503020204020204" pitchFamily="34" charset="-122"/>
+                <a:sym typeface="微软雅黑" panose="020B0503020204020204" pitchFamily="34" charset="-122"/>
+              </a:rPr>
+              <a:t>linear</a:t>
             </a:r>
             <a:r>
               <a:rPr lang="zh-CN" altLang="en-US" sz="2600" dirty="0" smtClean="0">
                 <a:solidFill>
                   <a:srgbClr val="3F3F3F"/>
                 </a:solidFill>
-                <a:latin typeface="微软雅黑" pitchFamily="34" charset="-122"/>
-                <a:ea typeface="微软雅黑" pitchFamily="34" charset="-122"/>
-                <a:sym typeface="微软雅黑" pitchFamily="34" charset="-122"/>
-              </a:rPr>
-              <a:t>		缓冲。</a:t>
+                <a:latin typeface="微软雅黑" panose="020B0503020204020204" pitchFamily="34" charset="-122"/>
+                <a:ea typeface="微软雅黑" panose="020B0503020204020204" pitchFamily="34" charset="-122"/>
+                <a:sym typeface="微软雅黑" panose="020B0503020204020204" pitchFamily="34" charset="-122"/>
+              </a:rPr>
+              <a:t>	匀速。</a:t>
             </a:r>
             <a:endParaRPr lang="en-US" altLang="zh-CN" sz="2600" dirty="0" smtClean="0">
               <a:solidFill>
                 <a:srgbClr val="3F3F3F"/>
               </a:solidFill>
-              <a:latin typeface="微软雅黑" pitchFamily="34" charset="-122"/>
-              <a:ea typeface="微软雅黑" pitchFamily="34" charset="-122"/>
-              <a:sym typeface="微软雅黑" pitchFamily="34" charset="-122"/>
+              <a:latin typeface="微软雅黑" panose="020B0503020204020204" pitchFamily="34" charset="-122"/>
+              <a:ea typeface="微软雅黑" panose="020B0503020204020204" pitchFamily="34" charset="-122"/>
+              <a:sym typeface="微软雅黑" panose="020B0503020204020204" pitchFamily="34" charset="-122"/>
             </a:endParaRPr>
           </a:p>
           <a:p>
             <a:pPr marL="1200150" lvl="3" indent="-342900">
-              <a:buFont typeface="Arial" pitchFamily="34" charset="0"/>
+              <a:buFont typeface="Arial" panose="020B0604020202020204" pitchFamily="34" charset="0"/>
               <a:buChar char="–"/>
             </a:pPr>
             <a:r>
@@ -6172,35 +5978,35 @@
                 <a:solidFill>
                   <a:srgbClr val="3F3F3F"/>
                 </a:solidFill>
-                <a:latin typeface="微软雅黑" pitchFamily="34" charset="-122"/>
-                <a:ea typeface="微软雅黑" pitchFamily="34" charset="-122"/>
-                <a:sym typeface="微软雅黑" pitchFamily="34" charset="-122"/>
-              </a:rPr>
-              <a:t>ease-in</a:t>
+                <a:latin typeface="微软雅黑" panose="020B0503020204020204" pitchFamily="34" charset="-122"/>
+                <a:ea typeface="微软雅黑" panose="020B0503020204020204" pitchFamily="34" charset="-122"/>
+                <a:sym typeface="微软雅黑" panose="020B0503020204020204" pitchFamily="34" charset="-122"/>
+              </a:rPr>
+              <a:t>ease</a:t>
             </a:r>
             <a:r>
               <a:rPr lang="zh-CN" altLang="en-US" sz="2600" dirty="0" smtClean="0">
                 <a:solidFill>
                   <a:srgbClr val="3F3F3F"/>
                 </a:solidFill>
-                <a:latin typeface="微软雅黑" pitchFamily="34" charset="-122"/>
-                <a:ea typeface="微软雅黑" pitchFamily="34" charset="-122"/>
-                <a:sym typeface="微软雅黑" pitchFamily="34" charset="-122"/>
-              </a:rPr>
-              <a:t>	由慢到快。</a:t>
+                <a:latin typeface="微软雅黑" panose="020B0503020204020204" pitchFamily="34" charset="-122"/>
+                <a:ea typeface="微软雅黑" panose="020B0503020204020204" pitchFamily="34" charset="-122"/>
+                <a:sym typeface="微软雅黑" panose="020B0503020204020204" pitchFamily="34" charset="-122"/>
+              </a:rPr>
+              <a:t>		缓冲。</a:t>
             </a:r>
             <a:endParaRPr lang="en-US" altLang="zh-CN" sz="2600" dirty="0" smtClean="0">
               <a:solidFill>
                 <a:srgbClr val="3F3F3F"/>
               </a:solidFill>
-              <a:latin typeface="微软雅黑" pitchFamily="34" charset="-122"/>
-              <a:ea typeface="微软雅黑" pitchFamily="34" charset="-122"/>
-              <a:sym typeface="微软雅黑" pitchFamily="34" charset="-122"/>
+              <a:latin typeface="微软雅黑" panose="020B0503020204020204" pitchFamily="34" charset="-122"/>
+              <a:ea typeface="微软雅黑" panose="020B0503020204020204" pitchFamily="34" charset="-122"/>
+              <a:sym typeface="微软雅黑" panose="020B0503020204020204" pitchFamily="34" charset="-122"/>
             </a:endParaRPr>
           </a:p>
           <a:p>
             <a:pPr marL="1200150" lvl="3" indent="-342900">
-              <a:buFont typeface="Arial" pitchFamily="34" charset="0"/>
+              <a:buFont typeface="Arial" panose="020B0604020202020204" pitchFamily="34" charset="0"/>
               <a:buChar char="–"/>
             </a:pPr>
             <a:r>
@@ -6208,35 +6014,35 @@
                 <a:solidFill>
                   <a:srgbClr val="3F3F3F"/>
                 </a:solidFill>
-                <a:latin typeface="微软雅黑" pitchFamily="34" charset="-122"/>
-                <a:ea typeface="微软雅黑" pitchFamily="34" charset="-122"/>
-                <a:sym typeface="微软雅黑" pitchFamily="34" charset="-122"/>
-              </a:rPr>
-              <a:t>ease-out</a:t>
+                <a:latin typeface="微软雅黑" panose="020B0503020204020204" pitchFamily="34" charset="-122"/>
+                <a:ea typeface="微软雅黑" panose="020B0503020204020204" pitchFamily="34" charset="-122"/>
+                <a:sym typeface="微软雅黑" panose="020B0503020204020204" pitchFamily="34" charset="-122"/>
+              </a:rPr>
+              <a:t>ease-in</a:t>
             </a:r>
             <a:r>
               <a:rPr lang="zh-CN" altLang="en-US" sz="2600" dirty="0" smtClean="0">
                 <a:solidFill>
                   <a:srgbClr val="3F3F3F"/>
                 </a:solidFill>
-                <a:latin typeface="微软雅黑" pitchFamily="34" charset="-122"/>
-                <a:ea typeface="微软雅黑" pitchFamily="34" charset="-122"/>
-                <a:sym typeface="微软雅黑" pitchFamily="34" charset="-122"/>
-              </a:rPr>
-              <a:t>	由快到慢。</a:t>
+                <a:latin typeface="微软雅黑" panose="020B0503020204020204" pitchFamily="34" charset="-122"/>
+                <a:ea typeface="微软雅黑" panose="020B0503020204020204" pitchFamily="34" charset="-122"/>
+                <a:sym typeface="微软雅黑" panose="020B0503020204020204" pitchFamily="34" charset="-122"/>
+              </a:rPr>
+              <a:t>	由慢到快。</a:t>
             </a:r>
             <a:endParaRPr lang="en-US" altLang="zh-CN" sz="2600" dirty="0" smtClean="0">
               <a:solidFill>
                 <a:srgbClr val="3F3F3F"/>
               </a:solidFill>
-              <a:latin typeface="微软雅黑" pitchFamily="34" charset="-122"/>
-              <a:ea typeface="微软雅黑" pitchFamily="34" charset="-122"/>
-              <a:sym typeface="微软雅黑" pitchFamily="34" charset="-122"/>
+              <a:latin typeface="微软雅黑" panose="020B0503020204020204" pitchFamily="34" charset="-122"/>
+              <a:ea typeface="微软雅黑" panose="020B0503020204020204" pitchFamily="34" charset="-122"/>
+              <a:sym typeface="微软雅黑" panose="020B0503020204020204" pitchFamily="34" charset="-122"/>
             </a:endParaRPr>
           </a:p>
           <a:p>
             <a:pPr marL="1200150" lvl="3" indent="-342900">
-              <a:buFont typeface="Arial" pitchFamily="34" charset="0"/>
+              <a:buFont typeface="Arial" panose="020B0604020202020204" pitchFamily="34" charset="0"/>
               <a:buChar char="–"/>
             </a:pPr>
             <a:r>
@@ -6244,35 +6050,35 @@
                 <a:solidFill>
                   <a:srgbClr val="3F3F3F"/>
                 </a:solidFill>
-                <a:latin typeface="微软雅黑" pitchFamily="34" charset="-122"/>
-                <a:ea typeface="微软雅黑" pitchFamily="34" charset="-122"/>
-                <a:sym typeface="微软雅黑" pitchFamily="34" charset="-122"/>
-              </a:rPr>
-              <a:t>ease-in-out</a:t>
+                <a:latin typeface="微软雅黑" panose="020B0503020204020204" pitchFamily="34" charset="-122"/>
+                <a:ea typeface="微软雅黑" panose="020B0503020204020204" pitchFamily="34" charset="-122"/>
+                <a:sym typeface="微软雅黑" panose="020B0503020204020204" pitchFamily="34" charset="-122"/>
+              </a:rPr>
+              <a:t>ease-out</a:t>
             </a:r>
             <a:r>
               <a:rPr lang="zh-CN" altLang="en-US" sz="2600" dirty="0" smtClean="0">
                 <a:solidFill>
                   <a:srgbClr val="3F3F3F"/>
                 </a:solidFill>
-                <a:latin typeface="微软雅黑" pitchFamily="34" charset="-122"/>
-                <a:ea typeface="微软雅黑" pitchFamily="34" charset="-122"/>
-                <a:sym typeface="微软雅黑" pitchFamily="34" charset="-122"/>
-              </a:rPr>
-              <a:t>	由慢到快再到慢。</a:t>
+                <a:latin typeface="微软雅黑" panose="020B0503020204020204" pitchFamily="34" charset="-122"/>
+                <a:ea typeface="微软雅黑" panose="020B0503020204020204" pitchFamily="34" charset="-122"/>
+                <a:sym typeface="微软雅黑" panose="020B0503020204020204" pitchFamily="34" charset="-122"/>
+              </a:rPr>
+              <a:t>	由快到慢。</a:t>
             </a:r>
             <a:endParaRPr lang="en-US" altLang="zh-CN" sz="2600" dirty="0" smtClean="0">
               <a:solidFill>
                 <a:srgbClr val="3F3F3F"/>
               </a:solidFill>
-              <a:latin typeface="微软雅黑" pitchFamily="34" charset="-122"/>
-              <a:ea typeface="微软雅黑" pitchFamily="34" charset="-122"/>
-              <a:sym typeface="微软雅黑" pitchFamily="34" charset="-122"/>
+              <a:latin typeface="微软雅黑" panose="020B0503020204020204" pitchFamily="34" charset="-122"/>
+              <a:ea typeface="微软雅黑" panose="020B0503020204020204" pitchFamily="34" charset="-122"/>
+              <a:sym typeface="微软雅黑" panose="020B0503020204020204" pitchFamily="34" charset="-122"/>
             </a:endParaRPr>
           </a:p>
           <a:p>
             <a:pPr marL="1200150" lvl="3" indent="-342900">
-              <a:buFont typeface="Arial" pitchFamily="34" charset="0"/>
+              <a:buFont typeface="Arial" panose="020B0604020202020204" pitchFamily="34" charset="0"/>
               <a:buChar char="–"/>
             </a:pPr>
             <a:r>
@@ -6280,120 +6086,156 @@
                 <a:solidFill>
                   <a:srgbClr val="3F3F3F"/>
                 </a:solidFill>
-                <a:latin typeface="微软雅黑" pitchFamily="34" charset="-122"/>
-                <a:ea typeface="微软雅黑" pitchFamily="34" charset="-122"/>
-                <a:sym typeface="微软雅黑" pitchFamily="34" charset="-122"/>
-              </a:rPr>
-              <a:t>cubic-</a:t>
-            </a:r>
-            <a:r>
-              <a:rPr lang="en-US" altLang="zh-CN" sz="2600" dirty="0" err="1" smtClean="0">
-                <a:solidFill>
-                  <a:srgbClr val="3F3F3F"/>
-                </a:solidFill>
-                <a:latin typeface="微软雅黑" pitchFamily="34" charset="-122"/>
-                <a:ea typeface="微软雅黑" pitchFamily="34" charset="-122"/>
-                <a:sym typeface="微软雅黑" pitchFamily="34" charset="-122"/>
-              </a:rPr>
-              <a:t>bezier</a:t>
-            </a:r>
-            <a:r>
-              <a:rPr lang="en-US" altLang="zh-CN" sz="2600" dirty="0" smtClean="0">
-                <a:solidFill>
-                  <a:srgbClr val="3F3F3F"/>
-                </a:solidFill>
-                <a:latin typeface="微软雅黑" pitchFamily="34" charset="-122"/>
-                <a:ea typeface="微软雅黑" pitchFamily="34" charset="-122"/>
-                <a:sym typeface="微软雅黑" pitchFamily="34" charset="-122"/>
-              </a:rPr>
-              <a:t>(number, number, number, number)</a:t>
+                <a:latin typeface="微软雅黑" panose="020B0503020204020204" pitchFamily="34" charset="-122"/>
+                <a:ea typeface="微软雅黑" panose="020B0503020204020204" pitchFamily="34" charset="-122"/>
+                <a:sym typeface="微软雅黑" panose="020B0503020204020204" pitchFamily="34" charset="-122"/>
+              </a:rPr>
+              <a:t>ease-in-out</a:t>
             </a:r>
             <a:r>
               <a:rPr lang="zh-CN" altLang="en-US" sz="2600" dirty="0" smtClean="0">
                 <a:solidFill>
                   <a:srgbClr val="3F3F3F"/>
                 </a:solidFill>
-                <a:latin typeface="微软雅黑" pitchFamily="34" charset="-122"/>
-                <a:ea typeface="微软雅黑" pitchFamily="34" charset="-122"/>
-                <a:sym typeface="微软雅黑" pitchFamily="34" charset="-122"/>
-              </a:rPr>
-              <a:t>：</a:t>
+                <a:latin typeface="微软雅黑" panose="020B0503020204020204" pitchFamily="34" charset="-122"/>
+                <a:ea typeface="微软雅黑" panose="020B0503020204020204" pitchFamily="34" charset="-122"/>
+                <a:sym typeface="微软雅黑" panose="020B0503020204020204" pitchFamily="34" charset="-122"/>
+              </a:rPr>
+              <a:t>	由慢到快再到慢。</a:t>
             </a:r>
             <a:endParaRPr lang="en-US" altLang="zh-CN" sz="2600" dirty="0" smtClean="0">
               <a:solidFill>
                 <a:srgbClr val="3F3F3F"/>
               </a:solidFill>
-              <a:latin typeface="微软雅黑" pitchFamily="34" charset="-122"/>
-              <a:ea typeface="微软雅黑" pitchFamily="34" charset="-122"/>
-              <a:sym typeface="微软雅黑" pitchFamily="34" charset="-122"/>
+              <a:latin typeface="微软雅黑" panose="020B0503020204020204" pitchFamily="34" charset="-122"/>
+              <a:ea typeface="微软雅黑" panose="020B0503020204020204" pitchFamily="34" charset="-122"/>
+              <a:sym typeface="微软雅黑" panose="020B0503020204020204" pitchFamily="34" charset="-122"/>
             </a:endParaRPr>
           </a:p>
           <a:p>
             <a:pPr marL="1200150" lvl="3" indent="-342900">
-              <a:buNone/>
+              <a:buFont typeface="Arial" panose="020B0604020202020204" pitchFamily="34" charset="0"/>
+              <a:buChar char="–"/>
             </a:pPr>
             <a:r>
+              <a:rPr lang="en-US" altLang="zh-CN" sz="2600" dirty="0" smtClean="0">
+                <a:solidFill>
+                  <a:srgbClr val="3F3F3F"/>
+                </a:solidFill>
+                <a:latin typeface="微软雅黑" panose="020B0503020204020204" pitchFamily="34" charset="-122"/>
+                <a:ea typeface="微软雅黑" panose="020B0503020204020204" pitchFamily="34" charset="-122"/>
+                <a:sym typeface="微软雅黑" panose="020B0503020204020204" pitchFamily="34" charset="-122"/>
+              </a:rPr>
+              <a:t>cubic-</a:t>
+            </a:r>
+            <a:r>
+              <a:rPr lang="en-US" altLang="zh-CN" sz="2600" dirty="0" err="1" smtClean="0">
+                <a:solidFill>
+                  <a:srgbClr val="3F3F3F"/>
+                </a:solidFill>
+                <a:latin typeface="微软雅黑" panose="020B0503020204020204" pitchFamily="34" charset="-122"/>
+                <a:ea typeface="微软雅黑" panose="020B0503020204020204" pitchFamily="34" charset="-122"/>
+                <a:sym typeface="微软雅黑" panose="020B0503020204020204" pitchFamily="34" charset="-122"/>
+              </a:rPr>
+              <a:t>bezier</a:t>
+            </a:r>
+            <a:r>
+              <a:rPr lang="en-US" altLang="zh-CN" sz="2600" dirty="0" smtClean="0">
+                <a:solidFill>
+                  <a:srgbClr val="3F3F3F"/>
+                </a:solidFill>
+                <a:latin typeface="微软雅黑" panose="020B0503020204020204" pitchFamily="34" charset="-122"/>
+                <a:ea typeface="微软雅黑" panose="020B0503020204020204" pitchFamily="34" charset="-122"/>
+                <a:sym typeface="微软雅黑" panose="020B0503020204020204" pitchFamily="34" charset="-122"/>
+              </a:rPr>
+              <a:t>(number, number, number, number)</a:t>
+            </a:r>
+            <a:r>
               <a:rPr lang="zh-CN" altLang="en-US" sz="2600" dirty="0" smtClean="0">
                 <a:solidFill>
                   <a:srgbClr val="3F3F3F"/>
                 </a:solidFill>
-                <a:latin typeface="微软雅黑" pitchFamily="34" charset="-122"/>
-                <a:ea typeface="微软雅黑" pitchFamily="34" charset="-122"/>
-                <a:sym typeface="微软雅黑" pitchFamily="34" charset="-122"/>
-              </a:rPr>
-              <a:t>	特定的贝塞尔曲线类型，</a:t>
-            </a:r>
-            <a:r>
-              <a:rPr lang="en-US" altLang="zh-CN" sz="2600" dirty="0" smtClean="0">
-                <a:solidFill>
-                  <a:srgbClr val="3F3F3F"/>
-                </a:solidFill>
-                <a:latin typeface="微软雅黑" pitchFamily="34" charset="-122"/>
-                <a:ea typeface="微软雅黑" pitchFamily="34" charset="-122"/>
-                <a:sym typeface="微软雅黑" pitchFamily="34" charset="-122"/>
-              </a:rPr>
-              <a:t>4</a:t>
-            </a:r>
-            <a:r>
-              <a:rPr lang="zh-CN" altLang="en-US" sz="2600" dirty="0" smtClean="0">
-                <a:solidFill>
-                  <a:srgbClr val="3F3F3F"/>
-                </a:solidFill>
-                <a:latin typeface="微软雅黑" pitchFamily="34" charset="-122"/>
-                <a:ea typeface="微软雅黑" pitchFamily="34" charset="-122"/>
-                <a:sym typeface="微软雅黑" pitchFamily="34" charset="-122"/>
-              </a:rPr>
-              <a:t>个数值需在</a:t>
-            </a:r>
-            <a:r>
-              <a:rPr lang="en-US" altLang="zh-CN" sz="2600" dirty="0" smtClean="0">
-                <a:solidFill>
-                  <a:srgbClr val="3F3F3F"/>
-                </a:solidFill>
-                <a:latin typeface="微软雅黑" pitchFamily="34" charset="-122"/>
-                <a:ea typeface="微软雅黑" pitchFamily="34" charset="-122"/>
-                <a:sym typeface="微软雅黑" pitchFamily="34" charset="-122"/>
-              </a:rPr>
-              <a:t>[0, 1]</a:t>
-            </a:r>
-            <a:r>
-              <a:rPr lang="zh-CN" altLang="en-US" sz="2600" dirty="0" smtClean="0">
-                <a:solidFill>
-                  <a:srgbClr val="3F3F3F"/>
-                </a:solidFill>
-                <a:latin typeface="微软雅黑" pitchFamily="34" charset="-122"/>
-                <a:ea typeface="微软雅黑" pitchFamily="34" charset="-122"/>
-                <a:sym typeface="微软雅黑" pitchFamily="34" charset="-122"/>
-              </a:rPr>
-              <a:t>区间内</a:t>
+                <a:latin typeface="微软雅黑" panose="020B0503020204020204" pitchFamily="34" charset="-122"/>
+                <a:ea typeface="微软雅黑" panose="020B0503020204020204" pitchFamily="34" charset="-122"/>
+                <a:sym typeface="微软雅黑" panose="020B0503020204020204" pitchFamily="34" charset="-122"/>
+              </a:rPr>
+              <a:t>：</a:t>
             </a:r>
             <a:endParaRPr lang="en-US" altLang="zh-CN" sz="2600" dirty="0" smtClean="0">
               <a:solidFill>
                 <a:srgbClr val="3F3F3F"/>
               </a:solidFill>
-              <a:latin typeface="微软雅黑" pitchFamily="34" charset="-122"/>
-              <a:ea typeface="微软雅黑" pitchFamily="34" charset="-122"/>
-              <a:sym typeface="微软雅黑" pitchFamily="34" charset="-122"/>
+              <a:latin typeface="微软雅黑" panose="020B0503020204020204" pitchFamily="34" charset="-122"/>
+              <a:ea typeface="微软雅黑" panose="020B0503020204020204" pitchFamily="34" charset="-122"/>
+              <a:sym typeface="微软雅黑" panose="020B0503020204020204" pitchFamily="34" charset="-122"/>
+            </a:endParaRPr>
+          </a:p>
+          <a:p>
+            <a:pPr marL="1200150" lvl="3" indent="-342900">
+              <a:buNone/>
+            </a:pPr>
+            <a:r>
+              <a:rPr lang="zh-CN" altLang="en-US" sz="2600" dirty="0" smtClean="0">
+                <a:solidFill>
+                  <a:srgbClr val="3F3F3F"/>
+                </a:solidFill>
+                <a:latin typeface="微软雅黑" panose="020B0503020204020204" pitchFamily="34" charset="-122"/>
+                <a:ea typeface="微软雅黑" panose="020B0503020204020204" pitchFamily="34" charset="-122"/>
+                <a:sym typeface="微软雅黑" panose="020B0503020204020204" pitchFamily="34" charset="-122"/>
+              </a:rPr>
+              <a:t>	特定的贝塞尔曲线类型，</a:t>
+            </a:r>
+            <a:r>
+              <a:rPr lang="en-US" altLang="zh-CN" sz="2600" dirty="0" smtClean="0">
+                <a:solidFill>
+                  <a:srgbClr val="3F3F3F"/>
+                </a:solidFill>
+                <a:latin typeface="微软雅黑" panose="020B0503020204020204" pitchFamily="34" charset="-122"/>
+                <a:ea typeface="微软雅黑" panose="020B0503020204020204" pitchFamily="34" charset="-122"/>
+                <a:sym typeface="微软雅黑" panose="020B0503020204020204" pitchFamily="34" charset="-122"/>
+              </a:rPr>
+              <a:t>4</a:t>
+            </a:r>
+            <a:r>
+              <a:rPr lang="zh-CN" altLang="en-US" sz="2600" dirty="0" smtClean="0">
+                <a:solidFill>
+                  <a:srgbClr val="3F3F3F"/>
+                </a:solidFill>
+                <a:latin typeface="微软雅黑" panose="020B0503020204020204" pitchFamily="34" charset="-122"/>
+                <a:ea typeface="微软雅黑" panose="020B0503020204020204" pitchFamily="34" charset="-122"/>
+                <a:sym typeface="微软雅黑" panose="020B0503020204020204" pitchFamily="34" charset="-122"/>
+              </a:rPr>
+              <a:t>个数值需在</a:t>
+            </a:r>
+            <a:r>
+              <a:rPr lang="en-US" altLang="zh-CN" sz="2600" dirty="0" smtClean="0">
+                <a:solidFill>
+                  <a:srgbClr val="3F3F3F"/>
+                </a:solidFill>
+                <a:latin typeface="微软雅黑" panose="020B0503020204020204" pitchFamily="34" charset="-122"/>
+                <a:ea typeface="微软雅黑" panose="020B0503020204020204" pitchFamily="34" charset="-122"/>
+                <a:sym typeface="微软雅黑" panose="020B0503020204020204" pitchFamily="34" charset="-122"/>
+              </a:rPr>
+              <a:t>[0, 1]</a:t>
+            </a:r>
+            <a:r>
+              <a:rPr lang="zh-CN" altLang="en-US" sz="2600" dirty="0" smtClean="0">
+                <a:solidFill>
+                  <a:srgbClr val="3F3F3F"/>
+                </a:solidFill>
+                <a:latin typeface="微软雅黑" panose="020B0503020204020204" pitchFamily="34" charset="-122"/>
+                <a:ea typeface="微软雅黑" panose="020B0503020204020204" pitchFamily="34" charset="-122"/>
+                <a:sym typeface="微软雅黑" panose="020B0503020204020204" pitchFamily="34" charset="-122"/>
+              </a:rPr>
+              <a:t>区间内</a:t>
+            </a:r>
+            <a:endParaRPr lang="en-US" altLang="zh-CN" sz="2600" dirty="0" smtClean="0">
+              <a:solidFill>
+                <a:srgbClr val="3F3F3F"/>
+              </a:solidFill>
+              <a:latin typeface="微软雅黑" panose="020B0503020204020204" pitchFamily="34" charset="-122"/>
+              <a:ea typeface="微软雅黑" panose="020B0503020204020204" pitchFamily="34" charset="-122"/>
+              <a:sym typeface="微软雅黑" panose="020B0503020204020204" pitchFamily="34" charset="-122"/>
             </a:endParaRPr>
           </a:p>
           <a:p>
@@ -6404,9 +6246,9 @@
               <a:solidFill>
                 <a:srgbClr val="3F3F3F"/>
               </a:solidFill>
-              <a:latin typeface="微软雅黑" pitchFamily="34" charset="-122"/>
-              <a:ea typeface="微软雅黑" pitchFamily="34" charset="-122"/>
-              <a:sym typeface="微软雅黑" pitchFamily="34" charset="-122"/>
+              <a:latin typeface="微软雅黑" panose="020B0503020204020204" pitchFamily="34" charset="-122"/>
+              <a:ea typeface="微软雅黑" panose="020B0503020204020204" pitchFamily="34" charset="-122"/>
+              <a:sym typeface="微软雅黑" panose="020B0503020204020204" pitchFamily="34" charset="-122"/>
             </a:endParaRPr>
           </a:p>
           <a:p>
@@ -6418,9 +6260,9 @@
                 <a:solidFill>
                   <a:srgbClr val="3F3F3F"/>
                 </a:solidFill>
-                <a:latin typeface="微软雅黑" pitchFamily="34" charset="-122"/>
-                <a:ea typeface="微软雅黑" pitchFamily="34" charset="-122"/>
-                <a:sym typeface="微软雅黑" pitchFamily="34" charset="-122"/>
+                <a:latin typeface="微软雅黑" panose="020B0503020204020204" pitchFamily="34" charset="-122"/>
+                <a:ea typeface="微软雅黑" panose="020B0503020204020204" pitchFamily="34" charset="-122"/>
+                <a:sym typeface="微软雅黑" panose="020B0503020204020204" pitchFamily="34" charset="-122"/>
               </a:rPr>
               <a:t>		</a:t>
             </a:r>
@@ -6428,43 +6270,13 @@
           </a:p>
         </p:txBody>
       </p:sp>
-      <p:pic>
-        <p:nvPicPr>
-          <p:cNvPr id="4" name="图片 3" descr="logo-new.png"/>
-          <p:cNvPicPr>
-            <a:picLocks noChangeAspect="1"/>
-          </p:cNvPicPr>
-          <p:nvPr/>
-        </p:nvPicPr>
-        <p:blipFill>
-          <a:blip r:embed="rId2">
-            <a:extLst>
-              <a:ext uri="{28A0092B-C50C-407E-A947-70E740481C1C}">
-                <a14:useLocalDpi xmlns:a14="http://schemas.microsoft.com/office/drawing/2010/main" xmlns="" val="0"/>
-              </a:ext>
-            </a:extLst>
-          </a:blip>
-          <a:stretch>
-            <a:fillRect/>
-          </a:stretch>
-        </p:blipFill>
-        <p:spPr>
-          <a:xfrm>
-            <a:off x="6964725" y="5781425"/>
-            <a:ext cx="1743000" cy="900000"/>
-          </a:xfrm>
-          <a:prstGeom prst="rect">
-            <a:avLst/>
-          </a:prstGeom>
-        </p:spPr>
-      </p:pic>
     </p:spTree>
   </p:cSld>
   <p:clrMapOvr>
     <a:masterClrMapping/>
   </p:clrMapOvr>
   <mc:AlternateContent xmlns:mc="http://schemas.openxmlformats.org/markup-compatibility/2006">
-    <mc:Choice xmlns:p14="http://schemas.microsoft.com/office/powerpoint/2010/main" xmlns="" Requires="p14">
+    <mc:Choice xmlns:p14="http://schemas.microsoft.com/office/powerpoint/2010/main" Requires="p14">
       <p:transition spd="med" p14:dur="700">
         <p:fade/>
       </p:transition>
@@ -6553,7 +6365,7 @@
           <a:lstStyle/>
           <a:p>
             <a:pPr marL="342900" lvl="1" indent="-342900">
-              <a:buFont typeface="Arial" pitchFamily="34" charset="0"/>
+              <a:buFont typeface="Arial" panose="020B0604020202020204" pitchFamily="34" charset="0"/>
               <a:buChar char="•"/>
             </a:pPr>
             <a:r>
@@ -6561,9 +6373,9 @@
                 <a:solidFill>
                   <a:srgbClr val="FF0000"/>
                 </a:solidFill>
-                <a:latin typeface="微软雅黑" pitchFamily="34" charset="-122"/>
-                <a:ea typeface="微软雅黑" pitchFamily="34" charset="-122"/>
-                <a:sym typeface="微软雅黑" pitchFamily="34" charset="-122"/>
+                <a:latin typeface="微软雅黑" panose="020B0503020204020204" pitchFamily="34" charset="-122"/>
+                <a:ea typeface="微软雅黑" panose="020B0503020204020204" pitchFamily="34" charset="-122"/>
+                <a:sym typeface="微软雅黑" panose="020B0503020204020204" pitchFamily="34" charset="-122"/>
               </a:rPr>
               <a:t>可选属性</a:t>
             </a:r>
@@ -6571,14 +6383,14 @@
               <a:solidFill>
                 <a:srgbClr val="FF0000"/>
               </a:solidFill>
-              <a:latin typeface="微软雅黑" pitchFamily="34" charset="-122"/>
-              <a:ea typeface="微软雅黑" pitchFamily="34" charset="-122"/>
-              <a:sym typeface="微软雅黑" pitchFamily="34" charset="-122"/>
+              <a:latin typeface="微软雅黑" panose="020B0503020204020204" pitchFamily="34" charset="-122"/>
+              <a:ea typeface="微软雅黑" panose="020B0503020204020204" pitchFamily="34" charset="-122"/>
+              <a:sym typeface="微软雅黑" panose="020B0503020204020204" pitchFamily="34" charset="-122"/>
             </a:endParaRPr>
           </a:p>
           <a:p>
             <a:pPr marL="742950" lvl="2" indent="-342900">
-              <a:buFont typeface="Arial" pitchFamily="34" charset="0"/>
+              <a:buFont typeface="Arial" panose="020B0604020202020204" pitchFamily="34" charset="0"/>
               <a:buChar char="•"/>
             </a:pPr>
             <a:r>
@@ -6586,9 +6398,9 @@
                 <a:solidFill>
                   <a:srgbClr val="3F3F3F"/>
                 </a:solidFill>
-                <a:latin typeface="微软雅黑" pitchFamily="34" charset="-122"/>
-                <a:ea typeface="微软雅黑" pitchFamily="34" charset="-122"/>
-                <a:sym typeface="微软雅黑" pitchFamily="34" charset="-122"/>
+                <a:latin typeface="微软雅黑" panose="020B0503020204020204" pitchFamily="34" charset="-122"/>
+                <a:ea typeface="微软雅黑" panose="020B0503020204020204" pitchFamily="34" charset="-122"/>
+                <a:sym typeface="微软雅黑" panose="020B0503020204020204" pitchFamily="34" charset="-122"/>
               </a:rPr>
               <a:t>animation-delay			</a:t>
             </a:r>
@@ -6597,9 +6409,9 @@
                 <a:solidFill>
                   <a:srgbClr val="3F3F3F"/>
                 </a:solidFill>
-                <a:latin typeface="微软雅黑" pitchFamily="34" charset="-122"/>
-                <a:ea typeface="微软雅黑" pitchFamily="34" charset="-122"/>
-                <a:sym typeface="微软雅黑" pitchFamily="34" charset="-122"/>
+                <a:latin typeface="微软雅黑" panose="020B0503020204020204" pitchFamily="34" charset="-122"/>
+                <a:ea typeface="微软雅黑" panose="020B0503020204020204" pitchFamily="34" charset="-122"/>
+                <a:sym typeface="微软雅黑" panose="020B0503020204020204" pitchFamily="34" charset="-122"/>
               </a:rPr>
               <a:t>动画延迟</a:t>
             </a:r>
@@ -6607,14 +6419,14 @@
               <a:solidFill>
                 <a:srgbClr val="3F3F3F"/>
               </a:solidFill>
-              <a:latin typeface="微软雅黑" pitchFamily="34" charset="-122"/>
-              <a:ea typeface="微软雅黑" pitchFamily="34" charset="-122"/>
-              <a:sym typeface="微软雅黑" pitchFamily="34" charset="-122"/>
+              <a:latin typeface="微软雅黑" panose="020B0503020204020204" pitchFamily="34" charset="-122"/>
+              <a:ea typeface="微软雅黑" panose="020B0503020204020204" pitchFamily="34" charset="-122"/>
+              <a:sym typeface="微软雅黑" panose="020B0503020204020204" pitchFamily="34" charset="-122"/>
             </a:endParaRPr>
           </a:p>
           <a:p>
             <a:pPr marL="742950" lvl="2" indent="-342900">
-              <a:buFont typeface="Arial" pitchFamily="34" charset="0"/>
+              <a:buFont typeface="Arial" panose="020B0604020202020204" pitchFamily="34" charset="0"/>
               <a:buChar char="•"/>
             </a:pPr>
             <a:r>
@@ -6622,9 +6434,9 @@
                 <a:solidFill>
                   <a:srgbClr val="3F3F3F"/>
                 </a:solidFill>
-                <a:latin typeface="微软雅黑" pitchFamily="34" charset="-122"/>
-                <a:ea typeface="微软雅黑" pitchFamily="34" charset="-122"/>
-                <a:sym typeface="微软雅黑" pitchFamily="34" charset="-122"/>
+                <a:latin typeface="微软雅黑" panose="020B0503020204020204" pitchFamily="34" charset="-122"/>
+                <a:ea typeface="微软雅黑" panose="020B0503020204020204" pitchFamily="34" charset="-122"/>
+                <a:sym typeface="微软雅黑" panose="020B0503020204020204" pitchFamily="34" charset="-122"/>
               </a:rPr>
               <a:t>animation-iteration-count		</a:t>
             </a:r>
@@ -6633,9 +6445,9 @@
                 <a:solidFill>
                   <a:srgbClr val="3F3F3F"/>
                 </a:solidFill>
-                <a:latin typeface="微软雅黑" pitchFamily="34" charset="-122"/>
-                <a:ea typeface="微软雅黑" pitchFamily="34" charset="-122"/>
-                <a:sym typeface="微软雅黑" pitchFamily="34" charset="-122"/>
+                <a:latin typeface="微软雅黑" panose="020B0503020204020204" pitchFamily="34" charset="-122"/>
+                <a:ea typeface="微软雅黑" panose="020B0503020204020204" pitchFamily="34" charset="-122"/>
+                <a:sym typeface="微软雅黑" panose="020B0503020204020204" pitchFamily="34" charset="-122"/>
               </a:rPr>
               <a:t>重复次数</a:t>
             </a:r>
@@ -6643,14 +6455,14 @@
               <a:solidFill>
                 <a:srgbClr val="3F3F3F"/>
               </a:solidFill>
-              <a:latin typeface="微软雅黑" pitchFamily="34" charset="-122"/>
-              <a:ea typeface="微软雅黑" pitchFamily="34" charset="-122"/>
-              <a:sym typeface="微软雅黑" pitchFamily="34" charset="-122"/>
+              <a:latin typeface="微软雅黑" panose="020B0503020204020204" pitchFamily="34" charset="-122"/>
+              <a:ea typeface="微软雅黑" panose="020B0503020204020204" pitchFamily="34" charset="-122"/>
+              <a:sym typeface="微软雅黑" panose="020B0503020204020204" pitchFamily="34" charset="-122"/>
             </a:endParaRPr>
           </a:p>
           <a:p>
             <a:pPr marL="742950" lvl="2" indent="-342900">
-              <a:buFont typeface="Arial" pitchFamily="34" charset="0"/>
+              <a:buFont typeface="Arial" panose="020B0604020202020204" pitchFamily="34" charset="0"/>
               <a:buChar char="•"/>
             </a:pPr>
             <a:r>
@@ -6658,9 +6470,9 @@
                 <a:solidFill>
                   <a:srgbClr val="3F3F3F"/>
                 </a:solidFill>
-                <a:latin typeface="微软雅黑" pitchFamily="34" charset="-122"/>
-                <a:ea typeface="微软雅黑" pitchFamily="34" charset="-122"/>
-                <a:sym typeface="微软雅黑" pitchFamily="34" charset="-122"/>
+                <a:latin typeface="微软雅黑" panose="020B0503020204020204" pitchFamily="34" charset="-122"/>
+                <a:ea typeface="微软雅黑" panose="020B0503020204020204" pitchFamily="34" charset="-122"/>
+                <a:sym typeface="微软雅黑" panose="020B0503020204020204" pitchFamily="34" charset="-122"/>
               </a:rPr>
               <a:t>animation-direction		</a:t>
             </a:r>
@@ -6669,9 +6481,9 @@
                 <a:solidFill>
                   <a:srgbClr val="3F3F3F"/>
                 </a:solidFill>
-                <a:latin typeface="微软雅黑" pitchFamily="34" charset="-122"/>
-                <a:ea typeface="微软雅黑" pitchFamily="34" charset="-122"/>
-                <a:sym typeface="微软雅黑" pitchFamily="34" charset="-122"/>
+                <a:latin typeface="微软雅黑" panose="020B0503020204020204" pitchFamily="34" charset="-122"/>
+                <a:ea typeface="微软雅黑" panose="020B0503020204020204" pitchFamily="34" charset="-122"/>
+                <a:sym typeface="微软雅黑" panose="020B0503020204020204" pitchFamily="34" charset="-122"/>
               </a:rPr>
               <a:t>动画运行的方向</a:t>
             </a:r>
@@ -6679,9 +6491,9 @@
               <a:solidFill>
                 <a:srgbClr val="3F3F3F"/>
               </a:solidFill>
-              <a:latin typeface="微软雅黑" pitchFamily="34" charset="-122"/>
-              <a:ea typeface="微软雅黑" pitchFamily="34" charset="-122"/>
-              <a:sym typeface="微软雅黑" pitchFamily="34" charset="-122"/>
+              <a:latin typeface="微软雅黑" panose="020B0503020204020204" pitchFamily="34" charset="-122"/>
+              <a:ea typeface="微软雅黑" panose="020B0503020204020204" pitchFamily="34" charset="-122"/>
+              <a:sym typeface="微软雅黑" panose="020B0503020204020204" pitchFamily="34" charset="-122"/>
             </a:endParaRPr>
           </a:p>
           <a:p>
@@ -6693,16 +6505,24 @@
                 <a:solidFill>
                   <a:srgbClr val="3F3F3F"/>
                 </a:solidFill>
-                <a:latin typeface="微软雅黑" pitchFamily="34" charset="-122"/>
-                <a:ea typeface="微软雅黑" pitchFamily="34" charset="-122"/>
-                <a:sym typeface="微软雅黑" pitchFamily="34" charset="-122"/>
+                <a:latin typeface="微软雅黑" panose="020B0503020204020204" pitchFamily="34" charset="-122"/>
+                <a:ea typeface="微软雅黑" panose="020B0503020204020204" pitchFamily="34" charset="-122"/>
+                <a:sym typeface="微软雅黑" panose="020B0503020204020204" pitchFamily="34" charset="-122"/>
               </a:rPr>
               <a:t>normal | reverse | alternate | alternate-reverse</a:t>
             </a:r>
+            <a:endParaRPr lang="en-US" altLang="zh-CN" sz="2200" dirty="0" smtClean="0">
+              <a:solidFill>
+                <a:srgbClr val="3F3F3F"/>
+              </a:solidFill>
+              <a:latin typeface="微软雅黑" panose="020B0503020204020204" pitchFamily="34" charset="-122"/>
+              <a:ea typeface="微软雅黑" panose="020B0503020204020204" pitchFamily="34" charset="-122"/>
+              <a:sym typeface="微软雅黑" panose="020B0503020204020204" pitchFamily="34" charset="-122"/>
+            </a:endParaRPr>
           </a:p>
           <a:p>
             <a:pPr marL="742950" lvl="2" indent="-342900">
-              <a:buFont typeface="Arial" pitchFamily="34" charset="0"/>
+              <a:buFont typeface="Arial" panose="020B0604020202020204" pitchFamily="34" charset="0"/>
               <a:buChar char="•"/>
             </a:pPr>
             <a:r>
@@ -6710,9 +6530,9 @@
                 <a:solidFill>
                   <a:srgbClr val="3F3F3F"/>
                 </a:solidFill>
-                <a:latin typeface="微软雅黑" pitchFamily="34" charset="-122"/>
-                <a:ea typeface="微软雅黑" pitchFamily="34" charset="-122"/>
-                <a:sym typeface="微软雅黑" pitchFamily="34" charset="-122"/>
+                <a:latin typeface="微软雅黑" panose="020B0503020204020204" pitchFamily="34" charset="-122"/>
+                <a:ea typeface="微软雅黑" panose="020B0503020204020204" pitchFamily="34" charset="-122"/>
+                <a:sym typeface="微软雅黑" panose="020B0503020204020204" pitchFamily="34" charset="-122"/>
               </a:rPr>
               <a:t>animation-play-state   </a:t>
             </a:r>
@@ -6721,9 +6541,9 @@
                 <a:solidFill>
                   <a:srgbClr val="3F3F3F"/>
                 </a:solidFill>
-                <a:latin typeface="微软雅黑" pitchFamily="34" charset="-122"/>
-                <a:ea typeface="微软雅黑" pitchFamily="34" charset="-122"/>
-                <a:sym typeface="微软雅黑" pitchFamily="34" charset="-122"/>
+                <a:latin typeface="微软雅黑" panose="020B0503020204020204" pitchFamily="34" charset="-122"/>
+                <a:ea typeface="微软雅黑" panose="020B0503020204020204" pitchFamily="34" charset="-122"/>
+                <a:sym typeface="微软雅黑" panose="020B0503020204020204" pitchFamily="34" charset="-122"/>
               </a:rPr>
               <a:t>动画状态</a:t>
             </a:r>
@@ -6731,9 +6551,9 @@
               <a:solidFill>
                 <a:srgbClr val="3F3F3F"/>
               </a:solidFill>
-              <a:latin typeface="微软雅黑" pitchFamily="34" charset="-122"/>
-              <a:ea typeface="微软雅黑" pitchFamily="34" charset="-122"/>
-              <a:sym typeface="微软雅黑" pitchFamily="34" charset="-122"/>
+              <a:latin typeface="微软雅黑" panose="020B0503020204020204" pitchFamily="34" charset="-122"/>
+              <a:ea typeface="微软雅黑" panose="020B0503020204020204" pitchFamily="34" charset="-122"/>
+              <a:sym typeface="微软雅黑" panose="020B0503020204020204" pitchFamily="34" charset="-122"/>
             </a:endParaRPr>
           </a:p>
           <a:p>
@@ -6745,16 +6565,24 @@
                 <a:solidFill>
                   <a:srgbClr val="3F3F3F"/>
                 </a:solidFill>
-                <a:latin typeface="微软雅黑" pitchFamily="34" charset="-122"/>
-                <a:ea typeface="微软雅黑" pitchFamily="34" charset="-122"/>
-                <a:sym typeface="微软雅黑" pitchFamily="34" charset="-122"/>
+                <a:latin typeface="微软雅黑" panose="020B0503020204020204" pitchFamily="34" charset="-122"/>
+                <a:ea typeface="微软雅黑" panose="020B0503020204020204" pitchFamily="34" charset="-122"/>
+                <a:sym typeface="微软雅黑" panose="020B0503020204020204" pitchFamily="34" charset="-122"/>
               </a:rPr>
               <a:t>running | paused</a:t>
             </a:r>
+            <a:endParaRPr lang="en-US" altLang="zh-CN" sz="2200" dirty="0" smtClean="0">
+              <a:solidFill>
+                <a:srgbClr val="3F3F3F"/>
+              </a:solidFill>
+              <a:latin typeface="微软雅黑" panose="020B0503020204020204" pitchFamily="34" charset="-122"/>
+              <a:ea typeface="微软雅黑" panose="020B0503020204020204" pitchFamily="34" charset="-122"/>
+              <a:sym typeface="微软雅黑" panose="020B0503020204020204" pitchFamily="34" charset="-122"/>
+            </a:endParaRPr>
           </a:p>
           <a:p>
             <a:pPr marL="742950" lvl="2" indent="-342900">
-              <a:buFont typeface="Arial" pitchFamily="34" charset="0"/>
+              <a:buFont typeface="Arial" panose="020B0604020202020204" pitchFamily="34" charset="0"/>
               <a:buChar char="•"/>
             </a:pPr>
             <a:r>
@@ -6762,9 +6590,9 @@
                 <a:solidFill>
                   <a:srgbClr val="3F3F3F"/>
                 </a:solidFill>
-                <a:latin typeface="微软雅黑" pitchFamily="34" charset="-122"/>
-                <a:ea typeface="微软雅黑" pitchFamily="34" charset="-122"/>
-                <a:sym typeface="微软雅黑" pitchFamily="34" charset="-122"/>
+                <a:latin typeface="微软雅黑" panose="020B0503020204020204" pitchFamily="34" charset="-122"/>
+                <a:ea typeface="微软雅黑" panose="020B0503020204020204" pitchFamily="34" charset="-122"/>
+                <a:sym typeface="微软雅黑" panose="020B0503020204020204" pitchFamily="34" charset="-122"/>
               </a:rPr>
               <a:t>animation-fill-mode   </a:t>
             </a:r>
@@ -6773,9 +6601,9 @@
                 <a:solidFill>
                   <a:srgbClr val="3F3F3F"/>
                 </a:solidFill>
-                <a:latin typeface="微软雅黑" pitchFamily="34" charset="-122"/>
-                <a:ea typeface="微软雅黑" pitchFamily="34" charset="-122"/>
-                <a:sym typeface="微软雅黑" pitchFamily="34" charset="-122"/>
+                <a:latin typeface="微软雅黑" panose="020B0503020204020204" pitchFamily="34" charset="-122"/>
+                <a:ea typeface="微软雅黑" panose="020B0503020204020204" pitchFamily="34" charset="-122"/>
+                <a:sym typeface="微软雅黑" panose="020B0503020204020204" pitchFamily="34" charset="-122"/>
               </a:rPr>
               <a:t>动画结束后的状态</a:t>
             </a:r>
@@ -6783,9 +6611,9 @@
               <a:solidFill>
                 <a:srgbClr val="3F3F3F"/>
               </a:solidFill>
-              <a:latin typeface="微软雅黑" pitchFamily="34" charset="-122"/>
-              <a:ea typeface="微软雅黑" pitchFamily="34" charset="-122"/>
-              <a:sym typeface="微软雅黑" pitchFamily="34" charset="-122"/>
+              <a:latin typeface="微软雅黑" panose="020B0503020204020204" pitchFamily="34" charset="-122"/>
+              <a:ea typeface="微软雅黑" panose="020B0503020204020204" pitchFamily="34" charset="-122"/>
+              <a:sym typeface="微软雅黑" panose="020B0503020204020204" pitchFamily="34" charset="-122"/>
             </a:endParaRPr>
           </a:p>
           <a:p>
@@ -6797,9 +6625,9 @@
                 <a:solidFill>
                   <a:srgbClr val="3F3F3F"/>
                 </a:solidFill>
-                <a:latin typeface="微软雅黑" pitchFamily="34" charset="-122"/>
-                <a:ea typeface="微软雅黑" pitchFamily="34" charset="-122"/>
-                <a:sym typeface="微软雅黑" pitchFamily="34" charset="-122"/>
+                <a:latin typeface="微软雅黑" panose="020B0503020204020204" pitchFamily="34" charset="-122"/>
+                <a:ea typeface="微软雅黑" panose="020B0503020204020204" pitchFamily="34" charset="-122"/>
+                <a:sym typeface="微软雅黑" panose="020B0503020204020204" pitchFamily="34" charset="-122"/>
               </a:rPr>
               <a:t>			</a:t>
             </a:r>
@@ -6808,9 +6636,9 @@
                 <a:solidFill>
                   <a:srgbClr val="3F3F3F"/>
                 </a:solidFill>
-                <a:latin typeface="微软雅黑" pitchFamily="34" charset="-122"/>
-                <a:ea typeface="微软雅黑" pitchFamily="34" charset="-122"/>
-                <a:sym typeface="微软雅黑" pitchFamily="34" charset="-122"/>
+                <a:latin typeface="微软雅黑" panose="020B0503020204020204" pitchFamily="34" charset="-122"/>
+                <a:ea typeface="微软雅黑" panose="020B0503020204020204" pitchFamily="34" charset="-122"/>
+                <a:sym typeface="微软雅黑" panose="020B0503020204020204" pitchFamily="34" charset="-122"/>
               </a:rPr>
               <a:t>none | forwards| backwards | both 	</a:t>
             </a:r>
@@ -6819,9 +6647,9 @@
                 <a:solidFill>
                   <a:srgbClr val="3F3F3F"/>
                 </a:solidFill>
-                <a:latin typeface="微软雅黑" pitchFamily="34" charset="-122"/>
-                <a:ea typeface="微软雅黑" pitchFamily="34" charset="-122"/>
-                <a:sym typeface="微软雅黑" pitchFamily="34" charset="-122"/>
+                <a:latin typeface="微软雅黑" panose="020B0503020204020204" pitchFamily="34" charset="-122"/>
+                <a:ea typeface="微软雅黑" panose="020B0503020204020204" pitchFamily="34" charset="-122"/>
+                <a:sym typeface="微软雅黑" panose="020B0503020204020204" pitchFamily="34" charset="-122"/>
               </a:rPr>
               <a:t>	</a:t>
             </a:r>
@@ -6829,43 +6657,13 @@
           </a:p>
         </p:txBody>
       </p:sp>
-      <p:pic>
-        <p:nvPicPr>
-          <p:cNvPr id="4" name="图片 3" descr="logo-new.png"/>
-          <p:cNvPicPr>
-            <a:picLocks noChangeAspect="1"/>
-          </p:cNvPicPr>
-          <p:nvPr/>
-        </p:nvPicPr>
-        <p:blipFill>
-          <a:blip r:embed="rId2">
-            <a:extLst>
-              <a:ext uri="{28A0092B-C50C-407E-A947-70E740481C1C}">
-                <a14:useLocalDpi xmlns:a14="http://schemas.microsoft.com/office/drawing/2010/main" xmlns="" val="0"/>
-              </a:ext>
-            </a:extLst>
-          </a:blip>
-          <a:stretch>
-            <a:fillRect/>
-          </a:stretch>
-        </p:blipFill>
-        <p:spPr>
-          <a:xfrm>
-            <a:off x="6964725" y="5781425"/>
-            <a:ext cx="1743000" cy="900000"/>
-          </a:xfrm>
-          <a:prstGeom prst="rect">
-            <a:avLst/>
-          </a:prstGeom>
-        </p:spPr>
-      </p:pic>
     </p:spTree>
   </p:cSld>
   <p:clrMapOvr>
     <a:masterClrMapping/>
   </p:clrMapOvr>
   <mc:AlternateContent xmlns:mc="http://schemas.openxmlformats.org/markup-compatibility/2006">
-    <mc:Choice xmlns:p14="http://schemas.microsoft.com/office/powerpoint/2010/main" xmlns="" Requires="p14">
+    <mc:Choice xmlns:p14="http://schemas.microsoft.com/office/powerpoint/2010/main" Requires="p14">
       <p:transition spd="med" p14:dur="700">
         <p:fade/>
       </p:transition>
@@ -6963,7 +6761,7 @@
               <a:buClr>
                 <a:schemeClr val="tx1"/>
               </a:buClr>
-              <a:buFont typeface="Arial" pitchFamily="34" charset="0"/>
+              <a:buFont typeface="Arial" panose="020B0604020202020204" pitchFamily="34" charset="0"/>
               <a:buChar char="•"/>
             </a:pPr>
             <a:r>
@@ -6971,9 +6769,9 @@
                 <a:solidFill>
                   <a:srgbClr val="3F3F3F"/>
                 </a:solidFill>
-                <a:latin typeface="微软雅黑" pitchFamily="34" charset="-122"/>
-                <a:ea typeface="微软雅黑" pitchFamily="34" charset="-122"/>
-                <a:sym typeface="微软雅黑" pitchFamily="34" charset="-122"/>
+                <a:latin typeface="微软雅黑" panose="020B0503020204020204" pitchFamily="34" charset="-122"/>
+                <a:ea typeface="微软雅黑" panose="020B0503020204020204" pitchFamily="34" charset="-122"/>
+                <a:sym typeface="微软雅黑" panose="020B0503020204020204" pitchFamily="34" charset="-122"/>
               </a:rPr>
               <a:t>transform-style</a:t>
             </a:r>
@@ -6982,9 +6780,9 @@
                 <a:solidFill>
                   <a:srgbClr val="3F3F3F"/>
                 </a:solidFill>
-                <a:latin typeface="微软雅黑" pitchFamily="34" charset="-122"/>
-                <a:ea typeface="微软雅黑" pitchFamily="34" charset="-122"/>
-                <a:sym typeface="微软雅黑" pitchFamily="34" charset="-122"/>
+                <a:latin typeface="微软雅黑" panose="020B0503020204020204" pitchFamily="34" charset="-122"/>
+                <a:ea typeface="微软雅黑" panose="020B0503020204020204" pitchFamily="34" charset="-122"/>
+                <a:sym typeface="微软雅黑" panose="020B0503020204020204" pitchFamily="34" charset="-122"/>
               </a:rPr>
               <a:t> </a:t>
             </a:r>
@@ -6993,9 +6791,9 @@
                 <a:solidFill>
                   <a:srgbClr val="3F3F3F"/>
                 </a:solidFill>
-                <a:latin typeface="微软雅黑" pitchFamily="34" charset="-122"/>
-                <a:ea typeface="微软雅黑" pitchFamily="34" charset="-122"/>
-                <a:sym typeface="微软雅黑" pitchFamily="34" charset="-122"/>
+                <a:latin typeface="微软雅黑" panose="020B0503020204020204" pitchFamily="34" charset="-122"/>
+                <a:ea typeface="微软雅黑" panose="020B0503020204020204" pitchFamily="34" charset="-122"/>
+                <a:sym typeface="微软雅黑" panose="020B0503020204020204" pitchFamily="34" charset="-122"/>
               </a:rPr>
               <a:t>: flat | preserve-3d (3D</a:t>
             </a:r>
@@ -7004,9 +6802,9 @@
                 <a:solidFill>
                   <a:srgbClr val="3F3F3F"/>
                 </a:solidFill>
-                <a:latin typeface="微软雅黑" pitchFamily="34" charset="-122"/>
-                <a:ea typeface="微软雅黑" pitchFamily="34" charset="-122"/>
-                <a:sym typeface="微软雅黑" pitchFamily="34" charset="-122"/>
+                <a:latin typeface="微软雅黑" panose="020B0503020204020204" pitchFamily="34" charset="-122"/>
+                <a:ea typeface="微软雅黑" panose="020B0503020204020204" pitchFamily="34" charset="-122"/>
+                <a:sym typeface="微软雅黑" panose="020B0503020204020204" pitchFamily="34" charset="-122"/>
               </a:rPr>
               <a:t>空间展示</a:t>
             </a:r>
@@ -7015,19 +6813,27 @@
                 <a:solidFill>
                   <a:srgbClr val="3F3F3F"/>
                 </a:solidFill>
-                <a:latin typeface="微软雅黑" pitchFamily="34" charset="-122"/>
-                <a:ea typeface="微软雅黑" pitchFamily="34" charset="-122"/>
-                <a:sym typeface="微软雅黑" pitchFamily="34" charset="-122"/>
+                <a:latin typeface="微软雅黑" panose="020B0503020204020204" pitchFamily="34" charset="-122"/>
+                <a:ea typeface="微软雅黑" panose="020B0503020204020204" pitchFamily="34" charset="-122"/>
+                <a:sym typeface="微软雅黑" panose="020B0503020204020204" pitchFamily="34" charset="-122"/>
               </a:rPr>
               <a:t>)   </a:t>
             </a:r>
+            <a:endParaRPr lang="en-US" altLang="zh-CN" sz="2200" dirty="0" smtClean="0">
+              <a:solidFill>
+                <a:srgbClr val="3F3F3F"/>
+              </a:solidFill>
+              <a:latin typeface="微软雅黑" panose="020B0503020204020204" pitchFamily="34" charset="-122"/>
+              <a:ea typeface="微软雅黑" panose="020B0503020204020204" pitchFamily="34" charset="-122"/>
+              <a:sym typeface="微软雅黑" panose="020B0503020204020204" pitchFamily="34" charset="-122"/>
+            </a:endParaRPr>
           </a:p>
           <a:p>
             <a:pPr marL="342900" lvl="1" indent="-342900">
               <a:buClr>
                 <a:schemeClr val="tx1"/>
               </a:buClr>
-              <a:buFont typeface="Arial" pitchFamily="34" charset="0"/>
+              <a:buFont typeface="Arial" panose="020B0604020202020204" pitchFamily="34" charset="0"/>
               <a:buChar char="•"/>
             </a:pPr>
             <a:r>
@@ -7035,9 +6841,9 @@
                 <a:solidFill>
                   <a:srgbClr val="3F3F3F"/>
                 </a:solidFill>
-                <a:latin typeface="微软雅黑" pitchFamily="34" charset="-122"/>
-                <a:ea typeface="微软雅黑" pitchFamily="34" charset="-122"/>
-                <a:sym typeface="微软雅黑" pitchFamily="34" charset="-122"/>
+                <a:latin typeface="微软雅黑" panose="020B0503020204020204" pitchFamily="34" charset="-122"/>
+                <a:ea typeface="微软雅黑" panose="020B0503020204020204" pitchFamily="34" charset="-122"/>
+                <a:sym typeface="微软雅黑" panose="020B0503020204020204" pitchFamily="34" charset="-122"/>
               </a:rPr>
               <a:t>perspective </a:t>
             </a:r>
@@ -7046,9 +6852,9 @@
                 <a:solidFill>
                   <a:srgbClr val="3F3F3F"/>
                 </a:solidFill>
-                <a:latin typeface="微软雅黑" pitchFamily="34" charset="-122"/>
-                <a:ea typeface="微软雅黑" pitchFamily="34" charset="-122"/>
-                <a:sym typeface="微软雅黑" pitchFamily="34" charset="-122"/>
+                <a:latin typeface="微软雅黑" panose="020B0503020204020204" pitchFamily="34" charset="-122"/>
+                <a:ea typeface="微软雅黑" panose="020B0503020204020204" pitchFamily="34" charset="-122"/>
+                <a:sym typeface="微软雅黑" panose="020B0503020204020204" pitchFamily="34" charset="-122"/>
               </a:rPr>
               <a:t>透视效果 </a:t>
             </a:r>
@@ -7056,9 +6862,9 @@
               <a:solidFill>
                 <a:srgbClr val="3F3F3F"/>
               </a:solidFill>
-              <a:latin typeface="微软雅黑" pitchFamily="34" charset="-122"/>
-              <a:ea typeface="微软雅黑" pitchFamily="34" charset="-122"/>
-              <a:sym typeface="微软雅黑" pitchFamily="34" charset="-122"/>
+              <a:latin typeface="微软雅黑" panose="020B0503020204020204" pitchFamily="34" charset="-122"/>
+              <a:ea typeface="微软雅黑" panose="020B0503020204020204" pitchFamily="34" charset="-122"/>
+              <a:sym typeface="微软雅黑" panose="020B0503020204020204" pitchFamily="34" charset="-122"/>
             </a:endParaRPr>
           </a:p>
           <a:p>
@@ -7066,7 +6872,7 @@
               <a:buClr>
                 <a:schemeClr val="tx1"/>
               </a:buClr>
-              <a:buFont typeface="Arial" pitchFamily="34" charset="0"/>
+              <a:buFont typeface="Arial" panose="020B0604020202020204" pitchFamily="34" charset="0"/>
               <a:buChar char="•"/>
             </a:pPr>
             <a:r>
@@ -7074,9 +6880,9 @@
                 <a:solidFill>
                   <a:srgbClr val="3F3F3F"/>
                 </a:solidFill>
-                <a:latin typeface="微软雅黑" pitchFamily="34" charset="-122"/>
-                <a:ea typeface="微软雅黑" pitchFamily="34" charset="-122"/>
-                <a:sym typeface="微软雅黑" pitchFamily="34" charset="-122"/>
+                <a:latin typeface="微软雅黑" panose="020B0503020204020204" pitchFamily="34" charset="-122"/>
+                <a:ea typeface="微软雅黑" panose="020B0503020204020204" pitchFamily="34" charset="-122"/>
+                <a:sym typeface="微软雅黑" panose="020B0503020204020204" pitchFamily="34" charset="-122"/>
               </a:rPr>
               <a:t>transform:perspective(800px)  </a:t>
             </a:r>
@@ -7085,9 +6891,9 @@
                 <a:solidFill>
                   <a:srgbClr val="3F3F3F"/>
                 </a:solidFill>
-                <a:latin typeface="微软雅黑" pitchFamily="34" charset="-122"/>
-                <a:ea typeface="微软雅黑" pitchFamily="34" charset="-122"/>
-                <a:sym typeface="微软雅黑" pitchFamily="34" charset="-122"/>
+                <a:latin typeface="微软雅黑" panose="020B0503020204020204" pitchFamily="34" charset="-122"/>
+                <a:ea typeface="微软雅黑" panose="020B0503020204020204" pitchFamily="34" charset="-122"/>
+                <a:sym typeface="微软雅黑" panose="020B0503020204020204" pitchFamily="34" charset="-122"/>
               </a:rPr>
               <a:t>直接作用在子元素上</a:t>
             </a:r>
@@ -7095,9 +6901,9 @@
               <a:solidFill>
                 <a:srgbClr val="3F3F3F"/>
               </a:solidFill>
-              <a:latin typeface="微软雅黑" pitchFamily="34" charset="-122"/>
-              <a:ea typeface="微软雅黑" pitchFamily="34" charset="-122"/>
-              <a:sym typeface="微软雅黑" pitchFamily="34" charset="-122"/>
+              <a:latin typeface="微软雅黑" panose="020B0503020204020204" pitchFamily="34" charset="-122"/>
+              <a:ea typeface="微软雅黑" panose="020B0503020204020204" pitchFamily="34" charset="-122"/>
+              <a:sym typeface="微软雅黑" panose="020B0503020204020204" pitchFamily="34" charset="-122"/>
             </a:endParaRPr>
           </a:p>
           <a:p>
@@ -7105,7 +6911,7 @@
               <a:buClr>
                 <a:schemeClr val="tx1"/>
               </a:buClr>
-              <a:buFont typeface="Arial" pitchFamily="34" charset="0"/>
+              <a:buFont typeface="Arial" panose="020B0604020202020204" pitchFamily="34" charset="0"/>
               <a:buChar char="•"/>
             </a:pPr>
             <a:r>
@@ -7113,9 +6919,9 @@
                 <a:solidFill>
                   <a:srgbClr val="3F3F3F"/>
                 </a:solidFill>
-                <a:latin typeface="微软雅黑" pitchFamily="34" charset="-122"/>
-                <a:ea typeface="微软雅黑" pitchFamily="34" charset="-122"/>
-                <a:sym typeface="微软雅黑" pitchFamily="34" charset="-122"/>
+                <a:latin typeface="微软雅黑" panose="020B0503020204020204" pitchFamily="34" charset="-122"/>
+                <a:ea typeface="微软雅黑" panose="020B0503020204020204" pitchFamily="34" charset="-122"/>
+                <a:sym typeface="微软雅黑" panose="020B0503020204020204" pitchFamily="34" charset="-122"/>
               </a:rPr>
               <a:t>perspective-origin </a:t>
             </a:r>
@@ -7124,9 +6930,9 @@
                 <a:solidFill>
                   <a:srgbClr val="3F3F3F"/>
                 </a:solidFill>
-                <a:latin typeface="微软雅黑" pitchFamily="34" charset="-122"/>
-                <a:ea typeface="微软雅黑" pitchFamily="34" charset="-122"/>
-                <a:sym typeface="微软雅黑" pitchFamily="34" charset="-122"/>
+                <a:latin typeface="微软雅黑" panose="020B0503020204020204" pitchFamily="34" charset="-122"/>
+                <a:ea typeface="微软雅黑" panose="020B0503020204020204" pitchFamily="34" charset="-122"/>
+                <a:sym typeface="微软雅黑" panose="020B0503020204020204" pitchFamily="34" charset="-122"/>
               </a:rPr>
               <a:t>透视点位置</a:t>
             </a:r>
@@ -7134,9 +6940,9 @@
               <a:solidFill>
                 <a:srgbClr val="3F3F3F"/>
               </a:solidFill>
-              <a:latin typeface="微软雅黑" pitchFamily="34" charset="-122"/>
-              <a:ea typeface="微软雅黑" pitchFamily="34" charset="-122"/>
-              <a:sym typeface="微软雅黑" pitchFamily="34" charset="-122"/>
+              <a:latin typeface="微软雅黑" panose="020B0503020204020204" pitchFamily="34" charset="-122"/>
+              <a:ea typeface="微软雅黑" panose="020B0503020204020204" pitchFamily="34" charset="-122"/>
+              <a:sym typeface="微软雅黑" panose="020B0503020204020204" pitchFamily="34" charset="-122"/>
             </a:endParaRPr>
           </a:p>
           <a:p>
@@ -7144,7 +6950,7 @@
               <a:buClr>
                 <a:schemeClr val="tx1"/>
               </a:buClr>
-              <a:buFont typeface="Arial" pitchFamily="34" charset="0"/>
+              <a:buFont typeface="Arial" panose="020B0604020202020204" pitchFamily="34" charset="0"/>
               <a:buChar char="•"/>
             </a:pPr>
             <a:r>
@@ -7152,9 +6958,9 @@
                 <a:solidFill>
                   <a:srgbClr val="3F3F3F"/>
                 </a:solidFill>
-                <a:latin typeface="微软雅黑" pitchFamily="34" charset="-122"/>
-                <a:ea typeface="微软雅黑" pitchFamily="34" charset="-122"/>
-                <a:sym typeface="微软雅黑" pitchFamily="34" charset="-122"/>
+                <a:latin typeface="微软雅黑" panose="020B0503020204020204" pitchFamily="34" charset="-122"/>
+                <a:ea typeface="微软雅黑" panose="020B0503020204020204" pitchFamily="34" charset="-122"/>
+                <a:sym typeface="微软雅黑" panose="020B0503020204020204" pitchFamily="34" charset="-122"/>
               </a:rPr>
               <a:t>transform </a:t>
             </a:r>
@@ -7163,9 +6969,9 @@
                 <a:solidFill>
                   <a:srgbClr val="3F3F3F"/>
                 </a:solidFill>
-                <a:latin typeface="微软雅黑" pitchFamily="34" charset="-122"/>
-                <a:ea typeface="微软雅黑" pitchFamily="34" charset="-122"/>
-                <a:sym typeface="微软雅黑" pitchFamily="34" charset="-122"/>
+                <a:latin typeface="微软雅黑" panose="020B0503020204020204" pitchFamily="34" charset="-122"/>
+                <a:ea typeface="微软雅黑" panose="020B0503020204020204" pitchFamily="34" charset="-122"/>
+                <a:sym typeface="微软雅黑" panose="020B0503020204020204" pitchFamily="34" charset="-122"/>
               </a:rPr>
               <a:t>新增函数</a:t>
             </a:r>
@@ -7173,9 +6979,9 @@
               <a:solidFill>
                 <a:srgbClr val="3F3F3F"/>
               </a:solidFill>
-              <a:latin typeface="微软雅黑" pitchFamily="34" charset="-122"/>
-              <a:ea typeface="微软雅黑" pitchFamily="34" charset="-122"/>
-              <a:sym typeface="微软雅黑" pitchFamily="34" charset="-122"/>
+              <a:latin typeface="微软雅黑" panose="020B0503020204020204" pitchFamily="34" charset="-122"/>
+              <a:ea typeface="微软雅黑" panose="020B0503020204020204" pitchFamily="34" charset="-122"/>
+              <a:sym typeface="微软雅黑" panose="020B0503020204020204" pitchFamily="34" charset="-122"/>
             </a:endParaRPr>
           </a:p>
           <a:p>
@@ -7189,12 +6995,20 @@
                 <a:solidFill>
                   <a:srgbClr val="3F3F3F"/>
                 </a:solidFill>
-                <a:latin typeface="微软雅黑" pitchFamily="34" charset="-122"/>
-                <a:ea typeface="微软雅黑" pitchFamily="34" charset="-122"/>
-                <a:sym typeface="微软雅黑" pitchFamily="34" charset="-122"/>
+                <a:latin typeface="微软雅黑" panose="020B0503020204020204" pitchFamily="34" charset="-122"/>
+                <a:ea typeface="微软雅黑" panose="020B0503020204020204" pitchFamily="34" charset="-122"/>
+                <a:sym typeface="微软雅黑" panose="020B0503020204020204" pitchFamily="34" charset="-122"/>
               </a:rPr>
               <a:t>translate3d( tx , ty, tz )</a:t>
             </a:r>
+            <a:endParaRPr lang="en-US" altLang="zh-CN" sz="2200" dirty="0" smtClean="0">
+              <a:solidFill>
+                <a:srgbClr val="3F3F3F"/>
+              </a:solidFill>
+              <a:latin typeface="微软雅黑" panose="020B0503020204020204" pitchFamily="34" charset="-122"/>
+              <a:ea typeface="微软雅黑" panose="020B0503020204020204" pitchFamily="34" charset="-122"/>
+              <a:sym typeface="微软雅黑" panose="020B0503020204020204" pitchFamily="34" charset="-122"/>
+            </a:endParaRPr>
           </a:p>
           <a:p>
             <a:pPr marL="1200150" lvl="3" indent="-342900">
@@ -7208,19 +7022,27 @@
                 <a:solidFill>
                   <a:srgbClr val="3F3F3F"/>
                 </a:solidFill>
-                <a:latin typeface="微软雅黑" pitchFamily="34" charset="-122"/>
-                <a:ea typeface="微软雅黑" pitchFamily="34" charset="-122"/>
-                <a:sym typeface="微软雅黑" pitchFamily="34" charset="-122"/>
+                <a:latin typeface="微软雅黑" panose="020B0503020204020204" pitchFamily="34" charset="-122"/>
+                <a:ea typeface="微软雅黑" panose="020B0503020204020204" pitchFamily="34" charset="-122"/>
+                <a:sym typeface="微软雅黑" panose="020B0503020204020204" pitchFamily="34" charset="-122"/>
               </a:rPr>
               <a:t>translateX()    translateY()   translateZ()</a:t>
             </a:r>
+            <a:endParaRPr lang="en-US" altLang="zh-CN" sz="2200" dirty="0" smtClean="0">
+              <a:solidFill>
+                <a:srgbClr val="3F3F3F"/>
+              </a:solidFill>
+              <a:latin typeface="微软雅黑" panose="020B0503020204020204" pitchFamily="34" charset="-122"/>
+              <a:ea typeface="微软雅黑" panose="020B0503020204020204" pitchFamily="34" charset="-122"/>
+              <a:sym typeface="微软雅黑" panose="020B0503020204020204" pitchFamily="34" charset="-122"/>
+            </a:endParaRPr>
           </a:p>
           <a:p>
             <a:pPr marL="742950" lvl="2" indent="-342900">
               <a:buClr>
                 <a:schemeClr val="tx1"/>
               </a:buClr>
-              <a:buFont typeface="Arial" pitchFamily="34" charset="0"/>
+              <a:buFont typeface="Arial" panose="020B0604020202020204" pitchFamily="34" charset="0"/>
               <a:buChar char="•"/>
             </a:pPr>
             <a:r>
@@ -7228,9 +7050,9 @@
                 <a:solidFill>
                   <a:srgbClr val="3F3F3F"/>
                 </a:solidFill>
-                <a:latin typeface="微软雅黑" pitchFamily="34" charset="-122"/>
-                <a:ea typeface="微软雅黑" pitchFamily="34" charset="-122"/>
-                <a:sym typeface="微软雅黑" pitchFamily="34" charset="-122"/>
+                <a:latin typeface="微软雅黑" panose="020B0503020204020204" pitchFamily="34" charset="-122"/>
+                <a:ea typeface="微软雅黑" panose="020B0503020204020204" pitchFamily="34" charset="-122"/>
+                <a:sym typeface="微软雅黑" panose="020B0503020204020204" pitchFamily="34" charset="-122"/>
               </a:rPr>
               <a:t>rotate3d( rx , ry , </a:t>
             </a:r>
@@ -7239,9 +7061,9 @@
                 <a:solidFill>
                   <a:srgbClr val="3F3F3F"/>
                 </a:solidFill>
-                <a:latin typeface="微软雅黑" pitchFamily="34" charset="-122"/>
-                <a:ea typeface="微软雅黑" pitchFamily="34" charset="-122"/>
-                <a:sym typeface="微软雅黑" pitchFamily="34" charset="-122"/>
+                <a:latin typeface="微软雅黑" panose="020B0503020204020204" pitchFamily="34" charset="-122"/>
+                <a:ea typeface="微软雅黑" panose="020B0503020204020204" pitchFamily="34" charset="-122"/>
+                <a:sym typeface="微软雅黑" panose="020B0503020204020204" pitchFamily="34" charset="-122"/>
               </a:rPr>
               <a:t>rz</a:t>
             </a:r>
@@ -7250,9 +7072,9 @@
                 <a:solidFill>
                   <a:srgbClr val="3F3F3F"/>
                 </a:solidFill>
-                <a:latin typeface="微软雅黑" pitchFamily="34" charset="-122"/>
-                <a:ea typeface="微软雅黑" pitchFamily="34" charset="-122"/>
-                <a:sym typeface="微软雅黑" pitchFamily="34" charset="-122"/>
+                <a:latin typeface="微软雅黑" panose="020B0503020204020204" pitchFamily="34" charset="-122"/>
+                <a:ea typeface="微软雅黑" panose="020B0503020204020204" pitchFamily="34" charset="-122"/>
+                <a:sym typeface="微软雅黑" panose="020B0503020204020204" pitchFamily="34" charset="-122"/>
               </a:rPr>
               <a:t>，</a:t>
             </a:r>
@@ -7261,12 +7083,20 @@
                 <a:solidFill>
                   <a:srgbClr val="3F3F3F"/>
                 </a:solidFill>
-                <a:latin typeface="微软雅黑" pitchFamily="34" charset="-122"/>
-                <a:ea typeface="微软雅黑" pitchFamily="34" charset="-122"/>
-                <a:sym typeface="微软雅黑" pitchFamily="34" charset="-122"/>
+                <a:latin typeface="微软雅黑" panose="020B0503020204020204" pitchFamily="34" charset="-122"/>
+                <a:ea typeface="微软雅黑" panose="020B0503020204020204" pitchFamily="34" charset="-122"/>
+                <a:sym typeface="微软雅黑" panose="020B0503020204020204" pitchFamily="34" charset="-122"/>
               </a:rPr>
               <a:t>a)</a:t>
             </a:r>
+            <a:endParaRPr lang="en-US" altLang="zh-CN" sz="2200" dirty="0" smtClean="0">
+              <a:solidFill>
+                <a:srgbClr val="3F3F3F"/>
+              </a:solidFill>
+              <a:latin typeface="微软雅黑" panose="020B0503020204020204" pitchFamily="34" charset="-122"/>
+              <a:ea typeface="微软雅黑" panose="020B0503020204020204" pitchFamily="34" charset="-122"/>
+              <a:sym typeface="微软雅黑" panose="020B0503020204020204" pitchFamily="34" charset="-122"/>
+            </a:endParaRPr>
           </a:p>
           <a:p>
             <a:pPr marL="1200150" lvl="3" indent="-342900">
@@ -7280,9 +7110,9 @@
                 <a:solidFill>
                   <a:srgbClr val="3F3F3F"/>
                 </a:solidFill>
-                <a:latin typeface="微软雅黑" pitchFamily="34" charset="-122"/>
-                <a:ea typeface="微软雅黑" pitchFamily="34" charset="-122"/>
-                <a:sym typeface="微软雅黑" pitchFamily="34" charset="-122"/>
+                <a:latin typeface="微软雅黑" panose="020B0503020204020204" pitchFamily="34" charset="-122"/>
+                <a:ea typeface="微软雅黑" panose="020B0503020204020204" pitchFamily="34" charset="-122"/>
+                <a:sym typeface="微软雅黑" panose="020B0503020204020204" pitchFamily="34" charset="-122"/>
               </a:rPr>
               <a:t>rotateX()</a:t>
             </a:r>
@@ -7291,9 +7121,9 @@
                 <a:solidFill>
                   <a:srgbClr val="3F3F3F"/>
                 </a:solidFill>
-                <a:latin typeface="微软雅黑" pitchFamily="34" charset="-122"/>
-                <a:ea typeface="微软雅黑" pitchFamily="34" charset="-122"/>
-                <a:sym typeface="微软雅黑" pitchFamily="34" charset="-122"/>
+                <a:latin typeface="微软雅黑" panose="020B0503020204020204" pitchFamily="34" charset="-122"/>
+                <a:ea typeface="微软雅黑" panose="020B0503020204020204" pitchFamily="34" charset="-122"/>
+                <a:sym typeface="微软雅黑" panose="020B0503020204020204" pitchFamily="34" charset="-122"/>
               </a:rPr>
               <a:t>   </a:t>
             </a:r>
@@ -7302,9 +7132,9 @@
                 <a:solidFill>
                   <a:srgbClr val="3F3F3F"/>
                 </a:solidFill>
-                <a:latin typeface="微软雅黑" pitchFamily="34" charset="-122"/>
-                <a:ea typeface="微软雅黑" pitchFamily="34" charset="-122"/>
-                <a:sym typeface="微软雅黑" pitchFamily="34" charset="-122"/>
+                <a:latin typeface="微软雅黑" panose="020B0503020204020204" pitchFamily="34" charset="-122"/>
+                <a:ea typeface="微软雅黑" panose="020B0503020204020204" pitchFamily="34" charset="-122"/>
+                <a:sym typeface="微软雅黑" panose="020B0503020204020204" pitchFamily="34" charset="-122"/>
               </a:rPr>
               <a:t>rotateY()</a:t>
             </a:r>
@@ -7313,9 +7143,9 @@
                 <a:solidFill>
                   <a:srgbClr val="3F3F3F"/>
                 </a:solidFill>
-                <a:latin typeface="微软雅黑" pitchFamily="34" charset="-122"/>
-                <a:ea typeface="微软雅黑" pitchFamily="34" charset="-122"/>
-                <a:sym typeface="微软雅黑" pitchFamily="34" charset="-122"/>
+                <a:latin typeface="微软雅黑" panose="020B0503020204020204" pitchFamily="34" charset="-122"/>
+                <a:ea typeface="微软雅黑" panose="020B0503020204020204" pitchFamily="34" charset="-122"/>
+                <a:sym typeface="微软雅黑" panose="020B0503020204020204" pitchFamily="34" charset="-122"/>
               </a:rPr>
               <a:t>   </a:t>
             </a:r>
@@ -7324,19 +7154,27 @@
                 <a:solidFill>
                   <a:srgbClr val="3F3F3F"/>
                 </a:solidFill>
-                <a:latin typeface="微软雅黑" pitchFamily="34" charset="-122"/>
-                <a:ea typeface="微软雅黑" pitchFamily="34" charset="-122"/>
-                <a:sym typeface="微软雅黑" pitchFamily="34" charset="-122"/>
+                <a:latin typeface="微软雅黑" panose="020B0503020204020204" pitchFamily="34" charset="-122"/>
+                <a:ea typeface="微软雅黑" panose="020B0503020204020204" pitchFamily="34" charset="-122"/>
+                <a:sym typeface="微软雅黑" panose="020B0503020204020204" pitchFamily="34" charset="-122"/>
               </a:rPr>
               <a:t>rotateZ()</a:t>
             </a:r>
+            <a:endParaRPr lang="en-US" altLang="zh-CN" sz="2200" dirty="0" smtClean="0">
+              <a:solidFill>
+                <a:srgbClr val="3F3F3F"/>
+              </a:solidFill>
+              <a:latin typeface="微软雅黑" panose="020B0503020204020204" pitchFamily="34" charset="-122"/>
+              <a:ea typeface="微软雅黑" panose="020B0503020204020204" pitchFamily="34" charset="-122"/>
+              <a:sym typeface="微软雅黑" panose="020B0503020204020204" pitchFamily="34" charset="-122"/>
+            </a:endParaRPr>
           </a:p>
           <a:p>
             <a:pPr marL="742950" lvl="2" indent="-342900">
               <a:buClr>
                 <a:schemeClr val="tx1"/>
               </a:buClr>
-              <a:buFont typeface="Arial" pitchFamily="34" charset="0"/>
+              <a:buFont typeface="Arial" panose="020B0604020202020204" pitchFamily="34" charset="0"/>
               <a:buChar char="•"/>
             </a:pPr>
             <a:r>
@@ -7344,12 +7182,20 @@
                 <a:solidFill>
                   <a:srgbClr val="3F3F3F"/>
                 </a:solidFill>
-                <a:latin typeface="微软雅黑" pitchFamily="34" charset="-122"/>
-                <a:ea typeface="微软雅黑" pitchFamily="34" charset="-122"/>
-                <a:sym typeface="微软雅黑" pitchFamily="34" charset="-122"/>
+                <a:latin typeface="微软雅黑" panose="020B0503020204020204" pitchFamily="34" charset="-122"/>
+                <a:ea typeface="微软雅黑" panose="020B0503020204020204" pitchFamily="34" charset="-122"/>
+                <a:sym typeface="微软雅黑" panose="020B0503020204020204" pitchFamily="34" charset="-122"/>
               </a:rPr>
               <a:t>scale3d( sx , sy , sz)</a:t>
             </a:r>
+            <a:endParaRPr lang="en-US" altLang="zh-CN" sz="2200" dirty="0" smtClean="0">
+              <a:solidFill>
+                <a:srgbClr val="3F3F3F"/>
+              </a:solidFill>
+              <a:latin typeface="微软雅黑" panose="020B0503020204020204" pitchFamily="34" charset="-122"/>
+              <a:ea typeface="微软雅黑" panose="020B0503020204020204" pitchFamily="34" charset="-122"/>
+              <a:sym typeface="微软雅黑" panose="020B0503020204020204" pitchFamily="34" charset="-122"/>
+            </a:endParaRPr>
           </a:p>
           <a:p>
             <a:pPr marL="1200150" lvl="3" indent="-342900">
@@ -7363,12 +7209,20 @@
                 <a:solidFill>
                   <a:srgbClr val="3F3F3F"/>
                 </a:solidFill>
-                <a:latin typeface="微软雅黑" pitchFamily="34" charset="-122"/>
-                <a:ea typeface="微软雅黑" pitchFamily="34" charset="-122"/>
-                <a:sym typeface="微软雅黑" pitchFamily="34" charset="-122"/>
+                <a:latin typeface="微软雅黑" panose="020B0503020204020204" pitchFamily="34" charset="-122"/>
+                <a:ea typeface="微软雅黑" panose="020B0503020204020204" pitchFamily="34" charset="-122"/>
+                <a:sym typeface="微软雅黑" panose="020B0503020204020204" pitchFamily="34" charset="-122"/>
               </a:rPr>
               <a:t>scaleX()     scaleY()     scaleZ()</a:t>
             </a:r>
+            <a:endParaRPr lang="en-US" altLang="zh-CN" sz="2200" dirty="0" smtClean="0">
+              <a:solidFill>
+                <a:srgbClr val="3F3F3F"/>
+              </a:solidFill>
+              <a:latin typeface="微软雅黑" panose="020B0503020204020204" pitchFamily="34" charset="-122"/>
+              <a:ea typeface="微软雅黑" panose="020B0503020204020204" pitchFamily="34" charset="-122"/>
+              <a:sym typeface="微软雅黑" panose="020B0503020204020204" pitchFamily="34" charset="-122"/>
+            </a:endParaRPr>
           </a:p>
           <a:p>
             <a:pPr marL="1200150" lvl="3" indent="-342900">
@@ -7381,50 +7235,20 @@
               <a:solidFill>
                 <a:srgbClr val="3F3F3F"/>
               </a:solidFill>
-              <a:latin typeface="微软雅黑" pitchFamily="34" charset="-122"/>
-              <a:ea typeface="微软雅黑" pitchFamily="34" charset="-122"/>
-              <a:sym typeface="微软雅黑" pitchFamily="34" charset="-122"/>
+              <a:latin typeface="微软雅黑" panose="020B0503020204020204" pitchFamily="34" charset="-122"/>
+              <a:ea typeface="微软雅黑" panose="020B0503020204020204" pitchFamily="34" charset="-122"/>
+              <a:sym typeface="微软雅黑" panose="020B0503020204020204" pitchFamily="34" charset="-122"/>
             </a:endParaRPr>
           </a:p>
         </p:txBody>
       </p:sp>
-      <p:pic>
-        <p:nvPicPr>
-          <p:cNvPr id="4" name="图片 3" descr="logo-new.png"/>
-          <p:cNvPicPr>
-            <a:picLocks noChangeAspect="1"/>
-          </p:cNvPicPr>
-          <p:nvPr/>
-        </p:nvPicPr>
-        <p:blipFill>
-          <a:blip r:embed="rId2">
-            <a:extLst>
-              <a:ext uri="{28A0092B-C50C-407E-A947-70E740481C1C}">
-                <a14:useLocalDpi xmlns:a14="http://schemas.microsoft.com/office/drawing/2010/main" xmlns="" val="0"/>
-              </a:ext>
-            </a:extLst>
-          </a:blip>
-          <a:stretch>
-            <a:fillRect/>
-          </a:stretch>
-        </p:blipFill>
-        <p:spPr>
-          <a:xfrm>
-            <a:off x="6964725" y="5781425"/>
-            <a:ext cx="1743000" cy="900000"/>
-          </a:xfrm>
-          <a:prstGeom prst="rect">
-            <a:avLst/>
-          </a:prstGeom>
-        </p:spPr>
-      </p:pic>
     </p:spTree>
   </p:cSld>
   <p:clrMapOvr>
     <a:masterClrMapping/>
   </p:clrMapOvr>
   <mc:AlternateContent xmlns:mc="http://schemas.openxmlformats.org/markup-compatibility/2006">
-    <mc:Choice xmlns:p14="http://schemas.microsoft.com/office/powerpoint/2010/main" xmlns="" Requires="p14">
+    <mc:Choice xmlns:p14="http://schemas.microsoft.com/office/powerpoint/2010/main" Requires="p14">
       <p:transition spd="med" p14:dur="700">
         <p:fade/>
       </p:transition>
@@ -7754,7 +7578,11 @@
       </a:style>
     </a:lnDef>
   </a:objectDefaults>
-  <a:extraClrSchemeLst/>
+  <a:extLst>
+    <a:ext uri="{05A4C25C-085E-4340-85A3-A5531E510DB2}">
+      <thm15:themeFamily xmlns:thm15="http://schemas.microsoft.com/office/thememl/2012/main" name="Office Theme" id="{62F939B6-93AF-4DB8-9C6B-D6C7DFDC589F}" vid="{4A3C46E8-61CC-4603-A589-7422A47A8E4A}"/>
+    </a:ext>
+  </a:extLst>
 </a:theme>
 </file>
 
@@ -8074,6 +7902,10 @@
       </a:style>
     </a:lnDef>
   </a:objectDefaults>
-  <a:extraClrSchemeLst/>
+  <a:extLst>
+    <a:ext uri="{05A4C25C-085E-4340-85A3-A5531E510DB2}">
+      <thm15:themeFamily xmlns:thm15="http://schemas.microsoft.com/office/thememl/2012/main" name="Office Theme" id="{62F939B6-93AF-4DB8-9C6B-D6C7DFDC589F}" vid="{4A3C46E8-61CC-4603-A589-7422A47A8E4A}"/>
+    </a:ext>
+  </a:extLst>
 </a:theme>
 </file>